--- a/FlappyBird.pptx
+++ b/FlappyBird.pptx
@@ -11,7 +11,13 @@
     <p:sldId id="257" r:id="rId5"/>
     <p:sldId id="262" r:id="rId6"/>
     <p:sldId id="261" r:id="rId7"/>
-    <p:sldId id="260" r:id="rId8"/>
+    <p:sldId id="268" r:id="rId8"/>
+    <p:sldId id="263" r:id="rId9"/>
+    <p:sldId id="264" r:id="rId10"/>
+    <p:sldId id="265" r:id="rId11"/>
+    <p:sldId id="266" r:id="rId12"/>
+    <p:sldId id="267" r:id="rId13"/>
+    <p:sldId id="260" r:id="rId14"/>
   </p:sldIdLst>
   <p:sldSz cx="12192000" cy="6858000"/>
   <p:notesSz cx="6858000" cy="9144000"/>
@@ -303,7 +309,7 @@
           <a:p>
             <a:fld id="{94929FD2-3FD3-490B-9F8B-3A22DA6F68E0}" type="datetimeFigureOut">
               <a:rPr lang="pt-BR" smtClean="0"/>
-              <a:t>05/04/2022</a:t>
+              <a:t>06/04/2022</a:t>
             </a:fld>
             <a:endParaRPr lang="pt-BR"/>
           </a:p>
@@ -601,7 +607,7 @@
           <a:p>
             <a:fld id="{94929FD2-3FD3-490B-9F8B-3A22DA6F68E0}" type="datetimeFigureOut">
               <a:rPr lang="pt-BR" smtClean="0"/>
-              <a:t>05/04/2022</a:t>
+              <a:t>06/04/2022</a:t>
             </a:fld>
             <a:endParaRPr lang="pt-BR"/>
           </a:p>
@@ -793,7 +799,7 @@
           <a:p>
             <a:fld id="{94929FD2-3FD3-490B-9F8B-3A22DA6F68E0}" type="datetimeFigureOut">
               <a:rPr lang="pt-BR" smtClean="0"/>
-              <a:t>05/04/2022</a:t>
+              <a:t>06/04/2022</a:t>
             </a:fld>
             <a:endParaRPr lang="pt-BR"/>
           </a:p>
@@ -1054,7 +1060,7 @@
           <a:p>
             <a:fld id="{94929FD2-3FD3-490B-9F8B-3A22DA6F68E0}" type="datetimeFigureOut">
               <a:rPr lang="pt-BR" smtClean="0"/>
-              <a:t>05/04/2022</a:t>
+              <a:t>06/04/2022</a:t>
             </a:fld>
             <a:endParaRPr lang="pt-BR"/>
           </a:p>
@@ -1478,7 +1484,7 @@
           <a:p>
             <a:fld id="{94929FD2-3FD3-490B-9F8B-3A22DA6F68E0}" type="datetimeFigureOut">
               <a:rPr lang="pt-BR" smtClean="0"/>
-              <a:t>05/04/2022</a:t>
+              <a:t>06/04/2022</a:t>
             </a:fld>
             <a:endParaRPr lang="pt-BR"/>
           </a:p>
@@ -2015,7 +2021,7 @@
           <a:p>
             <a:fld id="{94929FD2-3FD3-490B-9F8B-3A22DA6F68E0}" type="datetimeFigureOut">
               <a:rPr lang="pt-BR" smtClean="0"/>
-              <a:t>05/04/2022</a:t>
+              <a:t>06/04/2022</a:t>
             </a:fld>
             <a:endParaRPr lang="pt-BR"/>
           </a:p>
@@ -2879,7 +2885,7 @@
           <a:p>
             <a:fld id="{94929FD2-3FD3-490B-9F8B-3A22DA6F68E0}" type="datetimeFigureOut">
               <a:rPr lang="pt-BR" smtClean="0"/>
-              <a:t>05/04/2022</a:t>
+              <a:t>06/04/2022</a:t>
             </a:fld>
             <a:endParaRPr lang="pt-BR"/>
           </a:p>
@@ -3049,7 +3055,7 @@
           <a:p>
             <a:fld id="{94929FD2-3FD3-490B-9F8B-3A22DA6F68E0}" type="datetimeFigureOut">
               <a:rPr lang="pt-BR" smtClean="0"/>
-              <a:t>05/04/2022</a:t>
+              <a:t>06/04/2022</a:t>
             </a:fld>
             <a:endParaRPr lang="pt-BR"/>
           </a:p>
@@ -3233,7 +3239,7 @@
           <a:p>
             <a:fld id="{94929FD2-3FD3-490B-9F8B-3A22DA6F68E0}" type="datetimeFigureOut">
               <a:rPr lang="pt-BR" smtClean="0"/>
-              <a:t>05/04/2022</a:t>
+              <a:t>06/04/2022</a:t>
             </a:fld>
             <a:endParaRPr lang="pt-BR"/>
           </a:p>
@@ -3403,7 +3409,7 @@
           <a:p>
             <a:fld id="{94929FD2-3FD3-490B-9F8B-3A22DA6F68E0}" type="datetimeFigureOut">
               <a:rPr lang="pt-BR" smtClean="0"/>
-              <a:t>05/04/2022</a:t>
+              <a:t>06/04/2022</a:t>
             </a:fld>
             <a:endParaRPr lang="pt-BR"/>
           </a:p>
@@ -3647,7 +3653,7 @@
           <a:p>
             <a:fld id="{94929FD2-3FD3-490B-9F8B-3A22DA6F68E0}" type="datetimeFigureOut">
               <a:rPr lang="pt-BR" smtClean="0"/>
-              <a:t>05/04/2022</a:t>
+              <a:t>06/04/2022</a:t>
             </a:fld>
             <a:endParaRPr lang="pt-BR"/>
           </a:p>
@@ -3883,7 +3889,7 @@
           <a:p>
             <a:fld id="{94929FD2-3FD3-490B-9F8B-3A22DA6F68E0}" type="datetimeFigureOut">
               <a:rPr lang="pt-BR" smtClean="0"/>
-              <a:t>05/04/2022</a:t>
+              <a:t>06/04/2022</a:t>
             </a:fld>
             <a:endParaRPr lang="pt-BR"/>
           </a:p>
@@ -4349,7 +4355,7 @@
           <a:p>
             <a:fld id="{94929FD2-3FD3-490B-9F8B-3A22DA6F68E0}" type="datetimeFigureOut">
               <a:rPr lang="pt-BR" smtClean="0"/>
-              <a:t>05/04/2022</a:t>
+              <a:t>06/04/2022</a:t>
             </a:fld>
             <a:endParaRPr lang="pt-BR"/>
           </a:p>
@@ -4467,7 +4473,7 @@
           <a:p>
             <a:fld id="{94929FD2-3FD3-490B-9F8B-3A22DA6F68E0}" type="datetimeFigureOut">
               <a:rPr lang="pt-BR" smtClean="0"/>
-              <a:t>05/04/2022</a:t>
+              <a:t>06/04/2022</a:t>
             </a:fld>
             <a:endParaRPr lang="pt-BR"/>
           </a:p>
@@ -4562,7 +4568,7 @@
           <a:p>
             <a:fld id="{94929FD2-3FD3-490B-9F8B-3A22DA6F68E0}" type="datetimeFigureOut">
               <a:rPr lang="pt-BR" smtClean="0"/>
-              <a:t>05/04/2022</a:t>
+              <a:t>06/04/2022</a:t>
             </a:fld>
             <a:endParaRPr lang="pt-BR"/>
           </a:p>
@@ -4817,7 +4823,7 @@
           <a:p>
             <a:fld id="{94929FD2-3FD3-490B-9F8B-3A22DA6F68E0}" type="datetimeFigureOut">
               <a:rPr lang="pt-BR" smtClean="0"/>
-              <a:t>05/04/2022</a:t>
+              <a:t>06/04/2022</a:t>
             </a:fld>
             <a:endParaRPr lang="pt-BR"/>
           </a:p>
@@ -5117,7 +5123,7 @@
           <a:p>
             <a:fld id="{94929FD2-3FD3-490B-9F8B-3A22DA6F68E0}" type="datetimeFigureOut">
               <a:rPr lang="pt-BR" smtClean="0"/>
-              <a:t>05/04/2022</a:t>
+              <a:t>06/04/2022</a:t>
             </a:fld>
             <a:endParaRPr lang="pt-BR"/>
           </a:p>
@@ -5351,7 +5357,7 @@
           <a:p>
             <a:fld id="{94929FD2-3FD3-490B-9F8B-3A22DA6F68E0}" type="datetimeFigureOut">
               <a:rPr lang="pt-BR" smtClean="0"/>
-              <a:t>05/04/2022</a:t>
+              <a:t>06/04/2022</a:t>
             </a:fld>
             <a:endParaRPr lang="pt-BR"/>
           </a:p>
@@ -6041,7 +6047,12 @@
             <p:ph type="ctrTitle"/>
           </p:nvPr>
         </p:nvSpPr>
-        <p:spPr/>
+        <p:spPr>
+          <a:xfrm>
+            <a:off x="1370693" y="1651378"/>
+            <a:ext cx="9440034" cy="1278222"/>
+          </a:xfrm>
+        </p:spPr>
         <p:txBody>
           <a:bodyPr/>
           <a:lstStyle/>
@@ -6071,7 +6082,9 @@
         </p:nvSpPr>
         <p:spPr/>
         <p:txBody>
-          <a:bodyPr/>
+          <a:bodyPr>
+            <a:normAutofit fontScale="85000" lnSpcReduction="10000"/>
+          </a:bodyPr>
           <a:lstStyle/>
           <a:p>
             <a:r>
@@ -6083,6 +6096,1934 @@
             <a:r>
               <a:rPr lang="pt-BR" dirty="0"/>
               <a:t>FATEC Zona Sul</a:t>
+            </a:r>
+          </a:p>
+          <a:p>
+            <a:r>
+              <a:rPr lang="pt-BR" dirty="0"/>
+              <a:t>Professor </a:t>
+            </a:r>
+            <a:r>
+              <a:rPr lang="pt-BR" dirty="0" err="1"/>
+              <a:t>Ceroni</a:t>
+            </a:r>
+            <a:endParaRPr lang="pt-BR" dirty="0"/>
+          </a:p>
+        </p:txBody>
+      </p:sp>
+    </p:spTree>
+    <p:extLst>
+      <p:ext uri="{BB962C8B-B14F-4D97-AF65-F5344CB8AC3E}">
+        <p14:creationId xmlns:p14="http://schemas.microsoft.com/office/powerpoint/2010/main" val="1494072762"/>
+      </p:ext>
+    </p:extLst>
+  </p:cSld>
+  <p:clrMapOvr>
+    <a:masterClrMapping/>
+  </p:clrMapOvr>
+</p:sld>
+</file>
+
+<file path=ppt/slides/slide10.xml><?xml version="1.0" encoding="utf-8"?>
+<p:sld xmlns:a="http://schemas.openxmlformats.org/drawingml/2006/main" xmlns:r="http://schemas.openxmlformats.org/officeDocument/2006/relationships" xmlns:p="http://schemas.openxmlformats.org/presentationml/2006/main">
+  <p:cSld>
+    <p:spTree>
+      <p:nvGrpSpPr>
+        <p:cNvPr id="1" name=""/>
+        <p:cNvGrpSpPr/>
+        <p:nvPr/>
+      </p:nvGrpSpPr>
+      <p:grpSpPr>
+        <a:xfrm>
+          <a:off x="0" y="0"/>
+          <a:ext cx="0" cy="0"/>
+          <a:chOff x="0" y="0"/>
+          <a:chExt cx="0" cy="0"/>
+        </a:xfrm>
+      </p:grpSpPr>
+      <p:pic>
+        <p:nvPicPr>
+          <p:cNvPr id="2" name="Imagem 1" descr="Texto&#10;&#10;Descrição gerada automaticamente">
+            <a:extLst>
+              <a:ext uri="{FF2B5EF4-FFF2-40B4-BE49-F238E27FC236}">
+                <a16:creationId xmlns:a16="http://schemas.microsoft.com/office/drawing/2014/main" id="{52251882-2418-4C22-B920-B6DE6CF697FD}"/>
+              </a:ext>
+            </a:extLst>
+          </p:cNvPr>
+          <p:cNvPicPr>
+            <a:picLocks noChangeAspect="1"/>
+          </p:cNvPicPr>
+          <p:nvPr/>
+        </p:nvPicPr>
+        <p:blipFill>
+          <a:blip r:embed="rId2">
+            <a:extLst>
+              <a:ext uri="{28A0092B-C50C-407E-A947-70E740481C1C}">
+                <a14:useLocalDpi xmlns:a14="http://schemas.microsoft.com/office/drawing/2010/main" val="0"/>
+              </a:ext>
+            </a:extLst>
+          </a:blip>
+          <a:stretch>
+            <a:fillRect/>
+          </a:stretch>
+        </p:blipFill>
+        <p:spPr>
+          <a:xfrm>
+            <a:off x="322392" y="285812"/>
+            <a:ext cx="8686687" cy="3262605"/>
+          </a:xfrm>
+          <a:prstGeom prst="rect">
+            <a:avLst/>
+          </a:prstGeom>
+        </p:spPr>
+      </p:pic>
+      <p:sp>
+        <p:nvSpPr>
+          <p:cNvPr id="3" name="Espaço Reservado para Conteúdo 12">
+            <a:extLst>
+              <a:ext uri="{FF2B5EF4-FFF2-40B4-BE49-F238E27FC236}">
+                <a16:creationId xmlns:a16="http://schemas.microsoft.com/office/drawing/2014/main" id="{C1026980-4DF3-4DAF-A8F8-C7D1FC196027}"/>
+              </a:ext>
+            </a:extLst>
+          </p:cNvPr>
+          <p:cNvSpPr txBox="1">
+            <a:spLocks/>
+          </p:cNvSpPr>
+          <p:nvPr/>
+        </p:nvSpPr>
+        <p:spPr>
+          <a:xfrm>
+            <a:off x="586249" y="4161752"/>
+            <a:ext cx="10353762" cy="1474774"/>
+          </a:xfrm>
+          <a:prstGeom prst="rect">
+            <a:avLst/>
+          </a:prstGeom>
+        </p:spPr>
+        <p:txBody>
+          <a:bodyPr>
+            <a:normAutofit/>
+          </a:bodyPr>
+          <a:lstStyle>
+            <a:lvl1pPr marL="342900" indent="-306000" algn="l" defTabSz="457200" rtl="0" eaLnBrk="1" latinLnBrk="0" hangingPunct="1">
+              <a:spcBef>
+                <a:spcPct val="20000"/>
+              </a:spcBef>
+              <a:spcAft>
+                <a:spcPts val="600"/>
+              </a:spcAft>
+              <a:buClr>
+                <a:schemeClr val="tx2"/>
+              </a:buClr>
+              <a:buSzPct val="70000"/>
+              <a:buFont typeface="Wingdings 2" charset="2"/>
+              <a:buChar char=""/>
+              <a:defRPr sz="2000" kern="1200">
+                <a:ln>
+                  <a:solidFill>
+                    <a:schemeClr val="bg1">
+                      <a:lumMod val="75000"/>
+                      <a:lumOff val="25000"/>
+                      <a:alpha val="10000"/>
+                    </a:schemeClr>
+                  </a:solidFill>
+                </a:ln>
+                <a:solidFill>
+                  <a:schemeClr val="tx2"/>
+                </a:solidFill>
+                <a:effectLst>
+                  <a:outerShdw blurRad="9525" dist="25400" dir="14640000" algn="tl" rotWithShape="0">
+                    <a:schemeClr val="bg1">
+                      <a:alpha val="30000"/>
+                    </a:schemeClr>
+                  </a:outerShdw>
+                </a:effectLst>
+                <a:latin typeface="+mn-lt"/>
+                <a:ea typeface="+mn-ea"/>
+                <a:cs typeface="+mn-cs"/>
+              </a:defRPr>
+            </a:lvl1pPr>
+            <a:lvl2pPr marL="720000" indent="-270000" algn="l" defTabSz="457200" rtl="0" eaLnBrk="1" latinLnBrk="0" hangingPunct="1">
+              <a:spcBef>
+                <a:spcPct val="20000"/>
+              </a:spcBef>
+              <a:spcAft>
+                <a:spcPts val="600"/>
+              </a:spcAft>
+              <a:buClr>
+                <a:schemeClr val="tx2"/>
+              </a:buClr>
+              <a:buSzPct val="70000"/>
+              <a:buFont typeface="Wingdings 2" charset="2"/>
+              <a:buChar char=""/>
+              <a:defRPr sz="1800" kern="1200">
+                <a:ln>
+                  <a:solidFill>
+                    <a:schemeClr val="bg1">
+                      <a:lumMod val="75000"/>
+                      <a:lumOff val="25000"/>
+                      <a:alpha val="10000"/>
+                    </a:schemeClr>
+                  </a:solidFill>
+                </a:ln>
+                <a:solidFill>
+                  <a:schemeClr val="tx2"/>
+                </a:solidFill>
+                <a:effectLst>
+                  <a:outerShdw blurRad="9525" dist="25400" dir="14640000" algn="tl" rotWithShape="0">
+                    <a:schemeClr val="bg1">
+                      <a:alpha val="30000"/>
+                    </a:schemeClr>
+                  </a:outerShdw>
+                </a:effectLst>
+                <a:latin typeface="+mn-lt"/>
+                <a:ea typeface="+mn-ea"/>
+                <a:cs typeface="+mn-cs"/>
+              </a:defRPr>
+            </a:lvl2pPr>
+            <a:lvl3pPr marL="1026000" indent="-216000" algn="l" defTabSz="457200" rtl="0" eaLnBrk="1" latinLnBrk="0" hangingPunct="1">
+              <a:spcBef>
+                <a:spcPct val="20000"/>
+              </a:spcBef>
+              <a:spcAft>
+                <a:spcPts val="600"/>
+              </a:spcAft>
+              <a:buClr>
+                <a:schemeClr val="tx2"/>
+              </a:buClr>
+              <a:buSzPct val="70000"/>
+              <a:buFont typeface="Wingdings 2" charset="2"/>
+              <a:buChar char=""/>
+              <a:defRPr sz="1600" kern="1200">
+                <a:ln>
+                  <a:solidFill>
+                    <a:schemeClr val="bg1">
+                      <a:lumMod val="75000"/>
+                      <a:lumOff val="25000"/>
+                      <a:alpha val="10000"/>
+                    </a:schemeClr>
+                  </a:solidFill>
+                </a:ln>
+                <a:solidFill>
+                  <a:schemeClr val="tx2"/>
+                </a:solidFill>
+                <a:effectLst>
+                  <a:outerShdw blurRad="9525" dist="25400" dir="14640000" algn="tl" rotWithShape="0">
+                    <a:schemeClr val="bg1">
+                      <a:alpha val="30000"/>
+                    </a:schemeClr>
+                  </a:outerShdw>
+                </a:effectLst>
+                <a:latin typeface="+mn-lt"/>
+                <a:ea typeface="+mn-ea"/>
+                <a:cs typeface="+mn-cs"/>
+              </a:defRPr>
+            </a:lvl3pPr>
+            <a:lvl4pPr marL="1386000" indent="-216000" algn="l" defTabSz="457200" rtl="0" eaLnBrk="1" latinLnBrk="0" hangingPunct="1">
+              <a:spcBef>
+                <a:spcPct val="20000"/>
+              </a:spcBef>
+              <a:spcAft>
+                <a:spcPts val="600"/>
+              </a:spcAft>
+              <a:buClr>
+                <a:schemeClr val="tx2"/>
+              </a:buClr>
+              <a:buSzPct val="70000"/>
+              <a:buFont typeface="Wingdings 2" charset="2"/>
+              <a:buChar char=""/>
+              <a:defRPr sz="1400" kern="1200">
+                <a:ln>
+                  <a:solidFill>
+                    <a:schemeClr val="bg1">
+                      <a:lumMod val="75000"/>
+                      <a:lumOff val="25000"/>
+                      <a:alpha val="10000"/>
+                    </a:schemeClr>
+                  </a:solidFill>
+                </a:ln>
+                <a:solidFill>
+                  <a:schemeClr val="tx2"/>
+                </a:solidFill>
+                <a:effectLst>
+                  <a:outerShdw blurRad="9525" dist="25400" dir="14640000" algn="tl" rotWithShape="0">
+                    <a:schemeClr val="bg1">
+                      <a:alpha val="30000"/>
+                    </a:schemeClr>
+                  </a:outerShdw>
+                </a:effectLst>
+                <a:latin typeface="+mn-lt"/>
+                <a:ea typeface="+mn-ea"/>
+                <a:cs typeface="+mn-cs"/>
+              </a:defRPr>
+            </a:lvl4pPr>
+            <a:lvl5pPr marL="1674000" indent="-216000" algn="l" defTabSz="457200" rtl="0" eaLnBrk="1" latinLnBrk="0" hangingPunct="1">
+              <a:spcBef>
+                <a:spcPct val="20000"/>
+              </a:spcBef>
+              <a:spcAft>
+                <a:spcPts val="600"/>
+              </a:spcAft>
+              <a:buClr>
+                <a:schemeClr val="tx2"/>
+              </a:buClr>
+              <a:buSzPct val="70000"/>
+              <a:buFont typeface="Wingdings 2" charset="2"/>
+              <a:buChar char=""/>
+              <a:defRPr sz="1400" kern="1200">
+                <a:ln>
+                  <a:solidFill>
+                    <a:schemeClr val="bg1">
+                      <a:lumMod val="75000"/>
+                      <a:lumOff val="25000"/>
+                      <a:alpha val="10000"/>
+                    </a:schemeClr>
+                  </a:solidFill>
+                </a:ln>
+                <a:solidFill>
+                  <a:schemeClr val="tx2"/>
+                </a:solidFill>
+                <a:effectLst>
+                  <a:outerShdw blurRad="9525" dist="25400" dir="14640000" algn="tl" rotWithShape="0">
+                    <a:schemeClr val="bg1">
+                      <a:alpha val="30000"/>
+                    </a:schemeClr>
+                  </a:outerShdw>
+                </a:effectLst>
+                <a:latin typeface="+mn-lt"/>
+                <a:ea typeface="+mn-ea"/>
+                <a:cs typeface="+mn-cs"/>
+              </a:defRPr>
+            </a:lvl5pPr>
+            <a:lvl6pPr marL="2014600" indent="-228600" algn="l" defTabSz="457200" rtl="0" eaLnBrk="1" latinLnBrk="0" hangingPunct="1">
+              <a:spcBef>
+                <a:spcPct val="20000"/>
+              </a:spcBef>
+              <a:spcAft>
+                <a:spcPts val="600"/>
+              </a:spcAft>
+              <a:buClr>
+                <a:schemeClr val="tx2"/>
+              </a:buClr>
+              <a:buSzPct val="70000"/>
+              <a:buFont typeface="Wingdings 2" charset="2"/>
+              <a:buChar char=""/>
+              <a:defRPr sz="1400" kern="1200">
+                <a:ln>
+                  <a:solidFill>
+                    <a:schemeClr val="bg1">
+                      <a:lumMod val="75000"/>
+                      <a:lumOff val="25000"/>
+                      <a:alpha val="10000"/>
+                    </a:schemeClr>
+                  </a:solidFill>
+                </a:ln>
+                <a:solidFill>
+                  <a:schemeClr val="tx2"/>
+                </a:solidFill>
+                <a:effectLst>
+                  <a:outerShdw blurRad="9525" dist="25400" dir="14640000" algn="tl" rotWithShape="0">
+                    <a:schemeClr val="bg1">
+                      <a:alpha val="30000"/>
+                    </a:schemeClr>
+                  </a:outerShdw>
+                </a:effectLst>
+                <a:latin typeface="+mn-lt"/>
+                <a:ea typeface="+mn-ea"/>
+                <a:cs typeface="+mn-cs"/>
+              </a:defRPr>
+            </a:lvl6pPr>
+            <a:lvl7pPr marL="2401800" indent="-228600" algn="l" defTabSz="457200" rtl="0" eaLnBrk="1" latinLnBrk="0" hangingPunct="1">
+              <a:spcBef>
+                <a:spcPct val="20000"/>
+              </a:spcBef>
+              <a:spcAft>
+                <a:spcPts val="600"/>
+              </a:spcAft>
+              <a:buClr>
+                <a:schemeClr val="tx2"/>
+              </a:buClr>
+              <a:buSzPct val="70000"/>
+              <a:buFont typeface="Wingdings 2" charset="2"/>
+              <a:buChar char=""/>
+              <a:defRPr sz="1400" kern="1200">
+                <a:ln>
+                  <a:solidFill>
+                    <a:schemeClr val="bg1">
+                      <a:lumMod val="75000"/>
+                      <a:lumOff val="25000"/>
+                      <a:alpha val="10000"/>
+                    </a:schemeClr>
+                  </a:solidFill>
+                </a:ln>
+                <a:solidFill>
+                  <a:schemeClr val="tx2"/>
+                </a:solidFill>
+                <a:effectLst>
+                  <a:outerShdw blurRad="9525" dist="25400" dir="14640000" algn="tl" rotWithShape="0">
+                    <a:schemeClr val="bg1">
+                      <a:alpha val="30000"/>
+                    </a:schemeClr>
+                  </a:outerShdw>
+                </a:effectLst>
+                <a:latin typeface="+mn-lt"/>
+                <a:ea typeface="+mn-ea"/>
+                <a:cs typeface="+mn-cs"/>
+              </a:defRPr>
+            </a:lvl7pPr>
+            <a:lvl8pPr marL="2789000" indent="-228600" algn="l" defTabSz="457200" rtl="0" eaLnBrk="1" latinLnBrk="0" hangingPunct="1">
+              <a:spcBef>
+                <a:spcPct val="20000"/>
+              </a:spcBef>
+              <a:spcAft>
+                <a:spcPts val="600"/>
+              </a:spcAft>
+              <a:buClr>
+                <a:schemeClr val="tx2"/>
+              </a:buClr>
+              <a:buSzPct val="70000"/>
+              <a:buFont typeface="Wingdings 2" charset="2"/>
+              <a:buChar char=""/>
+              <a:defRPr sz="1400" kern="1200">
+                <a:ln>
+                  <a:solidFill>
+                    <a:schemeClr val="bg1">
+                      <a:lumMod val="75000"/>
+                      <a:lumOff val="25000"/>
+                      <a:alpha val="10000"/>
+                    </a:schemeClr>
+                  </a:solidFill>
+                </a:ln>
+                <a:solidFill>
+                  <a:schemeClr val="tx2"/>
+                </a:solidFill>
+                <a:effectLst>
+                  <a:outerShdw blurRad="9525" dist="25400" dir="14640000" algn="tl" rotWithShape="0">
+                    <a:schemeClr val="bg1">
+                      <a:alpha val="30000"/>
+                    </a:schemeClr>
+                  </a:outerShdw>
+                </a:effectLst>
+                <a:latin typeface="+mn-lt"/>
+                <a:ea typeface="+mn-ea"/>
+                <a:cs typeface="+mn-cs"/>
+              </a:defRPr>
+            </a:lvl8pPr>
+            <a:lvl9pPr marL="3106200" indent="-228600" algn="l" defTabSz="457200" rtl="0" eaLnBrk="1" latinLnBrk="0" hangingPunct="1">
+              <a:spcBef>
+                <a:spcPct val="20000"/>
+              </a:spcBef>
+              <a:spcAft>
+                <a:spcPts val="600"/>
+              </a:spcAft>
+              <a:buClr>
+                <a:schemeClr val="tx2"/>
+              </a:buClr>
+              <a:buSzPct val="70000"/>
+              <a:buFont typeface="Wingdings 2" charset="2"/>
+              <a:buChar char=""/>
+              <a:defRPr sz="1400" kern="1200">
+                <a:ln>
+                  <a:solidFill>
+                    <a:schemeClr val="bg1">
+                      <a:lumMod val="75000"/>
+                      <a:lumOff val="25000"/>
+                      <a:alpha val="10000"/>
+                    </a:schemeClr>
+                  </a:solidFill>
+                </a:ln>
+                <a:solidFill>
+                  <a:schemeClr val="tx2"/>
+                </a:solidFill>
+                <a:effectLst>
+                  <a:outerShdw blurRad="9525" dist="25400" dir="14640000" algn="tl" rotWithShape="0">
+                    <a:schemeClr val="bg1">
+                      <a:alpha val="30000"/>
+                    </a:schemeClr>
+                  </a:outerShdw>
+                </a:effectLst>
+                <a:latin typeface="+mn-lt"/>
+                <a:ea typeface="+mn-ea"/>
+                <a:cs typeface="+mn-cs"/>
+              </a:defRPr>
+            </a:lvl9pPr>
+          </a:lstStyle>
+          <a:p>
+            <a:r>
+              <a:rPr lang="pt-BR" sz="2400" dirty="0"/>
+              <a:t>Conforme o jogo decorre, os pássaros se  ‘‘movem’’, esse movimento garante uma pontuação de 0.1 a cada um deles, um pequeno incentivo para continuarem existindo.</a:t>
+            </a:r>
+          </a:p>
+        </p:txBody>
+      </p:sp>
+    </p:spTree>
+    <p:extLst>
+      <p:ext uri="{BB962C8B-B14F-4D97-AF65-F5344CB8AC3E}">
+        <p14:creationId xmlns:p14="http://schemas.microsoft.com/office/powerpoint/2010/main" val="1964514698"/>
+      </p:ext>
+    </p:extLst>
+  </p:cSld>
+  <p:clrMapOvr>
+    <a:masterClrMapping/>
+  </p:clrMapOvr>
+</p:sld>
+</file>
+
+<file path=ppt/slides/slide11.xml><?xml version="1.0" encoding="utf-8"?>
+<p:sld xmlns:a="http://schemas.openxmlformats.org/drawingml/2006/main" xmlns:r="http://schemas.openxmlformats.org/officeDocument/2006/relationships" xmlns:p="http://schemas.openxmlformats.org/presentationml/2006/main">
+  <p:cSld>
+    <p:spTree>
+      <p:nvGrpSpPr>
+        <p:cNvPr id="1" name=""/>
+        <p:cNvGrpSpPr/>
+        <p:nvPr/>
+      </p:nvGrpSpPr>
+      <p:grpSpPr>
+        <a:xfrm>
+          <a:off x="0" y="0"/>
+          <a:ext cx="0" cy="0"/>
+          <a:chOff x="0" y="0"/>
+          <a:chExt cx="0" cy="0"/>
+        </a:xfrm>
+      </p:grpSpPr>
+      <p:pic>
+        <p:nvPicPr>
+          <p:cNvPr id="2" name="Espaço Reservado para Conteúdo 4" descr="Tela de computador com texto preto sobre fundo branco&#10;&#10;Descrição gerada automaticamente">
+            <a:extLst>
+              <a:ext uri="{FF2B5EF4-FFF2-40B4-BE49-F238E27FC236}">
+                <a16:creationId xmlns:a16="http://schemas.microsoft.com/office/drawing/2014/main" id="{2608514B-76F5-4D33-A06E-4C344D909963}"/>
+              </a:ext>
+            </a:extLst>
+          </p:cNvPr>
+          <p:cNvPicPr>
+            <a:picLocks noChangeAspect="1"/>
+          </p:cNvPicPr>
+          <p:nvPr/>
+        </p:nvPicPr>
+        <p:blipFill>
+          <a:blip r:embed="rId2">
+            <a:extLst>
+              <a:ext uri="{28A0092B-C50C-407E-A947-70E740481C1C}">
+                <a14:useLocalDpi xmlns:a14="http://schemas.microsoft.com/office/drawing/2010/main" val="0"/>
+              </a:ext>
+            </a:extLst>
+          </a:blip>
+          <a:stretch>
+            <a:fillRect/>
+          </a:stretch>
+        </p:blipFill>
+        <p:spPr>
+          <a:xfrm>
+            <a:off x="458722" y="409153"/>
+            <a:ext cx="4661359" cy="3535049"/>
+          </a:xfrm>
+          <a:prstGeom prst="rect">
+            <a:avLst/>
+          </a:prstGeom>
+        </p:spPr>
+      </p:pic>
+      <p:sp>
+        <p:nvSpPr>
+          <p:cNvPr id="3" name="Espaço Reservado para Conteúdo 12">
+            <a:extLst>
+              <a:ext uri="{FF2B5EF4-FFF2-40B4-BE49-F238E27FC236}">
+                <a16:creationId xmlns:a16="http://schemas.microsoft.com/office/drawing/2014/main" id="{57534E81-F9F8-484B-A462-2A276A1C2E2B}"/>
+              </a:ext>
+            </a:extLst>
+          </p:cNvPr>
+          <p:cNvSpPr txBox="1">
+            <a:spLocks/>
+          </p:cNvSpPr>
+          <p:nvPr/>
+        </p:nvSpPr>
+        <p:spPr>
+          <a:xfrm>
+            <a:off x="572601" y="4632879"/>
+            <a:ext cx="10353762" cy="1440376"/>
+          </a:xfrm>
+          <a:prstGeom prst="rect">
+            <a:avLst/>
+          </a:prstGeom>
+        </p:spPr>
+        <p:txBody>
+          <a:bodyPr>
+            <a:normAutofit lnSpcReduction="10000"/>
+          </a:bodyPr>
+          <a:lstStyle>
+            <a:lvl1pPr marL="342900" indent="-306000" algn="l" defTabSz="457200" rtl="0" eaLnBrk="1" latinLnBrk="0" hangingPunct="1">
+              <a:spcBef>
+                <a:spcPct val="20000"/>
+              </a:spcBef>
+              <a:spcAft>
+                <a:spcPts val="600"/>
+              </a:spcAft>
+              <a:buClr>
+                <a:schemeClr val="tx2"/>
+              </a:buClr>
+              <a:buSzPct val="70000"/>
+              <a:buFont typeface="Wingdings 2" charset="2"/>
+              <a:buChar char=""/>
+              <a:defRPr sz="2000" kern="1200">
+                <a:ln>
+                  <a:solidFill>
+                    <a:schemeClr val="bg1">
+                      <a:lumMod val="75000"/>
+                      <a:lumOff val="25000"/>
+                      <a:alpha val="10000"/>
+                    </a:schemeClr>
+                  </a:solidFill>
+                </a:ln>
+                <a:solidFill>
+                  <a:schemeClr val="tx2"/>
+                </a:solidFill>
+                <a:effectLst>
+                  <a:outerShdw blurRad="9525" dist="25400" dir="14640000" algn="tl" rotWithShape="0">
+                    <a:schemeClr val="bg1">
+                      <a:alpha val="30000"/>
+                    </a:schemeClr>
+                  </a:outerShdw>
+                </a:effectLst>
+                <a:latin typeface="+mn-lt"/>
+                <a:ea typeface="+mn-ea"/>
+                <a:cs typeface="+mn-cs"/>
+              </a:defRPr>
+            </a:lvl1pPr>
+            <a:lvl2pPr marL="720000" indent="-270000" algn="l" defTabSz="457200" rtl="0" eaLnBrk="1" latinLnBrk="0" hangingPunct="1">
+              <a:spcBef>
+                <a:spcPct val="20000"/>
+              </a:spcBef>
+              <a:spcAft>
+                <a:spcPts val="600"/>
+              </a:spcAft>
+              <a:buClr>
+                <a:schemeClr val="tx2"/>
+              </a:buClr>
+              <a:buSzPct val="70000"/>
+              <a:buFont typeface="Wingdings 2" charset="2"/>
+              <a:buChar char=""/>
+              <a:defRPr sz="1800" kern="1200">
+                <a:ln>
+                  <a:solidFill>
+                    <a:schemeClr val="bg1">
+                      <a:lumMod val="75000"/>
+                      <a:lumOff val="25000"/>
+                      <a:alpha val="10000"/>
+                    </a:schemeClr>
+                  </a:solidFill>
+                </a:ln>
+                <a:solidFill>
+                  <a:schemeClr val="tx2"/>
+                </a:solidFill>
+                <a:effectLst>
+                  <a:outerShdw blurRad="9525" dist="25400" dir="14640000" algn="tl" rotWithShape="0">
+                    <a:schemeClr val="bg1">
+                      <a:alpha val="30000"/>
+                    </a:schemeClr>
+                  </a:outerShdw>
+                </a:effectLst>
+                <a:latin typeface="+mn-lt"/>
+                <a:ea typeface="+mn-ea"/>
+                <a:cs typeface="+mn-cs"/>
+              </a:defRPr>
+            </a:lvl2pPr>
+            <a:lvl3pPr marL="1026000" indent="-216000" algn="l" defTabSz="457200" rtl="0" eaLnBrk="1" latinLnBrk="0" hangingPunct="1">
+              <a:spcBef>
+                <a:spcPct val="20000"/>
+              </a:spcBef>
+              <a:spcAft>
+                <a:spcPts val="600"/>
+              </a:spcAft>
+              <a:buClr>
+                <a:schemeClr val="tx2"/>
+              </a:buClr>
+              <a:buSzPct val="70000"/>
+              <a:buFont typeface="Wingdings 2" charset="2"/>
+              <a:buChar char=""/>
+              <a:defRPr sz="1600" kern="1200">
+                <a:ln>
+                  <a:solidFill>
+                    <a:schemeClr val="bg1">
+                      <a:lumMod val="75000"/>
+                      <a:lumOff val="25000"/>
+                      <a:alpha val="10000"/>
+                    </a:schemeClr>
+                  </a:solidFill>
+                </a:ln>
+                <a:solidFill>
+                  <a:schemeClr val="tx2"/>
+                </a:solidFill>
+                <a:effectLst>
+                  <a:outerShdw blurRad="9525" dist="25400" dir="14640000" algn="tl" rotWithShape="0">
+                    <a:schemeClr val="bg1">
+                      <a:alpha val="30000"/>
+                    </a:schemeClr>
+                  </a:outerShdw>
+                </a:effectLst>
+                <a:latin typeface="+mn-lt"/>
+                <a:ea typeface="+mn-ea"/>
+                <a:cs typeface="+mn-cs"/>
+              </a:defRPr>
+            </a:lvl3pPr>
+            <a:lvl4pPr marL="1386000" indent="-216000" algn="l" defTabSz="457200" rtl="0" eaLnBrk="1" latinLnBrk="0" hangingPunct="1">
+              <a:spcBef>
+                <a:spcPct val="20000"/>
+              </a:spcBef>
+              <a:spcAft>
+                <a:spcPts val="600"/>
+              </a:spcAft>
+              <a:buClr>
+                <a:schemeClr val="tx2"/>
+              </a:buClr>
+              <a:buSzPct val="70000"/>
+              <a:buFont typeface="Wingdings 2" charset="2"/>
+              <a:buChar char=""/>
+              <a:defRPr sz="1400" kern="1200">
+                <a:ln>
+                  <a:solidFill>
+                    <a:schemeClr val="bg1">
+                      <a:lumMod val="75000"/>
+                      <a:lumOff val="25000"/>
+                      <a:alpha val="10000"/>
+                    </a:schemeClr>
+                  </a:solidFill>
+                </a:ln>
+                <a:solidFill>
+                  <a:schemeClr val="tx2"/>
+                </a:solidFill>
+                <a:effectLst>
+                  <a:outerShdw blurRad="9525" dist="25400" dir="14640000" algn="tl" rotWithShape="0">
+                    <a:schemeClr val="bg1">
+                      <a:alpha val="30000"/>
+                    </a:schemeClr>
+                  </a:outerShdw>
+                </a:effectLst>
+                <a:latin typeface="+mn-lt"/>
+                <a:ea typeface="+mn-ea"/>
+                <a:cs typeface="+mn-cs"/>
+              </a:defRPr>
+            </a:lvl4pPr>
+            <a:lvl5pPr marL="1674000" indent="-216000" algn="l" defTabSz="457200" rtl="0" eaLnBrk="1" latinLnBrk="0" hangingPunct="1">
+              <a:spcBef>
+                <a:spcPct val="20000"/>
+              </a:spcBef>
+              <a:spcAft>
+                <a:spcPts val="600"/>
+              </a:spcAft>
+              <a:buClr>
+                <a:schemeClr val="tx2"/>
+              </a:buClr>
+              <a:buSzPct val="70000"/>
+              <a:buFont typeface="Wingdings 2" charset="2"/>
+              <a:buChar char=""/>
+              <a:defRPr sz="1400" kern="1200">
+                <a:ln>
+                  <a:solidFill>
+                    <a:schemeClr val="bg1">
+                      <a:lumMod val="75000"/>
+                      <a:lumOff val="25000"/>
+                      <a:alpha val="10000"/>
+                    </a:schemeClr>
+                  </a:solidFill>
+                </a:ln>
+                <a:solidFill>
+                  <a:schemeClr val="tx2"/>
+                </a:solidFill>
+                <a:effectLst>
+                  <a:outerShdw blurRad="9525" dist="25400" dir="14640000" algn="tl" rotWithShape="0">
+                    <a:schemeClr val="bg1">
+                      <a:alpha val="30000"/>
+                    </a:schemeClr>
+                  </a:outerShdw>
+                </a:effectLst>
+                <a:latin typeface="+mn-lt"/>
+                <a:ea typeface="+mn-ea"/>
+                <a:cs typeface="+mn-cs"/>
+              </a:defRPr>
+            </a:lvl5pPr>
+            <a:lvl6pPr marL="2014600" indent="-228600" algn="l" defTabSz="457200" rtl="0" eaLnBrk="1" latinLnBrk="0" hangingPunct="1">
+              <a:spcBef>
+                <a:spcPct val="20000"/>
+              </a:spcBef>
+              <a:spcAft>
+                <a:spcPts val="600"/>
+              </a:spcAft>
+              <a:buClr>
+                <a:schemeClr val="tx2"/>
+              </a:buClr>
+              <a:buSzPct val="70000"/>
+              <a:buFont typeface="Wingdings 2" charset="2"/>
+              <a:buChar char=""/>
+              <a:defRPr sz="1400" kern="1200">
+                <a:ln>
+                  <a:solidFill>
+                    <a:schemeClr val="bg1">
+                      <a:lumMod val="75000"/>
+                      <a:lumOff val="25000"/>
+                      <a:alpha val="10000"/>
+                    </a:schemeClr>
+                  </a:solidFill>
+                </a:ln>
+                <a:solidFill>
+                  <a:schemeClr val="tx2"/>
+                </a:solidFill>
+                <a:effectLst>
+                  <a:outerShdw blurRad="9525" dist="25400" dir="14640000" algn="tl" rotWithShape="0">
+                    <a:schemeClr val="bg1">
+                      <a:alpha val="30000"/>
+                    </a:schemeClr>
+                  </a:outerShdw>
+                </a:effectLst>
+                <a:latin typeface="+mn-lt"/>
+                <a:ea typeface="+mn-ea"/>
+                <a:cs typeface="+mn-cs"/>
+              </a:defRPr>
+            </a:lvl6pPr>
+            <a:lvl7pPr marL="2401800" indent="-228600" algn="l" defTabSz="457200" rtl="0" eaLnBrk="1" latinLnBrk="0" hangingPunct="1">
+              <a:spcBef>
+                <a:spcPct val="20000"/>
+              </a:spcBef>
+              <a:spcAft>
+                <a:spcPts val="600"/>
+              </a:spcAft>
+              <a:buClr>
+                <a:schemeClr val="tx2"/>
+              </a:buClr>
+              <a:buSzPct val="70000"/>
+              <a:buFont typeface="Wingdings 2" charset="2"/>
+              <a:buChar char=""/>
+              <a:defRPr sz="1400" kern="1200">
+                <a:ln>
+                  <a:solidFill>
+                    <a:schemeClr val="bg1">
+                      <a:lumMod val="75000"/>
+                      <a:lumOff val="25000"/>
+                      <a:alpha val="10000"/>
+                    </a:schemeClr>
+                  </a:solidFill>
+                </a:ln>
+                <a:solidFill>
+                  <a:schemeClr val="tx2"/>
+                </a:solidFill>
+                <a:effectLst>
+                  <a:outerShdw blurRad="9525" dist="25400" dir="14640000" algn="tl" rotWithShape="0">
+                    <a:schemeClr val="bg1">
+                      <a:alpha val="30000"/>
+                    </a:schemeClr>
+                  </a:outerShdw>
+                </a:effectLst>
+                <a:latin typeface="+mn-lt"/>
+                <a:ea typeface="+mn-ea"/>
+                <a:cs typeface="+mn-cs"/>
+              </a:defRPr>
+            </a:lvl7pPr>
+            <a:lvl8pPr marL="2789000" indent="-228600" algn="l" defTabSz="457200" rtl="0" eaLnBrk="1" latinLnBrk="0" hangingPunct="1">
+              <a:spcBef>
+                <a:spcPct val="20000"/>
+              </a:spcBef>
+              <a:spcAft>
+                <a:spcPts val="600"/>
+              </a:spcAft>
+              <a:buClr>
+                <a:schemeClr val="tx2"/>
+              </a:buClr>
+              <a:buSzPct val="70000"/>
+              <a:buFont typeface="Wingdings 2" charset="2"/>
+              <a:buChar char=""/>
+              <a:defRPr sz="1400" kern="1200">
+                <a:ln>
+                  <a:solidFill>
+                    <a:schemeClr val="bg1">
+                      <a:lumMod val="75000"/>
+                      <a:lumOff val="25000"/>
+                      <a:alpha val="10000"/>
+                    </a:schemeClr>
+                  </a:solidFill>
+                </a:ln>
+                <a:solidFill>
+                  <a:schemeClr val="tx2"/>
+                </a:solidFill>
+                <a:effectLst>
+                  <a:outerShdw blurRad="9525" dist="25400" dir="14640000" algn="tl" rotWithShape="0">
+                    <a:schemeClr val="bg1">
+                      <a:alpha val="30000"/>
+                    </a:schemeClr>
+                  </a:outerShdw>
+                </a:effectLst>
+                <a:latin typeface="+mn-lt"/>
+                <a:ea typeface="+mn-ea"/>
+                <a:cs typeface="+mn-cs"/>
+              </a:defRPr>
+            </a:lvl8pPr>
+            <a:lvl9pPr marL="3106200" indent="-228600" algn="l" defTabSz="457200" rtl="0" eaLnBrk="1" latinLnBrk="0" hangingPunct="1">
+              <a:spcBef>
+                <a:spcPct val="20000"/>
+              </a:spcBef>
+              <a:spcAft>
+                <a:spcPts val="600"/>
+              </a:spcAft>
+              <a:buClr>
+                <a:schemeClr val="tx2"/>
+              </a:buClr>
+              <a:buSzPct val="70000"/>
+              <a:buFont typeface="Wingdings 2" charset="2"/>
+              <a:buChar char=""/>
+              <a:defRPr sz="1400" kern="1200">
+                <a:ln>
+                  <a:solidFill>
+                    <a:schemeClr val="bg1">
+                      <a:lumMod val="75000"/>
+                      <a:lumOff val="25000"/>
+                      <a:alpha val="10000"/>
+                    </a:schemeClr>
+                  </a:solidFill>
+                </a:ln>
+                <a:solidFill>
+                  <a:schemeClr val="tx2"/>
+                </a:solidFill>
+                <a:effectLst>
+                  <a:outerShdw blurRad="9525" dist="25400" dir="14640000" algn="tl" rotWithShape="0">
+                    <a:schemeClr val="bg1">
+                      <a:alpha val="30000"/>
+                    </a:schemeClr>
+                  </a:outerShdw>
+                </a:effectLst>
+                <a:latin typeface="+mn-lt"/>
+                <a:ea typeface="+mn-ea"/>
+                <a:cs typeface="+mn-cs"/>
+              </a:defRPr>
+            </a:lvl9pPr>
+          </a:lstStyle>
+          <a:p>
+            <a:r>
+              <a:rPr lang="pt-BR" sz="2400" dirty="0"/>
+              <a:t>Se os pássaros colidirem em algum cano, no chão ou no teto, eles serão decrescidos de -1 ponto, além de que serão removidos dos outros pássaros, um eufemismo para ‘’serão mortos’’. Ou seja, um bom incentivo para continuarem vivos.</a:t>
+            </a:r>
+          </a:p>
+        </p:txBody>
+      </p:sp>
+    </p:spTree>
+    <p:extLst>
+      <p:ext uri="{BB962C8B-B14F-4D97-AF65-F5344CB8AC3E}">
+        <p14:creationId xmlns:p14="http://schemas.microsoft.com/office/powerpoint/2010/main" val="3376530368"/>
+      </p:ext>
+    </p:extLst>
+  </p:cSld>
+  <p:clrMapOvr>
+    <a:masterClrMapping/>
+  </p:clrMapOvr>
+</p:sld>
+</file>
+
+<file path=ppt/slides/slide12.xml><?xml version="1.0" encoding="utf-8"?>
+<p:sld xmlns:a="http://schemas.openxmlformats.org/drawingml/2006/main" xmlns:r="http://schemas.openxmlformats.org/officeDocument/2006/relationships" xmlns:p="http://schemas.openxmlformats.org/presentationml/2006/main">
+  <p:cSld>
+    <p:spTree>
+      <p:nvGrpSpPr>
+        <p:cNvPr id="1" name=""/>
+        <p:cNvGrpSpPr/>
+        <p:nvPr/>
+      </p:nvGrpSpPr>
+      <p:grpSpPr>
+        <a:xfrm>
+          <a:off x="0" y="0"/>
+          <a:ext cx="0" cy="0"/>
+          <a:chOff x="0" y="0"/>
+          <a:chExt cx="0" cy="0"/>
+        </a:xfrm>
+      </p:grpSpPr>
+      <p:pic>
+        <p:nvPicPr>
+          <p:cNvPr id="3" name="Imagem 2" descr="Texto&#10;&#10;Descrição gerada automaticamente">
+            <a:extLst>
+              <a:ext uri="{FF2B5EF4-FFF2-40B4-BE49-F238E27FC236}">
+                <a16:creationId xmlns:a16="http://schemas.microsoft.com/office/drawing/2014/main" id="{A34C52B4-FFEA-4235-9AB7-940A675874DA}"/>
+              </a:ext>
+            </a:extLst>
+          </p:cNvPr>
+          <p:cNvPicPr>
+            <a:picLocks noChangeAspect="1"/>
+          </p:cNvPicPr>
+          <p:nvPr/>
+        </p:nvPicPr>
+        <p:blipFill>
+          <a:blip r:embed="rId2">
+            <a:extLst>
+              <a:ext uri="{28A0092B-C50C-407E-A947-70E740481C1C}">
+                <a14:useLocalDpi xmlns:a14="http://schemas.microsoft.com/office/drawing/2010/main" val="0"/>
+              </a:ext>
+            </a:extLst>
+          </a:blip>
+          <a:stretch>
+            <a:fillRect/>
+          </a:stretch>
+        </p:blipFill>
+        <p:spPr>
+          <a:xfrm>
+            <a:off x="586248" y="632967"/>
+            <a:ext cx="5325432" cy="3174776"/>
+          </a:xfrm>
+          <a:prstGeom prst="rect">
+            <a:avLst/>
+          </a:prstGeom>
+        </p:spPr>
+      </p:pic>
+      <p:sp>
+        <p:nvSpPr>
+          <p:cNvPr id="4" name="Espaço Reservado para Conteúdo 12">
+            <a:extLst>
+              <a:ext uri="{FF2B5EF4-FFF2-40B4-BE49-F238E27FC236}">
+                <a16:creationId xmlns:a16="http://schemas.microsoft.com/office/drawing/2014/main" id="{B6EC30EE-189C-4F5A-BF79-B535B8DF18ED}"/>
+              </a:ext>
+            </a:extLst>
+          </p:cNvPr>
+          <p:cNvSpPr txBox="1">
+            <a:spLocks/>
+          </p:cNvSpPr>
+          <p:nvPr/>
+        </p:nvSpPr>
+        <p:spPr>
+          <a:xfrm>
+            <a:off x="6280321" y="697795"/>
+            <a:ext cx="5047321" cy="2168235"/>
+          </a:xfrm>
+          <a:prstGeom prst="rect">
+            <a:avLst/>
+          </a:prstGeom>
+        </p:spPr>
+        <p:txBody>
+          <a:bodyPr>
+            <a:normAutofit/>
+          </a:bodyPr>
+          <a:lstStyle>
+            <a:lvl1pPr marL="342900" indent="-306000" algn="l" defTabSz="457200" rtl="0" eaLnBrk="1" latinLnBrk="0" hangingPunct="1">
+              <a:spcBef>
+                <a:spcPct val="20000"/>
+              </a:spcBef>
+              <a:spcAft>
+                <a:spcPts val="600"/>
+              </a:spcAft>
+              <a:buClr>
+                <a:schemeClr val="tx2"/>
+              </a:buClr>
+              <a:buSzPct val="70000"/>
+              <a:buFont typeface="Wingdings 2" charset="2"/>
+              <a:buChar char=""/>
+              <a:defRPr sz="2000" kern="1200">
+                <a:ln>
+                  <a:solidFill>
+                    <a:schemeClr val="bg1">
+                      <a:lumMod val="75000"/>
+                      <a:lumOff val="25000"/>
+                      <a:alpha val="10000"/>
+                    </a:schemeClr>
+                  </a:solidFill>
+                </a:ln>
+                <a:solidFill>
+                  <a:schemeClr val="tx2"/>
+                </a:solidFill>
+                <a:effectLst>
+                  <a:outerShdw blurRad="9525" dist="25400" dir="14640000" algn="tl" rotWithShape="0">
+                    <a:schemeClr val="bg1">
+                      <a:alpha val="30000"/>
+                    </a:schemeClr>
+                  </a:outerShdw>
+                </a:effectLst>
+                <a:latin typeface="+mn-lt"/>
+                <a:ea typeface="+mn-ea"/>
+                <a:cs typeface="+mn-cs"/>
+              </a:defRPr>
+            </a:lvl1pPr>
+            <a:lvl2pPr marL="720000" indent="-270000" algn="l" defTabSz="457200" rtl="0" eaLnBrk="1" latinLnBrk="0" hangingPunct="1">
+              <a:spcBef>
+                <a:spcPct val="20000"/>
+              </a:spcBef>
+              <a:spcAft>
+                <a:spcPts val="600"/>
+              </a:spcAft>
+              <a:buClr>
+                <a:schemeClr val="tx2"/>
+              </a:buClr>
+              <a:buSzPct val="70000"/>
+              <a:buFont typeface="Wingdings 2" charset="2"/>
+              <a:buChar char=""/>
+              <a:defRPr sz="1800" kern="1200">
+                <a:ln>
+                  <a:solidFill>
+                    <a:schemeClr val="bg1">
+                      <a:lumMod val="75000"/>
+                      <a:lumOff val="25000"/>
+                      <a:alpha val="10000"/>
+                    </a:schemeClr>
+                  </a:solidFill>
+                </a:ln>
+                <a:solidFill>
+                  <a:schemeClr val="tx2"/>
+                </a:solidFill>
+                <a:effectLst>
+                  <a:outerShdw blurRad="9525" dist="25400" dir="14640000" algn="tl" rotWithShape="0">
+                    <a:schemeClr val="bg1">
+                      <a:alpha val="30000"/>
+                    </a:schemeClr>
+                  </a:outerShdw>
+                </a:effectLst>
+                <a:latin typeface="+mn-lt"/>
+                <a:ea typeface="+mn-ea"/>
+                <a:cs typeface="+mn-cs"/>
+              </a:defRPr>
+            </a:lvl2pPr>
+            <a:lvl3pPr marL="1026000" indent="-216000" algn="l" defTabSz="457200" rtl="0" eaLnBrk="1" latinLnBrk="0" hangingPunct="1">
+              <a:spcBef>
+                <a:spcPct val="20000"/>
+              </a:spcBef>
+              <a:spcAft>
+                <a:spcPts val="600"/>
+              </a:spcAft>
+              <a:buClr>
+                <a:schemeClr val="tx2"/>
+              </a:buClr>
+              <a:buSzPct val="70000"/>
+              <a:buFont typeface="Wingdings 2" charset="2"/>
+              <a:buChar char=""/>
+              <a:defRPr sz="1600" kern="1200">
+                <a:ln>
+                  <a:solidFill>
+                    <a:schemeClr val="bg1">
+                      <a:lumMod val="75000"/>
+                      <a:lumOff val="25000"/>
+                      <a:alpha val="10000"/>
+                    </a:schemeClr>
+                  </a:solidFill>
+                </a:ln>
+                <a:solidFill>
+                  <a:schemeClr val="tx2"/>
+                </a:solidFill>
+                <a:effectLst>
+                  <a:outerShdw blurRad="9525" dist="25400" dir="14640000" algn="tl" rotWithShape="0">
+                    <a:schemeClr val="bg1">
+                      <a:alpha val="30000"/>
+                    </a:schemeClr>
+                  </a:outerShdw>
+                </a:effectLst>
+                <a:latin typeface="+mn-lt"/>
+                <a:ea typeface="+mn-ea"/>
+                <a:cs typeface="+mn-cs"/>
+              </a:defRPr>
+            </a:lvl3pPr>
+            <a:lvl4pPr marL="1386000" indent="-216000" algn="l" defTabSz="457200" rtl="0" eaLnBrk="1" latinLnBrk="0" hangingPunct="1">
+              <a:spcBef>
+                <a:spcPct val="20000"/>
+              </a:spcBef>
+              <a:spcAft>
+                <a:spcPts val="600"/>
+              </a:spcAft>
+              <a:buClr>
+                <a:schemeClr val="tx2"/>
+              </a:buClr>
+              <a:buSzPct val="70000"/>
+              <a:buFont typeface="Wingdings 2" charset="2"/>
+              <a:buChar char=""/>
+              <a:defRPr sz="1400" kern="1200">
+                <a:ln>
+                  <a:solidFill>
+                    <a:schemeClr val="bg1">
+                      <a:lumMod val="75000"/>
+                      <a:lumOff val="25000"/>
+                      <a:alpha val="10000"/>
+                    </a:schemeClr>
+                  </a:solidFill>
+                </a:ln>
+                <a:solidFill>
+                  <a:schemeClr val="tx2"/>
+                </a:solidFill>
+                <a:effectLst>
+                  <a:outerShdw blurRad="9525" dist="25400" dir="14640000" algn="tl" rotWithShape="0">
+                    <a:schemeClr val="bg1">
+                      <a:alpha val="30000"/>
+                    </a:schemeClr>
+                  </a:outerShdw>
+                </a:effectLst>
+                <a:latin typeface="+mn-lt"/>
+                <a:ea typeface="+mn-ea"/>
+                <a:cs typeface="+mn-cs"/>
+              </a:defRPr>
+            </a:lvl4pPr>
+            <a:lvl5pPr marL="1674000" indent="-216000" algn="l" defTabSz="457200" rtl="0" eaLnBrk="1" latinLnBrk="0" hangingPunct="1">
+              <a:spcBef>
+                <a:spcPct val="20000"/>
+              </a:spcBef>
+              <a:spcAft>
+                <a:spcPts val="600"/>
+              </a:spcAft>
+              <a:buClr>
+                <a:schemeClr val="tx2"/>
+              </a:buClr>
+              <a:buSzPct val="70000"/>
+              <a:buFont typeface="Wingdings 2" charset="2"/>
+              <a:buChar char=""/>
+              <a:defRPr sz="1400" kern="1200">
+                <a:ln>
+                  <a:solidFill>
+                    <a:schemeClr val="bg1">
+                      <a:lumMod val="75000"/>
+                      <a:lumOff val="25000"/>
+                      <a:alpha val="10000"/>
+                    </a:schemeClr>
+                  </a:solidFill>
+                </a:ln>
+                <a:solidFill>
+                  <a:schemeClr val="tx2"/>
+                </a:solidFill>
+                <a:effectLst>
+                  <a:outerShdw blurRad="9525" dist="25400" dir="14640000" algn="tl" rotWithShape="0">
+                    <a:schemeClr val="bg1">
+                      <a:alpha val="30000"/>
+                    </a:schemeClr>
+                  </a:outerShdw>
+                </a:effectLst>
+                <a:latin typeface="+mn-lt"/>
+                <a:ea typeface="+mn-ea"/>
+                <a:cs typeface="+mn-cs"/>
+              </a:defRPr>
+            </a:lvl5pPr>
+            <a:lvl6pPr marL="2014600" indent="-228600" algn="l" defTabSz="457200" rtl="0" eaLnBrk="1" latinLnBrk="0" hangingPunct="1">
+              <a:spcBef>
+                <a:spcPct val="20000"/>
+              </a:spcBef>
+              <a:spcAft>
+                <a:spcPts val="600"/>
+              </a:spcAft>
+              <a:buClr>
+                <a:schemeClr val="tx2"/>
+              </a:buClr>
+              <a:buSzPct val="70000"/>
+              <a:buFont typeface="Wingdings 2" charset="2"/>
+              <a:buChar char=""/>
+              <a:defRPr sz="1400" kern="1200">
+                <a:ln>
+                  <a:solidFill>
+                    <a:schemeClr val="bg1">
+                      <a:lumMod val="75000"/>
+                      <a:lumOff val="25000"/>
+                      <a:alpha val="10000"/>
+                    </a:schemeClr>
+                  </a:solidFill>
+                </a:ln>
+                <a:solidFill>
+                  <a:schemeClr val="tx2"/>
+                </a:solidFill>
+                <a:effectLst>
+                  <a:outerShdw blurRad="9525" dist="25400" dir="14640000" algn="tl" rotWithShape="0">
+                    <a:schemeClr val="bg1">
+                      <a:alpha val="30000"/>
+                    </a:schemeClr>
+                  </a:outerShdw>
+                </a:effectLst>
+                <a:latin typeface="+mn-lt"/>
+                <a:ea typeface="+mn-ea"/>
+                <a:cs typeface="+mn-cs"/>
+              </a:defRPr>
+            </a:lvl6pPr>
+            <a:lvl7pPr marL="2401800" indent="-228600" algn="l" defTabSz="457200" rtl="0" eaLnBrk="1" latinLnBrk="0" hangingPunct="1">
+              <a:spcBef>
+                <a:spcPct val="20000"/>
+              </a:spcBef>
+              <a:spcAft>
+                <a:spcPts val="600"/>
+              </a:spcAft>
+              <a:buClr>
+                <a:schemeClr val="tx2"/>
+              </a:buClr>
+              <a:buSzPct val="70000"/>
+              <a:buFont typeface="Wingdings 2" charset="2"/>
+              <a:buChar char=""/>
+              <a:defRPr sz="1400" kern="1200">
+                <a:ln>
+                  <a:solidFill>
+                    <a:schemeClr val="bg1">
+                      <a:lumMod val="75000"/>
+                      <a:lumOff val="25000"/>
+                      <a:alpha val="10000"/>
+                    </a:schemeClr>
+                  </a:solidFill>
+                </a:ln>
+                <a:solidFill>
+                  <a:schemeClr val="tx2"/>
+                </a:solidFill>
+                <a:effectLst>
+                  <a:outerShdw blurRad="9525" dist="25400" dir="14640000" algn="tl" rotWithShape="0">
+                    <a:schemeClr val="bg1">
+                      <a:alpha val="30000"/>
+                    </a:schemeClr>
+                  </a:outerShdw>
+                </a:effectLst>
+                <a:latin typeface="+mn-lt"/>
+                <a:ea typeface="+mn-ea"/>
+                <a:cs typeface="+mn-cs"/>
+              </a:defRPr>
+            </a:lvl7pPr>
+            <a:lvl8pPr marL="2789000" indent="-228600" algn="l" defTabSz="457200" rtl="0" eaLnBrk="1" latinLnBrk="0" hangingPunct="1">
+              <a:spcBef>
+                <a:spcPct val="20000"/>
+              </a:spcBef>
+              <a:spcAft>
+                <a:spcPts val="600"/>
+              </a:spcAft>
+              <a:buClr>
+                <a:schemeClr val="tx2"/>
+              </a:buClr>
+              <a:buSzPct val="70000"/>
+              <a:buFont typeface="Wingdings 2" charset="2"/>
+              <a:buChar char=""/>
+              <a:defRPr sz="1400" kern="1200">
+                <a:ln>
+                  <a:solidFill>
+                    <a:schemeClr val="bg1">
+                      <a:lumMod val="75000"/>
+                      <a:lumOff val="25000"/>
+                      <a:alpha val="10000"/>
+                    </a:schemeClr>
+                  </a:solidFill>
+                </a:ln>
+                <a:solidFill>
+                  <a:schemeClr val="tx2"/>
+                </a:solidFill>
+                <a:effectLst>
+                  <a:outerShdw blurRad="9525" dist="25400" dir="14640000" algn="tl" rotWithShape="0">
+                    <a:schemeClr val="bg1">
+                      <a:alpha val="30000"/>
+                    </a:schemeClr>
+                  </a:outerShdw>
+                </a:effectLst>
+                <a:latin typeface="+mn-lt"/>
+                <a:ea typeface="+mn-ea"/>
+                <a:cs typeface="+mn-cs"/>
+              </a:defRPr>
+            </a:lvl8pPr>
+            <a:lvl9pPr marL="3106200" indent="-228600" algn="l" defTabSz="457200" rtl="0" eaLnBrk="1" latinLnBrk="0" hangingPunct="1">
+              <a:spcBef>
+                <a:spcPct val="20000"/>
+              </a:spcBef>
+              <a:spcAft>
+                <a:spcPts val="600"/>
+              </a:spcAft>
+              <a:buClr>
+                <a:schemeClr val="tx2"/>
+              </a:buClr>
+              <a:buSzPct val="70000"/>
+              <a:buFont typeface="Wingdings 2" charset="2"/>
+              <a:buChar char=""/>
+              <a:defRPr sz="1400" kern="1200">
+                <a:ln>
+                  <a:solidFill>
+                    <a:schemeClr val="bg1">
+                      <a:lumMod val="75000"/>
+                      <a:lumOff val="25000"/>
+                      <a:alpha val="10000"/>
+                    </a:schemeClr>
+                  </a:solidFill>
+                </a:ln>
+                <a:solidFill>
+                  <a:schemeClr val="tx2"/>
+                </a:solidFill>
+                <a:effectLst>
+                  <a:outerShdw blurRad="9525" dist="25400" dir="14640000" algn="tl" rotWithShape="0">
+                    <a:schemeClr val="bg1">
+                      <a:alpha val="30000"/>
+                    </a:schemeClr>
+                  </a:outerShdw>
+                </a:effectLst>
+                <a:latin typeface="+mn-lt"/>
+                <a:ea typeface="+mn-ea"/>
+                <a:cs typeface="+mn-cs"/>
+              </a:defRPr>
+            </a:lvl9pPr>
+          </a:lstStyle>
+          <a:p>
+            <a:r>
+              <a:rPr lang="pt-BR" sz="2400" dirty="0"/>
+              <a:t>Se os pássaros passarem com vida de algum cano, serão recompensados com +5 pontos, incentivo para buscarem passar pelos canos.</a:t>
+            </a:r>
+          </a:p>
+        </p:txBody>
+      </p:sp>
+      <p:sp>
+        <p:nvSpPr>
+          <p:cNvPr id="5" name="Espaço Reservado para Conteúdo 12">
+            <a:extLst>
+              <a:ext uri="{FF2B5EF4-FFF2-40B4-BE49-F238E27FC236}">
+                <a16:creationId xmlns:a16="http://schemas.microsoft.com/office/drawing/2014/main" id="{81A9C63F-13F7-4353-ADAF-114E5CFCC393}"/>
+              </a:ext>
+            </a:extLst>
+          </p:cNvPr>
+          <p:cNvSpPr txBox="1">
+            <a:spLocks/>
+          </p:cNvSpPr>
+          <p:nvPr/>
+        </p:nvSpPr>
+        <p:spPr>
+          <a:xfrm>
+            <a:off x="359467" y="4152953"/>
+            <a:ext cx="11268426" cy="1428981"/>
+          </a:xfrm>
+          <a:prstGeom prst="rect">
+            <a:avLst/>
+          </a:prstGeom>
+        </p:spPr>
+        <p:txBody>
+          <a:bodyPr>
+            <a:normAutofit/>
+          </a:bodyPr>
+          <a:lstStyle>
+            <a:lvl1pPr marL="342900" indent="-306000" algn="l" defTabSz="457200" rtl="0" eaLnBrk="1" latinLnBrk="0" hangingPunct="1">
+              <a:spcBef>
+                <a:spcPct val="20000"/>
+              </a:spcBef>
+              <a:spcAft>
+                <a:spcPts val="600"/>
+              </a:spcAft>
+              <a:buClr>
+                <a:schemeClr val="tx2"/>
+              </a:buClr>
+              <a:buSzPct val="70000"/>
+              <a:buFont typeface="Wingdings 2" charset="2"/>
+              <a:buChar char=""/>
+              <a:defRPr sz="2000" kern="1200">
+                <a:ln>
+                  <a:solidFill>
+                    <a:schemeClr val="bg1">
+                      <a:lumMod val="75000"/>
+                      <a:lumOff val="25000"/>
+                      <a:alpha val="10000"/>
+                    </a:schemeClr>
+                  </a:solidFill>
+                </a:ln>
+                <a:solidFill>
+                  <a:schemeClr val="tx2"/>
+                </a:solidFill>
+                <a:effectLst>
+                  <a:outerShdw blurRad="9525" dist="25400" dir="14640000" algn="tl" rotWithShape="0">
+                    <a:schemeClr val="bg1">
+                      <a:alpha val="30000"/>
+                    </a:schemeClr>
+                  </a:outerShdw>
+                </a:effectLst>
+                <a:latin typeface="+mn-lt"/>
+                <a:ea typeface="+mn-ea"/>
+                <a:cs typeface="+mn-cs"/>
+              </a:defRPr>
+            </a:lvl1pPr>
+            <a:lvl2pPr marL="720000" indent="-270000" algn="l" defTabSz="457200" rtl="0" eaLnBrk="1" latinLnBrk="0" hangingPunct="1">
+              <a:spcBef>
+                <a:spcPct val="20000"/>
+              </a:spcBef>
+              <a:spcAft>
+                <a:spcPts val="600"/>
+              </a:spcAft>
+              <a:buClr>
+                <a:schemeClr val="tx2"/>
+              </a:buClr>
+              <a:buSzPct val="70000"/>
+              <a:buFont typeface="Wingdings 2" charset="2"/>
+              <a:buChar char=""/>
+              <a:defRPr sz="1800" kern="1200">
+                <a:ln>
+                  <a:solidFill>
+                    <a:schemeClr val="bg1">
+                      <a:lumMod val="75000"/>
+                      <a:lumOff val="25000"/>
+                      <a:alpha val="10000"/>
+                    </a:schemeClr>
+                  </a:solidFill>
+                </a:ln>
+                <a:solidFill>
+                  <a:schemeClr val="tx2"/>
+                </a:solidFill>
+                <a:effectLst>
+                  <a:outerShdw blurRad="9525" dist="25400" dir="14640000" algn="tl" rotWithShape="0">
+                    <a:schemeClr val="bg1">
+                      <a:alpha val="30000"/>
+                    </a:schemeClr>
+                  </a:outerShdw>
+                </a:effectLst>
+                <a:latin typeface="+mn-lt"/>
+                <a:ea typeface="+mn-ea"/>
+                <a:cs typeface="+mn-cs"/>
+              </a:defRPr>
+            </a:lvl2pPr>
+            <a:lvl3pPr marL="1026000" indent="-216000" algn="l" defTabSz="457200" rtl="0" eaLnBrk="1" latinLnBrk="0" hangingPunct="1">
+              <a:spcBef>
+                <a:spcPct val="20000"/>
+              </a:spcBef>
+              <a:spcAft>
+                <a:spcPts val="600"/>
+              </a:spcAft>
+              <a:buClr>
+                <a:schemeClr val="tx2"/>
+              </a:buClr>
+              <a:buSzPct val="70000"/>
+              <a:buFont typeface="Wingdings 2" charset="2"/>
+              <a:buChar char=""/>
+              <a:defRPr sz="1600" kern="1200">
+                <a:ln>
+                  <a:solidFill>
+                    <a:schemeClr val="bg1">
+                      <a:lumMod val="75000"/>
+                      <a:lumOff val="25000"/>
+                      <a:alpha val="10000"/>
+                    </a:schemeClr>
+                  </a:solidFill>
+                </a:ln>
+                <a:solidFill>
+                  <a:schemeClr val="tx2"/>
+                </a:solidFill>
+                <a:effectLst>
+                  <a:outerShdw blurRad="9525" dist="25400" dir="14640000" algn="tl" rotWithShape="0">
+                    <a:schemeClr val="bg1">
+                      <a:alpha val="30000"/>
+                    </a:schemeClr>
+                  </a:outerShdw>
+                </a:effectLst>
+                <a:latin typeface="+mn-lt"/>
+                <a:ea typeface="+mn-ea"/>
+                <a:cs typeface="+mn-cs"/>
+              </a:defRPr>
+            </a:lvl3pPr>
+            <a:lvl4pPr marL="1386000" indent="-216000" algn="l" defTabSz="457200" rtl="0" eaLnBrk="1" latinLnBrk="0" hangingPunct="1">
+              <a:spcBef>
+                <a:spcPct val="20000"/>
+              </a:spcBef>
+              <a:spcAft>
+                <a:spcPts val="600"/>
+              </a:spcAft>
+              <a:buClr>
+                <a:schemeClr val="tx2"/>
+              </a:buClr>
+              <a:buSzPct val="70000"/>
+              <a:buFont typeface="Wingdings 2" charset="2"/>
+              <a:buChar char=""/>
+              <a:defRPr sz="1400" kern="1200">
+                <a:ln>
+                  <a:solidFill>
+                    <a:schemeClr val="bg1">
+                      <a:lumMod val="75000"/>
+                      <a:lumOff val="25000"/>
+                      <a:alpha val="10000"/>
+                    </a:schemeClr>
+                  </a:solidFill>
+                </a:ln>
+                <a:solidFill>
+                  <a:schemeClr val="tx2"/>
+                </a:solidFill>
+                <a:effectLst>
+                  <a:outerShdw blurRad="9525" dist="25400" dir="14640000" algn="tl" rotWithShape="0">
+                    <a:schemeClr val="bg1">
+                      <a:alpha val="30000"/>
+                    </a:schemeClr>
+                  </a:outerShdw>
+                </a:effectLst>
+                <a:latin typeface="+mn-lt"/>
+                <a:ea typeface="+mn-ea"/>
+                <a:cs typeface="+mn-cs"/>
+              </a:defRPr>
+            </a:lvl4pPr>
+            <a:lvl5pPr marL="1674000" indent="-216000" algn="l" defTabSz="457200" rtl="0" eaLnBrk="1" latinLnBrk="0" hangingPunct="1">
+              <a:spcBef>
+                <a:spcPct val="20000"/>
+              </a:spcBef>
+              <a:spcAft>
+                <a:spcPts val="600"/>
+              </a:spcAft>
+              <a:buClr>
+                <a:schemeClr val="tx2"/>
+              </a:buClr>
+              <a:buSzPct val="70000"/>
+              <a:buFont typeface="Wingdings 2" charset="2"/>
+              <a:buChar char=""/>
+              <a:defRPr sz="1400" kern="1200">
+                <a:ln>
+                  <a:solidFill>
+                    <a:schemeClr val="bg1">
+                      <a:lumMod val="75000"/>
+                      <a:lumOff val="25000"/>
+                      <a:alpha val="10000"/>
+                    </a:schemeClr>
+                  </a:solidFill>
+                </a:ln>
+                <a:solidFill>
+                  <a:schemeClr val="tx2"/>
+                </a:solidFill>
+                <a:effectLst>
+                  <a:outerShdw blurRad="9525" dist="25400" dir="14640000" algn="tl" rotWithShape="0">
+                    <a:schemeClr val="bg1">
+                      <a:alpha val="30000"/>
+                    </a:schemeClr>
+                  </a:outerShdw>
+                </a:effectLst>
+                <a:latin typeface="+mn-lt"/>
+                <a:ea typeface="+mn-ea"/>
+                <a:cs typeface="+mn-cs"/>
+              </a:defRPr>
+            </a:lvl5pPr>
+            <a:lvl6pPr marL="2014600" indent="-228600" algn="l" defTabSz="457200" rtl="0" eaLnBrk="1" latinLnBrk="0" hangingPunct="1">
+              <a:spcBef>
+                <a:spcPct val="20000"/>
+              </a:spcBef>
+              <a:spcAft>
+                <a:spcPts val="600"/>
+              </a:spcAft>
+              <a:buClr>
+                <a:schemeClr val="tx2"/>
+              </a:buClr>
+              <a:buSzPct val="70000"/>
+              <a:buFont typeface="Wingdings 2" charset="2"/>
+              <a:buChar char=""/>
+              <a:defRPr sz="1400" kern="1200">
+                <a:ln>
+                  <a:solidFill>
+                    <a:schemeClr val="bg1">
+                      <a:lumMod val="75000"/>
+                      <a:lumOff val="25000"/>
+                      <a:alpha val="10000"/>
+                    </a:schemeClr>
+                  </a:solidFill>
+                </a:ln>
+                <a:solidFill>
+                  <a:schemeClr val="tx2"/>
+                </a:solidFill>
+                <a:effectLst>
+                  <a:outerShdw blurRad="9525" dist="25400" dir="14640000" algn="tl" rotWithShape="0">
+                    <a:schemeClr val="bg1">
+                      <a:alpha val="30000"/>
+                    </a:schemeClr>
+                  </a:outerShdw>
+                </a:effectLst>
+                <a:latin typeface="+mn-lt"/>
+                <a:ea typeface="+mn-ea"/>
+                <a:cs typeface="+mn-cs"/>
+              </a:defRPr>
+            </a:lvl6pPr>
+            <a:lvl7pPr marL="2401800" indent="-228600" algn="l" defTabSz="457200" rtl="0" eaLnBrk="1" latinLnBrk="0" hangingPunct="1">
+              <a:spcBef>
+                <a:spcPct val="20000"/>
+              </a:spcBef>
+              <a:spcAft>
+                <a:spcPts val="600"/>
+              </a:spcAft>
+              <a:buClr>
+                <a:schemeClr val="tx2"/>
+              </a:buClr>
+              <a:buSzPct val="70000"/>
+              <a:buFont typeface="Wingdings 2" charset="2"/>
+              <a:buChar char=""/>
+              <a:defRPr sz="1400" kern="1200">
+                <a:ln>
+                  <a:solidFill>
+                    <a:schemeClr val="bg1">
+                      <a:lumMod val="75000"/>
+                      <a:lumOff val="25000"/>
+                      <a:alpha val="10000"/>
+                    </a:schemeClr>
+                  </a:solidFill>
+                </a:ln>
+                <a:solidFill>
+                  <a:schemeClr val="tx2"/>
+                </a:solidFill>
+                <a:effectLst>
+                  <a:outerShdw blurRad="9525" dist="25400" dir="14640000" algn="tl" rotWithShape="0">
+                    <a:schemeClr val="bg1">
+                      <a:alpha val="30000"/>
+                    </a:schemeClr>
+                  </a:outerShdw>
+                </a:effectLst>
+                <a:latin typeface="+mn-lt"/>
+                <a:ea typeface="+mn-ea"/>
+                <a:cs typeface="+mn-cs"/>
+              </a:defRPr>
+            </a:lvl7pPr>
+            <a:lvl8pPr marL="2789000" indent="-228600" algn="l" defTabSz="457200" rtl="0" eaLnBrk="1" latinLnBrk="0" hangingPunct="1">
+              <a:spcBef>
+                <a:spcPct val="20000"/>
+              </a:spcBef>
+              <a:spcAft>
+                <a:spcPts val="600"/>
+              </a:spcAft>
+              <a:buClr>
+                <a:schemeClr val="tx2"/>
+              </a:buClr>
+              <a:buSzPct val="70000"/>
+              <a:buFont typeface="Wingdings 2" charset="2"/>
+              <a:buChar char=""/>
+              <a:defRPr sz="1400" kern="1200">
+                <a:ln>
+                  <a:solidFill>
+                    <a:schemeClr val="bg1">
+                      <a:lumMod val="75000"/>
+                      <a:lumOff val="25000"/>
+                      <a:alpha val="10000"/>
+                    </a:schemeClr>
+                  </a:solidFill>
+                </a:ln>
+                <a:solidFill>
+                  <a:schemeClr val="tx2"/>
+                </a:solidFill>
+                <a:effectLst>
+                  <a:outerShdw blurRad="9525" dist="25400" dir="14640000" algn="tl" rotWithShape="0">
+                    <a:schemeClr val="bg1">
+                      <a:alpha val="30000"/>
+                    </a:schemeClr>
+                  </a:outerShdw>
+                </a:effectLst>
+                <a:latin typeface="+mn-lt"/>
+                <a:ea typeface="+mn-ea"/>
+                <a:cs typeface="+mn-cs"/>
+              </a:defRPr>
+            </a:lvl8pPr>
+            <a:lvl9pPr marL="3106200" indent="-228600" algn="l" defTabSz="457200" rtl="0" eaLnBrk="1" latinLnBrk="0" hangingPunct="1">
+              <a:spcBef>
+                <a:spcPct val="20000"/>
+              </a:spcBef>
+              <a:spcAft>
+                <a:spcPts val="600"/>
+              </a:spcAft>
+              <a:buClr>
+                <a:schemeClr val="tx2"/>
+              </a:buClr>
+              <a:buSzPct val="70000"/>
+              <a:buFont typeface="Wingdings 2" charset="2"/>
+              <a:buChar char=""/>
+              <a:defRPr sz="1400" kern="1200">
+                <a:ln>
+                  <a:solidFill>
+                    <a:schemeClr val="bg1">
+                      <a:lumMod val="75000"/>
+                      <a:lumOff val="25000"/>
+                      <a:alpha val="10000"/>
+                    </a:schemeClr>
+                  </a:solidFill>
+                </a:ln>
+                <a:solidFill>
+                  <a:schemeClr val="tx2"/>
+                </a:solidFill>
+                <a:effectLst>
+                  <a:outerShdw blurRad="9525" dist="25400" dir="14640000" algn="tl" rotWithShape="0">
+                    <a:schemeClr val="bg1">
+                      <a:alpha val="30000"/>
+                    </a:schemeClr>
+                  </a:outerShdw>
+                </a:effectLst>
+                <a:latin typeface="+mn-lt"/>
+                <a:ea typeface="+mn-ea"/>
+                <a:cs typeface="+mn-cs"/>
+              </a:defRPr>
+            </a:lvl9pPr>
+          </a:lstStyle>
+          <a:p>
+            <a:r>
+              <a:rPr lang="pt-BR" sz="2400" dirty="0"/>
+              <a:t>Com base nas recompensas coletadas pela IA, ela vai começar a entender que precisa gerar valores no output dela de forma a que o pássaro continue vivo e passando por entre os canos.</a:t>
+            </a:r>
+          </a:p>
+        </p:txBody>
+      </p:sp>
+    </p:spTree>
+    <p:extLst>
+      <p:ext uri="{BB962C8B-B14F-4D97-AF65-F5344CB8AC3E}">
+        <p14:creationId xmlns:p14="http://schemas.microsoft.com/office/powerpoint/2010/main" val="1983785456"/>
+      </p:ext>
+    </p:extLst>
+  </p:cSld>
+  <p:clrMapOvr>
+    <a:masterClrMapping/>
+  </p:clrMapOvr>
+</p:sld>
+</file>
+
+<file path=ppt/slides/slide13.xml><?xml version="1.0" encoding="utf-8"?>
+<p:sld xmlns:a="http://schemas.openxmlformats.org/drawingml/2006/main" xmlns:r="http://schemas.openxmlformats.org/officeDocument/2006/relationships" xmlns:p="http://schemas.openxmlformats.org/presentationml/2006/main">
+  <p:cSld>
+    <p:bg>
+      <p:bgPr>
+        <a:solidFill>
+          <a:schemeClr val="bg1"/>
+        </a:solidFill>
+        <a:effectLst/>
+      </p:bgPr>
+    </p:bg>
+    <p:spTree>
+      <p:nvGrpSpPr>
+        <p:cNvPr id="1" name=""/>
+        <p:cNvGrpSpPr/>
+        <p:nvPr/>
+      </p:nvGrpSpPr>
+      <p:grpSpPr>
+        <a:xfrm>
+          <a:off x="0" y="0"/>
+          <a:ext cx="0" cy="0"/>
+          <a:chOff x="0" y="0"/>
+          <a:chExt cx="0" cy="0"/>
+        </a:xfrm>
+      </p:grpSpPr>
+      <p:sp>
+        <p:nvSpPr>
+          <p:cNvPr id="9" name="Rectangle 8">
+            <a:extLst>
+              <a:ext uri="{FF2B5EF4-FFF2-40B4-BE49-F238E27FC236}">
+                <a16:creationId xmlns:a16="http://schemas.microsoft.com/office/drawing/2014/main" id="{95CB840F-8E41-4CA5-B79B-25CC80AD234A}"/>
+              </a:ext>
+              <a:ext uri="{C183D7F6-B498-43B3-948B-1728B52AA6E4}">
+                <adec:decorative xmlns:adec="http://schemas.microsoft.com/office/drawing/2017/decorative" val="1"/>
+              </a:ext>
+            </a:extLst>
+          </p:cNvPr>
+          <p:cNvSpPr>
+            <a:spLocks noGrp="1" noRot="1" noChangeAspect="1" noMove="1" noResize="1" noEditPoints="1" noAdjustHandles="1" noChangeArrowheads="1" noChangeShapeType="1" noTextEdit="1"/>
+          </p:cNvSpPr>
+          <p:nvPr>
+            <p:extLst>
+              <p:ext uri="{386F3935-93C4-4BCD-93E2-E3B085C9AB24}">
+                <p16:designElem xmlns:p16="http://schemas.microsoft.com/office/powerpoint/2015/main" val="1"/>
+              </p:ext>
+            </p:extLst>
+          </p:nvPr>
+        </p:nvSpPr>
+        <p:spPr>
+          <a:xfrm>
+            <a:off x="0" y="0"/>
+            <a:ext cx="12192000" cy="6858000"/>
+          </a:xfrm>
+          <a:prstGeom prst="rect">
+            <a:avLst/>
+          </a:prstGeom>
+          <a:ln>
+            <a:noFill/>
+          </a:ln>
+        </p:spPr>
+        <p:style>
+          <a:lnRef idx="2">
+            <a:schemeClr val="accent1">
+              <a:shade val="50000"/>
+            </a:schemeClr>
+          </a:lnRef>
+          <a:fillRef idx="1003">
+            <a:schemeClr val="dk2"/>
+          </a:fillRef>
+          <a:effectRef idx="0">
+            <a:schemeClr val="accent1"/>
+          </a:effectRef>
+          <a:fontRef idx="minor">
+            <a:schemeClr val="lt1"/>
+          </a:fontRef>
+        </p:style>
+        <p:txBody>
+          <a:bodyPr rtlCol="0" anchor="ctr"/>
+          <a:lstStyle/>
+          <a:p>
+            <a:pPr algn="ctr"/>
+            <a:endParaRPr lang="en-US"/>
+          </a:p>
+        </p:txBody>
+      </p:sp>
+      <p:sp>
+        <p:nvSpPr>
+          <p:cNvPr id="2" name="Título 1">
+            <a:extLst>
+              <a:ext uri="{FF2B5EF4-FFF2-40B4-BE49-F238E27FC236}">
+                <a16:creationId xmlns:a16="http://schemas.microsoft.com/office/drawing/2014/main" id="{66B57AFB-50D4-4E73-A6F8-C3B20C5A07FD}"/>
+              </a:ext>
+            </a:extLst>
+          </p:cNvPr>
+          <p:cNvSpPr>
+            <a:spLocks noGrp="1"/>
+          </p:cNvSpPr>
+          <p:nvPr>
+            <p:ph type="title"/>
+          </p:nvPr>
+        </p:nvSpPr>
+        <p:spPr>
+          <a:xfrm>
+            <a:off x="913795" y="609600"/>
+            <a:ext cx="3078749" cy="970450"/>
+          </a:xfrm>
+        </p:spPr>
+        <p:txBody>
+          <a:bodyPr anchor="b">
+            <a:normAutofit/>
+          </a:bodyPr>
+          <a:lstStyle/>
+          <a:p>
+            <a:pPr algn="l"/>
+            <a:endParaRPr lang="pt-BR" sz="2800" dirty="0">
+              <a:ln>
+                <a:solidFill>
+                  <a:srgbClr val="404040">
+                    <a:alpha val="10000"/>
+                  </a:srgbClr>
+                </a:solidFill>
+              </a:ln>
+              <a:solidFill>
+                <a:srgbClr val="DADADA"/>
+              </a:solidFill>
+            </a:endParaRPr>
+          </a:p>
+        </p:txBody>
+      </p:sp>
+      <p:sp>
+        <p:nvSpPr>
+          <p:cNvPr id="3" name="Espaço Reservado para Conteúdo 2">
+            <a:extLst>
+              <a:ext uri="{FF2B5EF4-FFF2-40B4-BE49-F238E27FC236}">
+                <a16:creationId xmlns:a16="http://schemas.microsoft.com/office/drawing/2014/main" id="{DC0618A9-114D-4DD2-B205-75EE4D4AD762}"/>
+              </a:ext>
+            </a:extLst>
+          </p:cNvPr>
+          <p:cNvSpPr>
+            <a:spLocks noGrp="1"/>
+          </p:cNvSpPr>
+          <p:nvPr>
+            <p:ph idx="1"/>
+          </p:nvPr>
+        </p:nvSpPr>
+        <p:spPr>
+          <a:xfrm>
+            <a:off x="191068" y="5123917"/>
+            <a:ext cx="10768084" cy="1276883"/>
+          </a:xfrm>
+        </p:spPr>
+        <p:txBody>
+          <a:bodyPr anchor="t">
+            <a:normAutofit/>
+          </a:bodyPr>
+          <a:lstStyle/>
+          <a:p>
+            <a:r>
+              <a:rPr lang="pt-BR" sz="2400" dirty="0" err="1">
+                <a:ln>
+                  <a:solidFill>
+                    <a:srgbClr val="404040">
+                      <a:alpha val="10000"/>
+                    </a:srgbClr>
+                  </a:solidFill>
+                </a:ln>
+                <a:solidFill>
+                  <a:srgbClr val="0070C0"/>
+                </a:solidFill>
+              </a:rPr>
+              <a:t>Github</a:t>
+            </a:r>
+            <a:r>
+              <a:rPr lang="pt-BR" sz="2400" dirty="0">
+                <a:ln>
+                  <a:solidFill>
+                    <a:srgbClr val="404040">
+                      <a:alpha val="10000"/>
+                    </a:srgbClr>
+                  </a:solidFill>
+                </a:ln>
+                <a:solidFill>
+                  <a:srgbClr val="0070C0"/>
+                </a:solidFill>
+              </a:rPr>
+              <a:t>: https://github.com/PedroPadilhaPortella/IAFlappyBird</a:t>
             </a:r>
           </a:p>
         </p:txBody>
@@ -6092,7 +8033,7 @@
           <p:cNvPr id="4" name="Picture 2" descr="Crepypasta Arkade: O Segredo oculto de Flappy Bird - Arkade | Arkade">
             <a:extLst>
               <a:ext uri="{FF2B5EF4-FFF2-40B4-BE49-F238E27FC236}">
-                <a16:creationId xmlns:a16="http://schemas.microsoft.com/office/drawing/2014/main" id="{B4D530FC-595B-49A7-8EA3-192C5D487117}"/>
+                <a16:creationId xmlns:a16="http://schemas.microsoft.com/office/drawing/2014/main" id="{885C04F2-26E4-41ED-9CE5-6ED4B6F68B30}"/>
               </a:ext>
             </a:extLst>
           </p:cNvPr>
@@ -6109,15 +8050,14 @@
               </a:ext>
             </a:extLst>
           </a:blip>
-          <a:srcRect/>
           <a:stretch>
             <a:fillRect/>
           </a:stretch>
         </p:blipFill>
         <p:spPr bwMode="auto">
           <a:xfrm>
-            <a:off x="1186521" y="1204174"/>
-            <a:ext cx="2630573" cy="1864021"/>
+            <a:off x="6448645" y="341194"/>
+            <a:ext cx="5524993" cy="3908932"/>
           </a:xfrm>
           <a:prstGeom prst="rect">
             <a:avLst/>
@@ -6137,12 +8077,12 @@
     </p:spTree>
     <p:extLst>
       <p:ext uri="{BB962C8B-B14F-4D97-AF65-F5344CB8AC3E}">
-        <p14:creationId xmlns:p14="http://schemas.microsoft.com/office/powerpoint/2010/main" val="1494072762"/>
+        <p14:creationId xmlns:p14="http://schemas.microsoft.com/office/powerpoint/2010/main" val="3300513306"/>
       </p:ext>
     </p:extLst>
   </p:cSld>
   <p:clrMapOvr>
-    <a:masterClrMapping/>
+    <a:overrideClrMapping bg1="lt1" tx1="dk1" bg2="lt2" tx2="dk2" accent1="accent1" accent2="accent2" accent3="accent3" accent4="accent4" accent5="accent5" accent6="accent6" hlink="hlink" folHlink="folHlink"/>
   </p:clrMapOvr>
 </p:sld>
 </file>
@@ -6564,7 +8504,7 @@
         <p:spPr>
           <a:xfrm>
             <a:off x="638601" y="1724252"/>
-            <a:ext cx="10825518" cy="2308324"/>
+            <a:ext cx="10825518" cy="2677656"/>
           </a:xfrm>
           <a:prstGeom prst="rect">
             <a:avLst/>
@@ -6582,7 +8522,7 @@
               <a:rPr lang="pt-BR" sz="2400" b="0" i="0" dirty="0">
                 <a:effectLst/>
               </a:rPr>
-              <a:t>NEAT é um exemplo de uma rede neural artificial de evolução de topologia e peso (TWEANN) que tenta aprender simultaneamente valores de peso e uma topologia apropriada para uma rede neural. Onde essa rede pode ser treinada e evoluir a partir de resultados obtidos em tentativas anteriores, mas com pequenas alterações nos parâmetros de entrada, criando um processo de tentativa e erro até alcançar um objetivo.</a:t>
+              <a:t>NEAT é um exemplo de uma rede neural artificial de evolução de topologia e peso (TWEANN) que tenta aprender simultaneamente valores de peso e uma topologia apropriada para uma rede neural. Onde essa rede pode ser treinada e evoluir a partir de resultados obtidos em tentativas anteriores, mas com pequenas alterações nos parâmetros de entrada, criando um processo de tentativa e erro até alcançar um objetivo, e recompensando a IA toda vez que ela atinge um objetivo, como se fosse um cão em treinamento.</a:t>
             </a:r>
           </a:p>
         </p:txBody>
@@ -7166,7 +9106,7 @@
           <p:cNvPr id="2" name="Título 1">
             <a:extLst>
               <a:ext uri="{FF2B5EF4-FFF2-40B4-BE49-F238E27FC236}">
-                <a16:creationId xmlns:a16="http://schemas.microsoft.com/office/drawing/2014/main" id="{66B57AFB-50D4-4E73-A6F8-C3B20C5A07FD}"/>
+                <a16:creationId xmlns:a16="http://schemas.microsoft.com/office/drawing/2014/main" id="{DE50518E-8FD7-4C8F-BC42-723C06E6CBA6}"/>
               </a:ext>
             </a:extLst>
           </p:cNvPr>
@@ -7179,10 +9119,15 @@
         </p:nvSpPr>
         <p:spPr/>
         <p:txBody>
-          <a:bodyPr/>
+          <a:bodyPr>
+            <a:normAutofit fontScale="90000"/>
+          </a:bodyPr>
           <a:lstStyle/>
           <a:p>
-            <a:endParaRPr lang="pt-BR" dirty="0"/>
+            <a:r>
+              <a:rPr lang="pt-BR" dirty="0"/>
+              <a:t>Como interpretar os outputs da IA para fazer o Pássaro se mover?</a:t>
+            </a:r>
           </a:p>
         </p:txBody>
       </p:sp>
@@ -7191,7 +9136,7 @@
           <p:cNvPr id="3" name="Espaço Reservado para Conteúdo 2">
             <a:extLst>
               <a:ext uri="{FF2B5EF4-FFF2-40B4-BE49-F238E27FC236}">
-                <a16:creationId xmlns:a16="http://schemas.microsoft.com/office/drawing/2014/main" id="{DC0618A9-114D-4DD2-B205-75EE4D4AD762}"/>
+                <a16:creationId xmlns:a16="http://schemas.microsoft.com/office/drawing/2014/main" id="{EB18BF81-F112-46B5-BE65-CDAA6F579F72}"/>
               </a:ext>
             </a:extLst>
           </p:cNvPr>
@@ -7204,8 +9149,8 @@
         </p:nvSpPr>
         <p:spPr>
           <a:xfrm>
-            <a:off x="913795" y="1815152"/>
-            <a:ext cx="10353762" cy="3976048"/>
+            <a:off x="913795" y="1732449"/>
+            <a:ext cx="10353762" cy="1242763"/>
           </a:xfrm>
         </p:spPr>
         <p:txBody>
@@ -7213,28 +9158,603 @@
           <a:lstStyle/>
           <a:p>
             <a:r>
+              <a:rPr lang="pt-BR" dirty="0"/>
+              <a:t>A Rede NEAT, possui um método chamada </a:t>
+            </a:r>
+            <a:r>
               <a:rPr lang="pt-BR" dirty="0" err="1"/>
-              <a:t>Github</a:t>
+              <a:t>activate</a:t>
             </a:r>
             <a:r>
               <a:rPr lang="pt-BR" dirty="0"/>
-              <a:t>: </a:t>
-            </a:r>
-            <a:r>
-              <a:rPr lang="pt-BR" dirty="0">
-                <a:solidFill>
-                  <a:srgbClr val="0070C0"/>
-                </a:solidFill>
-              </a:rPr>
-              <a:t>https://github.com/PedroPadilhaPortella/IAFlappyBird</a:t>
-            </a:r>
-          </a:p>
-        </p:txBody>
-      </p:sp>
+              <a:t>(), ele gera um output de valores entre -1 e 1, e tomamos como base se esse output for maior que 0.5, queremos que o pássaro pule. Se for um valor menor, significa que o pássaro não vai pular.</a:t>
+            </a:r>
+          </a:p>
+        </p:txBody>
+      </p:sp>
+      <p:pic>
+        <p:nvPicPr>
+          <p:cNvPr id="4" name="Imagem 3" descr="Texto&#10;&#10;Descrição gerada automaticamente">
+            <a:extLst>
+              <a:ext uri="{FF2B5EF4-FFF2-40B4-BE49-F238E27FC236}">
+                <a16:creationId xmlns:a16="http://schemas.microsoft.com/office/drawing/2014/main" id="{B1BF7D12-8C66-4D0B-9D27-3E0EF75E8384}"/>
+              </a:ext>
+            </a:extLst>
+          </p:cNvPr>
+          <p:cNvPicPr>
+            <a:picLocks noChangeAspect="1"/>
+          </p:cNvPicPr>
+          <p:nvPr/>
+        </p:nvPicPr>
+        <p:blipFill>
+          <a:blip r:embed="rId2">
+            <a:extLst>
+              <a:ext uri="{28A0092B-C50C-407E-A947-70E740481C1C}">
+                <a14:useLocalDpi xmlns:a14="http://schemas.microsoft.com/office/drawing/2010/main" val="0"/>
+              </a:ext>
+            </a:extLst>
+          </a:blip>
+          <a:stretch>
+            <a:fillRect/>
+          </a:stretch>
+        </p:blipFill>
+        <p:spPr>
+          <a:xfrm>
+            <a:off x="1747332" y="2975212"/>
+            <a:ext cx="8686687" cy="3262605"/>
+          </a:xfrm>
+          <a:prstGeom prst="rect">
+            <a:avLst/>
+          </a:prstGeom>
+        </p:spPr>
+      </p:pic>
     </p:spTree>
     <p:extLst>
       <p:ext uri="{BB962C8B-B14F-4D97-AF65-F5344CB8AC3E}">
-        <p14:creationId xmlns:p14="http://schemas.microsoft.com/office/powerpoint/2010/main" val="3300513306"/>
+        <p14:creationId xmlns:p14="http://schemas.microsoft.com/office/powerpoint/2010/main" val="660847326"/>
+      </p:ext>
+    </p:extLst>
+  </p:cSld>
+  <p:clrMapOvr>
+    <a:masterClrMapping/>
+  </p:clrMapOvr>
+</p:sld>
+</file>
+
+<file path=ppt/slides/slide8.xml><?xml version="1.0" encoding="utf-8"?>
+<p:sld xmlns:a="http://schemas.openxmlformats.org/drawingml/2006/main" xmlns:r="http://schemas.openxmlformats.org/officeDocument/2006/relationships" xmlns:p="http://schemas.openxmlformats.org/presentationml/2006/main">
+  <p:cSld>
+    <p:spTree>
+      <p:nvGrpSpPr>
+        <p:cNvPr id="1" name=""/>
+        <p:cNvGrpSpPr/>
+        <p:nvPr/>
+      </p:nvGrpSpPr>
+      <p:grpSpPr>
+        <a:xfrm>
+          <a:off x="0" y="0"/>
+          <a:ext cx="0" cy="0"/>
+          <a:chOff x="0" y="0"/>
+          <a:chExt cx="0" cy="0"/>
+        </a:xfrm>
+      </p:grpSpPr>
+      <p:sp>
+        <p:nvSpPr>
+          <p:cNvPr id="2" name="Título 1">
+            <a:extLst>
+              <a:ext uri="{FF2B5EF4-FFF2-40B4-BE49-F238E27FC236}">
+                <a16:creationId xmlns:a16="http://schemas.microsoft.com/office/drawing/2014/main" id="{F6B5B2FF-8438-404E-87D6-B83C914702A0}"/>
+              </a:ext>
+            </a:extLst>
+          </p:cNvPr>
+          <p:cNvSpPr>
+            <a:spLocks noGrp="1"/>
+          </p:cNvSpPr>
+          <p:nvPr>
+            <p:ph type="title"/>
+          </p:nvPr>
+        </p:nvSpPr>
+        <p:spPr>
+          <a:xfrm>
+            <a:off x="914356" y="324035"/>
+            <a:ext cx="10353762" cy="970450"/>
+          </a:xfrm>
+        </p:spPr>
+        <p:txBody>
+          <a:bodyPr/>
+          <a:lstStyle/>
+          <a:p>
+            <a:r>
+              <a:rPr lang="pt-BR" dirty="0"/>
+              <a:t>Sistema de Aprendizado e Recompensa da IA</a:t>
+            </a:r>
+          </a:p>
+        </p:txBody>
+      </p:sp>
+      <p:sp>
+        <p:nvSpPr>
+          <p:cNvPr id="13" name="Espaço Reservado para Conteúdo 12">
+            <a:extLst>
+              <a:ext uri="{FF2B5EF4-FFF2-40B4-BE49-F238E27FC236}">
+                <a16:creationId xmlns:a16="http://schemas.microsoft.com/office/drawing/2014/main" id="{CF1DF9B7-FCBF-449A-891D-17050B16B41A}"/>
+              </a:ext>
+            </a:extLst>
+          </p:cNvPr>
+          <p:cNvSpPr>
+            <a:spLocks noGrp="1"/>
+          </p:cNvSpPr>
+          <p:nvPr>
+            <p:ph idx="1"/>
+          </p:nvPr>
+        </p:nvSpPr>
+        <p:spPr>
+          <a:xfrm>
+            <a:off x="913795" y="1732449"/>
+            <a:ext cx="10353762" cy="1815969"/>
+          </a:xfrm>
+        </p:spPr>
+        <p:txBody>
+          <a:bodyPr>
+            <a:normAutofit/>
+          </a:bodyPr>
+          <a:lstStyle/>
+          <a:p>
+            <a:r>
+              <a:rPr lang="pt-BR" sz="2400" dirty="0"/>
+              <a:t>Como o sistema NEAT é baseado em Aprendizado,  Recompensa e Evolução constante, adotamos uma maneira de ensinar pra ela a evoluir seu comportamento com base em um sistema de recompensas determinada por pontuações.</a:t>
+            </a:r>
+          </a:p>
+        </p:txBody>
+      </p:sp>
+    </p:spTree>
+    <p:extLst>
+      <p:ext uri="{BB962C8B-B14F-4D97-AF65-F5344CB8AC3E}">
+        <p14:creationId xmlns:p14="http://schemas.microsoft.com/office/powerpoint/2010/main" val="801250993"/>
+      </p:ext>
+    </p:extLst>
+  </p:cSld>
+  <p:clrMapOvr>
+    <a:masterClrMapping/>
+  </p:clrMapOvr>
+</p:sld>
+</file>
+
+<file path=ppt/slides/slide9.xml><?xml version="1.0" encoding="utf-8"?>
+<p:sld xmlns:a="http://schemas.openxmlformats.org/drawingml/2006/main" xmlns:r="http://schemas.openxmlformats.org/officeDocument/2006/relationships" xmlns:p="http://schemas.openxmlformats.org/presentationml/2006/main">
+  <p:cSld>
+    <p:spTree>
+      <p:nvGrpSpPr>
+        <p:cNvPr id="1" name=""/>
+        <p:cNvGrpSpPr/>
+        <p:nvPr/>
+      </p:nvGrpSpPr>
+      <p:grpSpPr>
+        <a:xfrm>
+          <a:off x="0" y="0"/>
+          <a:ext cx="0" cy="0"/>
+          <a:chOff x="0" y="0"/>
+          <a:chExt cx="0" cy="0"/>
+        </a:xfrm>
+      </p:grpSpPr>
+      <p:pic>
+        <p:nvPicPr>
+          <p:cNvPr id="3" name="Imagem 2" descr="Texto&#10;&#10;Descrição gerada automaticamente">
+            <a:extLst>
+              <a:ext uri="{FF2B5EF4-FFF2-40B4-BE49-F238E27FC236}">
+                <a16:creationId xmlns:a16="http://schemas.microsoft.com/office/drawing/2014/main" id="{22D78798-5468-4E9B-8112-612BED0C6C9F}"/>
+              </a:ext>
+            </a:extLst>
+          </p:cNvPr>
+          <p:cNvPicPr>
+            <a:picLocks noChangeAspect="1"/>
+          </p:cNvPicPr>
+          <p:nvPr/>
+        </p:nvPicPr>
+        <p:blipFill>
+          <a:blip r:embed="rId2">
+            <a:extLst>
+              <a:ext uri="{28A0092B-C50C-407E-A947-70E740481C1C}">
+                <a14:useLocalDpi xmlns:a14="http://schemas.microsoft.com/office/drawing/2010/main" val="0"/>
+              </a:ext>
+            </a:extLst>
+          </a:blip>
+          <a:stretch>
+            <a:fillRect/>
+          </a:stretch>
+        </p:blipFill>
+        <p:spPr>
+          <a:xfrm>
+            <a:off x="531658" y="162339"/>
+            <a:ext cx="7512501" cy="3490060"/>
+          </a:xfrm>
+          <a:prstGeom prst="rect">
+            <a:avLst/>
+          </a:prstGeom>
+        </p:spPr>
+      </p:pic>
+      <p:sp>
+        <p:nvSpPr>
+          <p:cNvPr id="6" name="Espaço Reservado para Conteúdo 12">
+            <a:extLst>
+              <a:ext uri="{FF2B5EF4-FFF2-40B4-BE49-F238E27FC236}">
+                <a16:creationId xmlns:a16="http://schemas.microsoft.com/office/drawing/2014/main" id="{12D55C82-ACFC-4B84-9CE1-C0EF0A38074E}"/>
+              </a:ext>
+            </a:extLst>
+          </p:cNvPr>
+          <p:cNvSpPr txBox="1">
+            <a:spLocks/>
+          </p:cNvSpPr>
+          <p:nvPr/>
+        </p:nvSpPr>
+        <p:spPr>
+          <a:xfrm>
+            <a:off x="531658" y="4161751"/>
+            <a:ext cx="10353762" cy="1106285"/>
+          </a:xfrm>
+          <a:prstGeom prst="rect">
+            <a:avLst/>
+          </a:prstGeom>
+        </p:spPr>
+        <p:txBody>
+          <a:bodyPr>
+            <a:normAutofit/>
+          </a:bodyPr>
+          <a:lstStyle>
+            <a:lvl1pPr marL="342900" indent="-306000" algn="l" defTabSz="457200" rtl="0" eaLnBrk="1" latinLnBrk="0" hangingPunct="1">
+              <a:spcBef>
+                <a:spcPct val="20000"/>
+              </a:spcBef>
+              <a:spcAft>
+                <a:spcPts val="600"/>
+              </a:spcAft>
+              <a:buClr>
+                <a:schemeClr val="tx2"/>
+              </a:buClr>
+              <a:buSzPct val="70000"/>
+              <a:buFont typeface="Wingdings 2" charset="2"/>
+              <a:buChar char=""/>
+              <a:defRPr sz="2000" kern="1200">
+                <a:ln>
+                  <a:solidFill>
+                    <a:schemeClr val="bg1">
+                      <a:lumMod val="75000"/>
+                      <a:lumOff val="25000"/>
+                      <a:alpha val="10000"/>
+                    </a:schemeClr>
+                  </a:solidFill>
+                </a:ln>
+                <a:solidFill>
+                  <a:schemeClr val="tx2"/>
+                </a:solidFill>
+                <a:effectLst>
+                  <a:outerShdw blurRad="9525" dist="25400" dir="14640000" algn="tl" rotWithShape="0">
+                    <a:schemeClr val="bg1">
+                      <a:alpha val="30000"/>
+                    </a:schemeClr>
+                  </a:outerShdw>
+                </a:effectLst>
+                <a:latin typeface="+mn-lt"/>
+                <a:ea typeface="+mn-ea"/>
+                <a:cs typeface="+mn-cs"/>
+              </a:defRPr>
+            </a:lvl1pPr>
+            <a:lvl2pPr marL="720000" indent="-270000" algn="l" defTabSz="457200" rtl="0" eaLnBrk="1" latinLnBrk="0" hangingPunct="1">
+              <a:spcBef>
+                <a:spcPct val="20000"/>
+              </a:spcBef>
+              <a:spcAft>
+                <a:spcPts val="600"/>
+              </a:spcAft>
+              <a:buClr>
+                <a:schemeClr val="tx2"/>
+              </a:buClr>
+              <a:buSzPct val="70000"/>
+              <a:buFont typeface="Wingdings 2" charset="2"/>
+              <a:buChar char=""/>
+              <a:defRPr sz="1800" kern="1200">
+                <a:ln>
+                  <a:solidFill>
+                    <a:schemeClr val="bg1">
+                      <a:lumMod val="75000"/>
+                      <a:lumOff val="25000"/>
+                      <a:alpha val="10000"/>
+                    </a:schemeClr>
+                  </a:solidFill>
+                </a:ln>
+                <a:solidFill>
+                  <a:schemeClr val="tx2"/>
+                </a:solidFill>
+                <a:effectLst>
+                  <a:outerShdw blurRad="9525" dist="25400" dir="14640000" algn="tl" rotWithShape="0">
+                    <a:schemeClr val="bg1">
+                      <a:alpha val="30000"/>
+                    </a:schemeClr>
+                  </a:outerShdw>
+                </a:effectLst>
+                <a:latin typeface="+mn-lt"/>
+                <a:ea typeface="+mn-ea"/>
+                <a:cs typeface="+mn-cs"/>
+              </a:defRPr>
+            </a:lvl2pPr>
+            <a:lvl3pPr marL="1026000" indent="-216000" algn="l" defTabSz="457200" rtl="0" eaLnBrk="1" latinLnBrk="0" hangingPunct="1">
+              <a:spcBef>
+                <a:spcPct val="20000"/>
+              </a:spcBef>
+              <a:spcAft>
+                <a:spcPts val="600"/>
+              </a:spcAft>
+              <a:buClr>
+                <a:schemeClr val="tx2"/>
+              </a:buClr>
+              <a:buSzPct val="70000"/>
+              <a:buFont typeface="Wingdings 2" charset="2"/>
+              <a:buChar char=""/>
+              <a:defRPr sz="1600" kern="1200">
+                <a:ln>
+                  <a:solidFill>
+                    <a:schemeClr val="bg1">
+                      <a:lumMod val="75000"/>
+                      <a:lumOff val="25000"/>
+                      <a:alpha val="10000"/>
+                    </a:schemeClr>
+                  </a:solidFill>
+                </a:ln>
+                <a:solidFill>
+                  <a:schemeClr val="tx2"/>
+                </a:solidFill>
+                <a:effectLst>
+                  <a:outerShdw blurRad="9525" dist="25400" dir="14640000" algn="tl" rotWithShape="0">
+                    <a:schemeClr val="bg1">
+                      <a:alpha val="30000"/>
+                    </a:schemeClr>
+                  </a:outerShdw>
+                </a:effectLst>
+                <a:latin typeface="+mn-lt"/>
+                <a:ea typeface="+mn-ea"/>
+                <a:cs typeface="+mn-cs"/>
+              </a:defRPr>
+            </a:lvl3pPr>
+            <a:lvl4pPr marL="1386000" indent="-216000" algn="l" defTabSz="457200" rtl="0" eaLnBrk="1" latinLnBrk="0" hangingPunct="1">
+              <a:spcBef>
+                <a:spcPct val="20000"/>
+              </a:spcBef>
+              <a:spcAft>
+                <a:spcPts val="600"/>
+              </a:spcAft>
+              <a:buClr>
+                <a:schemeClr val="tx2"/>
+              </a:buClr>
+              <a:buSzPct val="70000"/>
+              <a:buFont typeface="Wingdings 2" charset="2"/>
+              <a:buChar char=""/>
+              <a:defRPr sz="1400" kern="1200">
+                <a:ln>
+                  <a:solidFill>
+                    <a:schemeClr val="bg1">
+                      <a:lumMod val="75000"/>
+                      <a:lumOff val="25000"/>
+                      <a:alpha val="10000"/>
+                    </a:schemeClr>
+                  </a:solidFill>
+                </a:ln>
+                <a:solidFill>
+                  <a:schemeClr val="tx2"/>
+                </a:solidFill>
+                <a:effectLst>
+                  <a:outerShdw blurRad="9525" dist="25400" dir="14640000" algn="tl" rotWithShape="0">
+                    <a:schemeClr val="bg1">
+                      <a:alpha val="30000"/>
+                    </a:schemeClr>
+                  </a:outerShdw>
+                </a:effectLst>
+                <a:latin typeface="+mn-lt"/>
+                <a:ea typeface="+mn-ea"/>
+                <a:cs typeface="+mn-cs"/>
+              </a:defRPr>
+            </a:lvl4pPr>
+            <a:lvl5pPr marL="1674000" indent="-216000" algn="l" defTabSz="457200" rtl="0" eaLnBrk="1" latinLnBrk="0" hangingPunct="1">
+              <a:spcBef>
+                <a:spcPct val="20000"/>
+              </a:spcBef>
+              <a:spcAft>
+                <a:spcPts val="600"/>
+              </a:spcAft>
+              <a:buClr>
+                <a:schemeClr val="tx2"/>
+              </a:buClr>
+              <a:buSzPct val="70000"/>
+              <a:buFont typeface="Wingdings 2" charset="2"/>
+              <a:buChar char=""/>
+              <a:defRPr sz="1400" kern="1200">
+                <a:ln>
+                  <a:solidFill>
+                    <a:schemeClr val="bg1">
+                      <a:lumMod val="75000"/>
+                      <a:lumOff val="25000"/>
+                      <a:alpha val="10000"/>
+                    </a:schemeClr>
+                  </a:solidFill>
+                </a:ln>
+                <a:solidFill>
+                  <a:schemeClr val="tx2"/>
+                </a:solidFill>
+                <a:effectLst>
+                  <a:outerShdw blurRad="9525" dist="25400" dir="14640000" algn="tl" rotWithShape="0">
+                    <a:schemeClr val="bg1">
+                      <a:alpha val="30000"/>
+                    </a:schemeClr>
+                  </a:outerShdw>
+                </a:effectLst>
+                <a:latin typeface="+mn-lt"/>
+                <a:ea typeface="+mn-ea"/>
+                <a:cs typeface="+mn-cs"/>
+              </a:defRPr>
+            </a:lvl5pPr>
+            <a:lvl6pPr marL="2014600" indent="-228600" algn="l" defTabSz="457200" rtl="0" eaLnBrk="1" latinLnBrk="0" hangingPunct="1">
+              <a:spcBef>
+                <a:spcPct val="20000"/>
+              </a:spcBef>
+              <a:spcAft>
+                <a:spcPts val="600"/>
+              </a:spcAft>
+              <a:buClr>
+                <a:schemeClr val="tx2"/>
+              </a:buClr>
+              <a:buSzPct val="70000"/>
+              <a:buFont typeface="Wingdings 2" charset="2"/>
+              <a:buChar char=""/>
+              <a:defRPr sz="1400" kern="1200">
+                <a:ln>
+                  <a:solidFill>
+                    <a:schemeClr val="bg1">
+                      <a:lumMod val="75000"/>
+                      <a:lumOff val="25000"/>
+                      <a:alpha val="10000"/>
+                    </a:schemeClr>
+                  </a:solidFill>
+                </a:ln>
+                <a:solidFill>
+                  <a:schemeClr val="tx2"/>
+                </a:solidFill>
+                <a:effectLst>
+                  <a:outerShdw blurRad="9525" dist="25400" dir="14640000" algn="tl" rotWithShape="0">
+                    <a:schemeClr val="bg1">
+                      <a:alpha val="30000"/>
+                    </a:schemeClr>
+                  </a:outerShdw>
+                </a:effectLst>
+                <a:latin typeface="+mn-lt"/>
+                <a:ea typeface="+mn-ea"/>
+                <a:cs typeface="+mn-cs"/>
+              </a:defRPr>
+            </a:lvl6pPr>
+            <a:lvl7pPr marL="2401800" indent="-228600" algn="l" defTabSz="457200" rtl="0" eaLnBrk="1" latinLnBrk="0" hangingPunct="1">
+              <a:spcBef>
+                <a:spcPct val="20000"/>
+              </a:spcBef>
+              <a:spcAft>
+                <a:spcPts val="600"/>
+              </a:spcAft>
+              <a:buClr>
+                <a:schemeClr val="tx2"/>
+              </a:buClr>
+              <a:buSzPct val="70000"/>
+              <a:buFont typeface="Wingdings 2" charset="2"/>
+              <a:buChar char=""/>
+              <a:defRPr sz="1400" kern="1200">
+                <a:ln>
+                  <a:solidFill>
+                    <a:schemeClr val="bg1">
+                      <a:lumMod val="75000"/>
+                      <a:lumOff val="25000"/>
+                      <a:alpha val="10000"/>
+                    </a:schemeClr>
+                  </a:solidFill>
+                </a:ln>
+                <a:solidFill>
+                  <a:schemeClr val="tx2"/>
+                </a:solidFill>
+                <a:effectLst>
+                  <a:outerShdw blurRad="9525" dist="25400" dir="14640000" algn="tl" rotWithShape="0">
+                    <a:schemeClr val="bg1">
+                      <a:alpha val="30000"/>
+                    </a:schemeClr>
+                  </a:outerShdw>
+                </a:effectLst>
+                <a:latin typeface="+mn-lt"/>
+                <a:ea typeface="+mn-ea"/>
+                <a:cs typeface="+mn-cs"/>
+              </a:defRPr>
+            </a:lvl7pPr>
+            <a:lvl8pPr marL="2789000" indent="-228600" algn="l" defTabSz="457200" rtl="0" eaLnBrk="1" latinLnBrk="0" hangingPunct="1">
+              <a:spcBef>
+                <a:spcPct val="20000"/>
+              </a:spcBef>
+              <a:spcAft>
+                <a:spcPts val="600"/>
+              </a:spcAft>
+              <a:buClr>
+                <a:schemeClr val="tx2"/>
+              </a:buClr>
+              <a:buSzPct val="70000"/>
+              <a:buFont typeface="Wingdings 2" charset="2"/>
+              <a:buChar char=""/>
+              <a:defRPr sz="1400" kern="1200">
+                <a:ln>
+                  <a:solidFill>
+                    <a:schemeClr val="bg1">
+                      <a:lumMod val="75000"/>
+                      <a:lumOff val="25000"/>
+                      <a:alpha val="10000"/>
+                    </a:schemeClr>
+                  </a:solidFill>
+                </a:ln>
+                <a:solidFill>
+                  <a:schemeClr val="tx2"/>
+                </a:solidFill>
+                <a:effectLst>
+                  <a:outerShdw blurRad="9525" dist="25400" dir="14640000" algn="tl" rotWithShape="0">
+                    <a:schemeClr val="bg1">
+                      <a:alpha val="30000"/>
+                    </a:schemeClr>
+                  </a:outerShdw>
+                </a:effectLst>
+                <a:latin typeface="+mn-lt"/>
+                <a:ea typeface="+mn-ea"/>
+                <a:cs typeface="+mn-cs"/>
+              </a:defRPr>
+            </a:lvl8pPr>
+            <a:lvl9pPr marL="3106200" indent="-228600" algn="l" defTabSz="457200" rtl="0" eaLnBrk="1" latinLnBrk="0" hangingPunct="1">
+              <a:spcBef>
+                <a:spcPct val="20000"/>
+              </a:spcBef>
+              <a:spcAft>
+                <a:spcPts val="600"/>
+              </a:spcAft>
+              <a:buClr>
+                <a:schemeClr val="tx2"/>
+              </a:buClr>
+              <a:buSzPct val="70000"/>
+              <a:buFont typeface="Wingdings 2" charset="2"/>
+              <a:buChar char=""/>
+              <a:defRPr sz="1400" kern="1200">
+                <a:ln>
+                  <a:solidFill>
+                    <a:schemeClr val="bg1">
+                      <a:lumMod val="75000"/>
+                      <a:lumOff val="25000"/>
+                      <a:alpha val="10000"/>
+                    </a:schemeClr>
+                  </a:solidFill>
+                </a:ln>
+                <a:solidFill>
+                  <a:schemeClr val="tx2"/>
+                </a:solidFill>
+                <a:effectLst>
+                  <a:outerShdw blurRad="9525" dist="25400" dir="14640000" algn="tl" rotWithShape="0">
+                    <a:schemeClr val="bg1">
+                      <a:alpha val="30000"/>
+                    </a:schemeClr>
+                  </a:outerShdw>
+                </a:effectLst>
+                <a:latin typeface="+mn-lt"/>
+                <a:ea typeface="+mn-ea"/>
+                <a:cs typeface="+mn-cs"/>
+              </a:defRPr>
+            </a:lvl9pPr>
+          </a:lstStyle>
+          <a:p>
+            <a:r>
+              <a:rPr lang="pt-BR" sz="2400" dirty="0"/>
+              <a:t>A variável genoma representa um ‘’pássaro’’ do nosso jogo, ela possui uma propriedade chamada fitness, que inicialmente começa com zero.</a:t>
+            </a:r>
+          </a:p>
+        </p:txBody>
+      </p:sp>
+    </p:spTree>
+    <p:extLst>
+      <p:ext uri="{BB962C8B-B14F-4D97-AF65-F5344CB8AC3E}">
+        <p14:creationId xmlns:p14="http://schemas.microsoft.com/office/powerpoint/2010/main" val="631704452"/>
       </p:ext>
     </p:extLst>
   </p:cSld>

--- a/FlappyBird.pptx
+++ b/FlappyBird.pptx
@@ -4,20 +4,22 @@
   <p:sldMasterIdLst>
     <p:sldMasterId id="2147483678" r:id="rId1"/>
   </p:sldMasterIdLst>
+  <p:notesMasterIdLst>
+    <p:notesMasterId r:id="rId14"/>
+  </p:notesMasterIdLst>
   <p:sldIdLst>
     <p:sldId id="256" r:id="rId2"/>
     <p:sldId id="258" r:id="rId3"/>
     <p:sldId id="259" r:id="rId4"/>
     <p:sldId id="257" r:id="rId5"/>
     <p:sldId id="262" r:id="rId6"/>
-    <p:sldId id="261" r:id="rId7"/>
-    <p:sldId id="268" r:id="rId8"/>
-    <p:sldId id="263" r:id="rId9"/>
-    <p:sldId id="264" r:id="rId10"/>
-    <p:sldId id="265" r:id="rId11"/>
-    <p:sldId id="266" r:id="rId12"/>
-    <p:sldId id="267" r:id="rId13"/>
-    <p:sldId id="260" r:id="rId14"/>
+    <p:sldId id="268" r:id="rId7"/>
+    <p:sldId id="263" r:id="rId8"/>
+    <p:sldId id="264" r:id="rId9"/>
+    <p:sldId id="265" r:id="rId10"/>
+    <p:sldId id="266" r:id="rId11"/>
+    <p:sldId id="267" r:id="rId12"/>
+    <p:sldId id="260" r:id="rId13"/>
   </p:sldIdLst>
   <p:sldSz cx="12192000" cy="6858000"/>
   <p:notesSz cx="6858000" cy="9144000"/>
@@ -124,6 +126,439 @@
 </p:presentation>
 </file>
 
+<file path=ppt/notesMasters/notesMaster1.xml><?xml version="1.0" encoding="utf-8"?>
+<p:notesMaster xmlns:a="http://schemas.openxmlformats.org/drawingml/2006/main" xmlns:r="http://schemas.openxmlformats.org/officeDocument/2006/relationships" xmlns:p="http://schemas.openxmlformats.org/presentationml/2006/main">
+  <p:cSld>
+    <p:bg>
+      <p:bgRef idx="1001">
+        <a:schemeClr val="bg1"/>
+      </p:bgRef>
+    </p:bg>
+    <p:spTree>
+      <p:nvGrpSpPr>
+        <p:cNvPr id="1" name=""/>
+        <p:cNvGrpSpPr/>
+        <p:nvPr/>
+      </p:nvGrpSpPr>
+      <p:grpSpPr>
+        <a:xfrm>
+          <a:off x="0" y="0"/>
+          <a:ext cx="0" cy="0"/>
+          <a:chOff x="0" y="0"/>
+          <a:chExt cx="0" cy="0"/>
+        </a:xfrm>
+      </p:grpSpPr>
+      <p:sp>
+        <p:nvSpPr>
+          <p:cNvPr id="2" name="Espaço Reservado para Cabeçalho 1"/>
+          <p:cNvSpPr>
+            <a:spLocks noGrp="1"/>
+          </p:cNvSpPr>
+          <p:nvPr>
+            <p:ph type="hdr" sz="quarter"/>
+          </p:nvPr>
+        </p:nvSpPr>
+        <p:spPr>
+          <a:xfrm>
+            <a:off x="0" y="0"/>
+            <a:ext cx="2971800" cy="458788"/>
+          </a:xfrm>
+          <a:prstGeom prst="rect">
+            <a:avLst/>
+          </a:prstGeom>
+        </p:spPr>
+        <p:txBody>
+          <a:bodyPr vert="horz" lIns="91440" tIns="45720" rIns="91440" bIns="45720" rtlCol="0"/>
+          <a:lstStyle>
+            <a:lvl1pPr algn="l">
+              <a:defRPr sz="1200"/>
+            </a:lvl1pPr>
+          </a:lstStyle>
+          <a:p>
+            <a:endParaRPr lang="pt-BR"/>
+          </a:p>
+        </p:txBody>
+      </p:sp>
+      <p:sp>
+        <p:nvSpPr>
+          <p:cNvPr id="3" name="Espaço Reservado para Data 2"/>
+          <p:cNvSpPr>
+            <a:spLocks noGrp="1"/>
+          </p:cNvSpPr>
+          <p:nvPr>
+            <p:ph type="dt" idx="1"/>
+          </p:nvPr>
+        </p:nvSpPr>
+        <p:spPr>
+          <a:xfrm>
+            <a:off x="3884613" y="0"/>
+            <a:ext cx="2971800" cy="458788"/>
+          </a:xfrm>
+          <a:prstGeom prst="rect">
+            <a:avLst/>
+          </a:prstGeom>
+        </p:spPr>
+        <p:txBody>
+          <a:bodyPr vert="horz" lIns="91440" tIns="45720" rIns="91440" bIns="45720" rtlCol="0"/>
+          <a:lstStyle>
+            <a:lvl1pPr algn="r">
+              <a:defRPr sz="1200"/>
+            </a:lvl1pPr>
+          </a:lstStyle>
+          <a:p>
+            <a:fld id="{5EEB03B3-9204-45E4-8B9B-AD743428DADB}" type="datetimeFigureOut">
+              <a:rPr lang="pt-BR" smtClean="0"/>
+              <a:t>06/06/2022</a:t>
+            </a:fld>
+            <a:endParaRPr lang="pt-BR"/>
+          </a:p>
+        </p:txBody>
+      </p:sp>
+      <p:sp>
+        <p:nvSpPr>
+          <p:cNvPr id="4" name="Espaço Reservado para Imagem de Slide 3"/>
+          <p:cNvSpPr>
+            <a:spLocks noGrp="1" noRot="1" noChangeAspect="1"/>
+          </p:cNvSpPr>
+          <p:nvPr>
+            <p:ph type="sldImg" idx="2"/>
+          </p:nvPr>
+        </p:nvSpPr>
+        <p:spPr>
+          <a:xfrm>
+            <a:off x="685800" y="1143000"/>
+            <a:ext cx="5486400" cy="3086100"/>
+          </a:xfrm>
+          <a:prstGeom prst="rect">
+            <a:avLst/>
+          </a:prstGeom>
+          <a:noFill/>
+          <a:ln w="12700">
+            <a:solidFill>
+              <a:prstClr val="black"/>
+            </a:solidFill>
+          </a:ln>
+        </p:spPr>
+        <p:txBody>
+          <a:bodyPr vert="horz" lIns="91440" tIns="45720" rIns="91440" bIns="45720" rtlCol="0" anchor="ctr"/>
+          <a:lstStyle/>
+          <a:p>
+            <a:endParaRPr lang="pt-BR"/>
+          </a:p>
+        </p:txBody>
+      </p:sp>
+      <p:sp>
+        <p:nvSpPr>
+          <p:cNvPr id="5" name="Espaço Reservado para Anotações 4"/>
+          <p:cNvSpPr>
+            <a:spLocks noGrp="1"/>
+          </p:cNvSpPr>
+          <p:nvPr>
+            <p:ph type="body" sz="quarter" idx="3"/>
+          </p:nvPr>
+        </p:nvSpPr>
+        <p:spPr>
+          <a:xfrm>
+            <a:off x="685800" y="4400550"/>
+            <a:ext cx="5486400" cy="3600450"/>
+          </a:xfrm>
+          <a:prstGeom prst="rect">
+            <a:avLst/>
+          </a:prstGeom>
+        </p:spPr>
+        <p:txBody>
+          <a:bodyPr vert="horz" lIns="91440" tIns="45720" rIns="91440" bIns="45720" rtlCol="0"/>
+          <a:lstStyle/>
+          <a:p>
+            <a:pPr lvl="0"/>
+            <a:r>
+              <a:rPr lang="pt-BR"/>
+              <a:t>Clique para editar os estilos de texto Mestres</a:t>
+            </a:r>
+          </a:p>
+          <a:p>
+            <a:pPr lvl="1"/>
+            <a:r>
+              <a:rPr lang="pt-BR"/>
+              <a:t>Segundo nível</a:t>
+            </a:r>
+          </a:p>
+          <a:p>
+            <a:pPr lvl="2"/>
+            <a:r>
+              <a:rPr lang="pt-BR"/>
+              <a:t>Terceiro nível</a:t>
+            </a:r>
+          </a:p>
+          <a:p>
+            <a:pPr lvl="3"/>
+            <a:r>
+              <a:rPr lang="pt-BR"/>
+              <a:t>Quarto nível</a:t>
+            </a:r>
+          </a:p>
+          <a:p>
+            <a:pPr lvl="4"/>
+            <a:r>
+              <a:rPr lang="pt-BR"/>
+              <a:t>Quinto nível</a:t>
+            </a:r>
+          </a:p>
+        </p:txBody>
+      </p:sp>
+      <p:sp>
+        <p:nvSpPr>
+          <p:cNvPr id="6" name="Espaço Reservado para Rodapé 5"/>
+          <p:cNvSpPr>
+            <a:spLocks noGrp="1"/>
+          </p:cNvSpPr>
+          <p:nvPr>
+            <p:ph type="ftr" sz="quarter" idx="4"/>
+          </p:nvPr>
+        </p:nvSpPr>
+        <p:spPr>
+          <a:xfrm>
+            <a:off x="0" y="8685213"/>
+            <a:ext cx="2971800" cy="458787"/>
+          </a:xfrm>
+          <a:prstGeom prst="rect">
+            <a:avLst/>
+          </a:prstGeom>
+        </p:spPr>
+        <p:txBody>
+          <a:bodyPr vert="horz" lIns="91440" tIns="45720" rIns="91440" bIns="45720" rtlCol="0" anchor="b"/>
+          <a:lstStyle>
+            <a:lvl1pPr algn="l">
+              <a:defRPr sz="1200"/>
+            </a:lvl1pPr>
+          </a:lstStyle>
+          <a:p>
+            <a:endParaRPr lang="pt-BR"/>
+          </a:p>
+        </p:txBody>
+      </p:sp>
+      <p:sp>
+        <p:nvSpPr>
+          <p:cNvPr id="7" name="Espaço Reservado para Número de Slide 6"/>
+          <p:cNvSpPr>
+            <a:spLocks noGrp="1"/>
+          </p:cNvSpPr>
+          <p:nvPr>
+            <p:ph type="sldNum" sz="quarter" idx="5"/>
+          </p:nvPr>
+        </p:nvSpPr>
+        <p:spPr>
+          <a:xfrm>
+            <a:off x="3884613" y="8685213"/>
+            <a:ext cx="2971800" cy="458787"/>
+          </a:xfrm>
+          <a:prstGeom prst="rect">
+            <a:avLst/>
+          </a:prstGeom>
+        </p:spPr>
+        <p:txBody>
+          <a:bodyPr vert="horz" lIns="91440" tIns="45720" rIns="91440" bIns="45720" rtlCol="0" anchor="b"/>
+          <a:lstStyle>
+            <a:lvl1pPr algn="r">
+              <a:defRPr sz="1200"/>
+            </a:lvl1pPr>
+          </a:lstStyle>
+          <a:p>
+            <a:fld id="{5D91F532-89DE-4ADF-9A9F-1DA0BE566E08}" type="slidenum">
+              <a:rPr lang="pt-BR" smtClean="0"/>
+              <a:t>‹nº›</a:t>
+            </a:fld>
+            <a:endParaRPr lang="pt-BR"/>
+          </a:p>
+        </p:txBody>
+      </p:sp>
+    </p:spTree>
+    <p:extLst>
+      <p:ext uri="{BB962C8B-B14F-4D97-AF65-F5344CB8AC3E}">
+        <p14:creationId xmlns:p14="http://schemas.microsoft.com/office/powerpoint/2010/main" val="3301639106"/>
+      </p:ext>
+    </p:extLst>
+  </p:cSld>
+  <p:clrMap bg1="lt1" tx1="dk1" bg2="lt2" tx2="dk2" accent1="accent1" accent2="accent2" accent3="accent3" accent4="accent4" accent5="accent5" accent6="accent6" hlink="hlink" folHlink="folHlink"/>
+  <p:notesStyle>
+    <a:lvl1pPr marL="0" algn="l" defTabSz="914400" rtl="0" eaLnBrk="1" latinLnBrk="0" hangingPunct="1">
+      <a:defRPr sz="1200" kern="1200">
+        <a:solidFill>
+          <a:schemeClr val="tx1"/>
+        </a:solidFill>
+        <a:latin typeface="+mn-lt"/>
+        <a:ea typeface="+mn-ea"/>
+        <a:cs typeface="+mn-cs"/>
+      </a:defRPr>
+    </a:lvl1pPr>
+    <a:lvl2pPr marL="457200" algn="l" defTabSz="914400" rtl="0" eaLnBrk="1" latinLnBrk="0" hangingPunct="1">
+      <a:defRPr sz="1200" kern="1200">
+        <a:solidFill>
+          <a:schemeClr val="tx1"/>
+        </a:solidFill>
+        <a:latin typeface="+mn-lt"/>
+        <a:ea typeface="+mn-ea"/>
+        <a:cs typeface="+mn-cs"/>
+      </a:defRPr>
+    </a:lvl2pPr>
+    <a:lvl3pPr marL="914400" algn="l" defTabSz="914400" rtl="0" eaLnBrk="1" latinLnBrk="0" hangingPunct="1">
+      <a:defRPr sz="1200" kern="1200">
+        <a:solidFill>
+          <a:schemeClr val="tx1"/>
+        </a:solidFill>
+        <a:latin typeface="+mn-lt"/>
+        <a:ea typeface="+mn-ea"/>
+        <a:cs typeface="+mn-cs"/>
+      </a:defRPr>
+    </a:lvl3pPr>
+    <a:lvl4pPr marL="1371600" algn="l" defTabSz="914400" rtl="0" eaLnBrk="1" latinLnBrk="0" hangingPunct="1">
+      <a:defRPr sz="1200" kern="1200">
+        <a:solidFill>
+          <a:schemeClr val="tx1"/>
+        </a:solidFill>
+        <a:latin typeface="+mn-lt"/>
+        <a:ea typeface="+mn-ea"/>
+        <a:cs typeface="+mn-cs"/>
+      </a:defRPr>
+    </a:lvl4pPr>
+    <a:lvl5pPr marL="1828800" algn="l" defTabSz="914400" rtl="0" eaLnBrk="1" latinLnBrk="0" hangingPunct="1">
+      <a:defRPr sz="1200" kern="1200">
+        <a:solidFill>
+          <a:schemeClr val="tx1"/>
+        </a:solidFill>
+        <a:latin typeface="+mn-lt"/>
+        <a:ea typeface="+mn-ea"/>
+        <a:cs typeface="+mn-cs"/>
+      </a:defRPr>
+    </a:lvl5pPr>
+    <a:lvl6pPr marL="2286000" algn="l" defTabSz="914400" rtl="0" eaLnBrk="1" latinLnBrk="0" hangingPunct="1">
+      <a:defRPr sz="1200" kern="1200">
+        <a:solidFill>
+          <a:schemeClr val="tx1"/>
+        </a:solidFill>
+        <a:latin typeface="+mn-lt"/>
+        <a:ea typeface="+mn-ea"/>
+        <a:cs typeface="+mn-cs"/>
+      </a:defRPr>
+    </a:lvl6pPr>
+    <a:lvl7pPr marL="2743200" algn="l" defTabSz="914400" rtl="0" eaLnBrk="1" latinLnBrk="0" hangingPunct="1">
+      <a:defRPr sz="1200" kern="1200">
+        <a:solidFill>
+          <a:schemeClr val="tx1"/>
+        </a:solidFill>
+        <a:latin typeface="+mn-lt"/>
+        <a:ea typeface="+mn-ea"/>
+        <a:cs typeface="+mn-cs"/>
+      </a:defRPr>
+    </a:lvl7pPr>
+    <a:lvl8pPr marL="3200400" algn="l" defTabSz="914400" rtl="0" eaLnBrk="1" latinLnBrk="0" hangingPunct="1">
+      <a:defRPr sz="1200" kern="1200">
+        <a:solidFill>
+          <a:schemeClr val="tx1"/>
+        </a:solidFill>
+        <a:latin typeface="+mn-lt"/>
+        <a:ea typeface="+mn-ea"/>
+        <a:cs typeface="+mn-cs"/>
+      </a:defRPr>
+    </a:lvl8pPr>
+    <a:lvl9pPr marL="3657600" algn="l" defTabSz="914400" rtl="0" eaLnBrk="1" latinLnBrk="0" hangingPunct="1">
+      <a:defRPr sz="1200" kern="1200">
+        <a:solidFill>
+          <a:schemeClr val="tx1"/>
+        </a:solidFill>
+        <a:latin typeface="+mn-lt"/>
+        <a:ea typeface="+mn-ea"/>
+        <a:cs typeface="+mn-cs"/>
+      </a:defRPr>
+    </a:lvl9pPr>
+  </p:notesStyle>
+</p:notesMaster>
+</file>
+
+<file path=ppt/notesSlides/notesSlide1.xml><?xml version="1.0" encoding="utf-8"?>
+<p:notes xmlns:a="http://schemas.openxmlformats.org/drawingml/2006/main" xmlns:r="http://schemas.openxmlformats.org/officeDocument/2006/relationships" xmlns:p="http://schemas.openxmlformats.org/presentationml/2006/main">
+  <p:cSld>
+    <p:spTree>
+      <p:nvGrpSpPr>
+        <p:cNvPr id="1" name=""/>
+        <p:cNvGrpSpPr/>
+        <p:nvPr/>
+      </p:nvGrpSpPr>
+      <p:grpSpPr>
+        <a:xfrm>
+          <a:off x="0" y="0"/>
+          <a:ext cx="0" cy="0"/>
+          <a:chOff x="0" y="0"/>
+          <a:chExt cx="0" cy="0"/>
+        </a:xfrm>
+      </p:grpSpPr>
+      <p:sp>
+        <p:nvSpPr>
+          <p:cNvPr id="2" name="Espaço Reservado para Imagem de Slide 1"/>
+          <p:cNvSpPr>
+            <a:spLocks noGrp="1" noRot="1" noChangeAspect="1"/>
+          </p:cNvSpPr>
+          <p:nvPr>
+            <p:ph type="sldImg"/>
+          </p:nvPr>
+        </p:nvSpPr>
+        <p:spPr/>
+      </p:sp>
+      <p:sp>
+        <p:nvSpPr>
+          <p:cNvPr id="3" name="Espaço Reservado para Anotações 2"/>
+          <p:cNvSpPr>
+            <a:spLocks noGrp="1"/>
+          </p:cNvSpPr>
+          <p:nvPr>
+            <p:ph type="body" idx="1"/>
+          </p:nvPr>
+        </p:nvSpPr>
+        <p:spPr/>
+        <p:txBody>
+          <a:bodyPr/>
+          <a:lstStyle/>
+          <a:p>
+            <a:endParaRPr lang="pt-BR"/>
+          </a:p>
+        </p:txBody>
+      </p:sp>
+      <p:sp>
+        <p:nvSpPr>
+          <p:cNvPr id="4" name="Espaço Reservado para Número de Slide 3"/>
+          <p:cNvSpPr>
+            <a:spLocks noGrp="1"/>
+          </p:cNvSpPr>
+          <p:nvPr>
+            <p:ph type="sldNum" sz="quarter" idx="5"/>
+          </p:nvPr>
+        </p:nvSpPr>
+        <p:spPr/>
+        <p:txBody>
+          <a:bodyPr/>
+          <a:lstStyle/>
+          <a:p>
+            <a:fld id="{5D91F532-89DE-4ADF-9A9F-1DA0BE566E08}" type="slidenum">
+              <a:rPr lang="pt-BR" smtClean="0"/>
+              <a:t>1</a:t>
+            </a:fld>
+            <a:endParaRPr lang="pt-BR"/>
+          </a:p>
+        </p:txBody>
+      </p:sp>
+    </p:spTree>
+    <p:extLst>
+      <p:ext uri="{BB962C8B-B14F-4D97-AF65-F5344CB8AC3E}">
+        <p14:creationId xmlns:p14="http://schemas.microsoft.com/office/powerpoint/2010/main" val="2468217013"/>
+      </p:ext>
+    </p:extLst>
+  </p:cSld>
+  <p:clrMapOvr>
+    <a:masterClrMapping/>
+  </p:clrMapOvr>
+</p:notes>
+</file>
+
 <file path=ppt/slideLayouts/slideLayout1.xml><?xml version="1.0" encoding="utf-8"?>
 <p:sldLayout xmlns:a="http://schemas.openxmlformats.org/drawingml/2006/main" xmlns:r="http://schemas.openxmlformats.org/officeDocument/2006/relationships" xmlns:p="http://schemas.openxmlformats.org/presentationml/2006/main" type="title" preserve="1">
   <p:cSld name="Slide de Título">
@@ -309,7 +744,7 @@
           <a:p>
             <a:fld id="{94929FD2-3FD3-490B-9F8B-3A22DA6F68E0}" type="datetimeFigureOut">
               <a:rPr lang="pt-BR" smtClean="0"/>
-              <a:t>06/04/2022</a:t>
+              <a:t>06/06/2022</a:t>
             </a:fld>
             <a:endParaRPr lang="pt-BR"/>
           </a:p>
@@ -607,7 +1042,7 @@
           <a:p>
             <a:fld id="{94929FD2-3FD3-490B-9F8B-3A22DA6F68E0}" type="datetimeFigureOut">
               <a:rPr lang="pt-BR" smtClean="0"/>
-              <a:t>06/04/2022</a:t>
+              <a:t>06/06/2022</a:t>
             </a:fld>
             <a:endParaRPr lang="pt-BR"/>
           </a:p>
@@ -799,7 +1234,7 @@
           <a:p>
             <a:fld id="{94929FD2-3FD3-490B-9F8B-3A22DA6F68E0}" type="datetimeFigureOut">
               <a:rPr lang="pt-BR" smtClean="0"/>
-              <a:t>06/04/2022</a:t>
+              <a:t>06/06/2022</a:t>
             </a:fld>
             <a:endParaRPr lang="pt-BR"/>
           </a:p>
@@ -1060,7 +1495,7 @@
           <a:p>
             <a:fld id="{94929FD2-3FD3-490B-9F8B-3A22DA6F68E0}" type="datetimeFigureOut">
               <a:rPr lang="pt-BR" smtClean="0"/>
-              <a:t>06/04/2022</a:t>
+              <a:t>06/06/2022</a:t>
             </a:fld>
             <a:endParaRPr lang="pt-BR"/>
           </a:p>
@@ -1484,7 +1919,7 @@
           <a:p>
             <a:fld id="{94929FD2-3FD3-490B-9F8B-3A22DA6F68E0}" type="datetimeFigureOut">
               <a:rPr lang="pt-BR" smtClean="0"/>
-              <a:t>06/04/2022</a:t>
+              <a:t>06/06/2022</a:t>
             </a:fld>
             <a:endParaRPr lang="pt-BR"/>
           </a:p>
@@ -2021,7 +2456,7 @@
           <a:p>
             <a:fld id="{94929FD2-3FD3-490B-9F8B-3A22DA6F68E0}" type="datetimeFigureOut">
               <a:rPr lang="pt-BR" smtClean="0"/>
-              <a:t>06/04/2022</a:t>
+              <a:t>06/06/2022</a:t>
             </a:fld>
             <a:endParaRPr lang="pt-BR"/>
           </a:p>
@@ -2885,7 +3320,7 @@
           <a:p>
             <a:fld id="{94929FD2-3FD3-490B-9F8B-3A22DA6F68E0}" type="datetimeFigureOut">
               <a:rPr lang="pt-BR" smtClean="0"/>
-              <a:t>06/04/2022</a:t>
+              <a:t>06/06/2022</a:t>
             </a:fld>
             <a:endParaRPr lang="pt-BR"/>
           </a:p>
@@ -3055,7 +3490,7 @@
           <a:p>
             <a:fld id="{94929FD2-3FD3-490B-9F8B-3A22DA6F68E0}" type="datetimeFigureOut">
               <a:rPr lang="pt-BR" smtClean="0"/>
-              <a:t>06/04/2022</a:t>
+              <a:t>06/06/2022</a:t>
             </a:fld>
             <a:endParaRPr lang="pt-BR"/>
           </a:p>
@@ -3239,7 +3674,7 @@
           <a:p>
             <a:fld id="{94929FD2-3FD3-490B-9F8B-3A22DA6F68E0}" type="datetimeFigureOut">
               <a:rPr lang="pt-BR" smtClean="0"/>
-              <a:t>06/04/2022</a:t>
+              <a:t>06/06/2022</a:t>
             </a:fld>
             <a:endParaRPr lang="pt-BR"/>
           </a:p>
@@ -3409,7 +3844,7 @@
           <a:p>
             <a:fld id="{94929FD2-3FD3-490B-9F8B-3A22DA6F68E0}" type="datetimeFigureOut">
               <a:rPr lang="pt-BR" smtClean="0"/>
-              <a:t>06/04/2022</a:t>
+              <a:t>06/06/2022</a:t>
             </a:fld>
             <a:endParaRPr lang="pt-BR"/>
           </a:p>
@@ -3653,7 +4088,7 @@
           <a:p>
             <a:fld id="{94929FD2-3FD3-490B-9F8B-3A22DA6F68E0}" type="datetimeFigureOut">
               <a:rPr lang="pt-BR" smtClean="0"/>
-              <a:t>06/04/2022</a:t>
+              <a:t>06/06/2022</a:t>
             </a:fld>
             <a:endParaRPr lang="pt-BR"/>
           </a:p>
@@ -3889,7 +4324,7 @@
           <a:p>
             <a:fld id="{94929FD2-3FD3-490B-9F8B-3A22DA6F68E0}" type="datetimeFigureOut">
               <a:rPr lang="pt-BR" smtClean="0"/>
-              <a:t>06/04/2022</a:t>
+              <a:t>06/06/2022</a:t>
             </a:fld>
             <a:endParaRPr lang="pt-BR"/>
           </a:p>
@@ -4355,7 +4790,7 @@
           <a:p>
             <a:fld id="{94929FD2-3FD3-490B-9F8B-3A22DA6F68E0}" type="datetimeFigureOut">
               <a:rPr lang="pt-BR" smtClean="0"/>
-              <a:t>06/04/2022</a:t>
+              <a:t>06/06/2022</a:t>
             </a:fld>
             <a:endParaRPr lang="pt-BR"/>
           </a:p>
@@ -4473,7 +4908,7 @@
           <a:p>
             <a:fld id="{94929FD2-3FD3-490B-9F8B-3A22DA6F68E0}" type="datetimeFigureOut">
               <a:rPr lang="pt-BR" smtClean="0"/>
-              <a:t>06/04/2022</a:t>
+              <a:t>06/06/2022</a:t>
             </a:fld>
             <a:endParaRPr lang="pt-BR"/>
           </a:p>
@@ -4568,7 +5003,7 @@
           <a:p>
             <a:fld id="{94929FD2-3FD3-490B-9F8B-3A22DA6F68E0}" type="datetimeFigureOut">
               <a:rPr lang="pt-BR" smtClean="0"/>
-              <a:t>06/04/2022</a:t>
+              <a:t>06/06/2022</a:t>
             </a:fld>
             <a:endParaRPr lang="pt-BR"/>
           </a:p>
@@ -4823,7 +5258,7 @@
           <a:p>
             <a:fld id="{94929FD2-3FD3-490B-9F8B-3A22DA6F68E0}" type="datetimeFigureOut">
               <a:rPr lang="pt-BR" smtClean="0"/>
-              <a:t>06/04/2022</a:t>
+              <a:t>06/06/2022</a:t>
             </a:fld>
             <a:endParaRPr lang="pt-BR"/>
           </a:p>
@@ -5123,7 +5558,7 @@
           <a:p>
             <a:fld id="{94929FD2-3FD3-490B-9F8B-3A22DA6F68E0}" type="datetimeFigureOut">
               <a:rPr lang="pt-BR" smtClean="0"/>
-              <a:t>06/04/2022</a:t>
+              <a:t>06/06/2022</a:t>
             </a:fld>
             <a:endParaRPr lang="pt-BR"/>
           </a:p>
@@ -5357,7 +5792,7 @@
           <a:p>
             <a:fld id="{94929FD2-3FD3-490B-9F8B-3A22DA6F68E0}" type="datetimeFigureOut">
               <a:rPr lang="pt-BR" smtClean="0"/>
-              <a:t>06/04/2022</a:t>
+              <a:t>06/06/2022</a:t>
             </a:fld>
             <a:endParaRPr lang="pt-BR"/>
           </a:p>
@@ -6143,10 +6578,10 @@
       </p:grpSpPr>
       <p:pic>
         <p:nvPicPr>
-          <p:cNvPr id="2" name="Imagem 1" descr="Texto&#10;&#10;Descrição gerada automaticamente">
+          <p:cNvPr id="2" name="Espaço Reservado para Conteúdo 4" descr="Tela de computador com texto preto sobre fundo branco&#10;&#10;Descrição gerada automaticamente">
             <a:extLst>
               <a:ext uri="{FF2B5EF4-FFF2-40B4-BE49-F238E27FC236}">
-                <a16:creationId xmlns:a16="http://schemas.microsoft.com/office/drawing/2014/main" id="{52251882-2418-4C22-B920-B6DE6CF697FD}"/>
+                <a16:creationId xmlns:a16="http://schemas.microsoft.com/office/drawing/2014/main" id="{2608514B-76F5-4D33-A06E-4C344D909963}"/>
               </a:ext>
             </a:extLst>
           </p:cNvPr>
@@ -6169,8 +6604,8 @@
         </p:blipFill>
         <p:spPr>
           <a:xfrm>
-            <a:off x="322392" y="285812"/>
-            <a:ext cx="8686687" cy="3262605"/>
+            <a:off x="458722" y="409153"/>
+            <a:ext cx="4661359" cy="3535049"/>
           </a:xfrm>
           <a:prstGeom prst="rect">
             <a:avLst/>
@@ -6182,7 +6617,7 @@
           <p:cNvPr id="3" name="Espaço Reservado para Conteúdo 12">
             <a:extLst>
               <a:ext uri="{FF2B5EF4-FFF2-40B4-BE49-F238E27FC236}">
-                <a16:creationId xmlns:a16="http://schemas.microsoft.com/office/drawing/2014/main" id="{C1026980-4DF3-4DAF-A8F8-C7D1FC196027}"/>
+                <a16:creationId xmlns:a16="http://schemas.microsoft.com/office/drawing/2014/main" id="{57534E81-F9F8-484B-A462-2A276A1C2E2B}"/>
               </a:ext>
             </a:extLst>
           </p:cNvPr>
@@ -6193,8 +6628,8 @@
         </p:nvSpPr>
         <p:spPr>
           <a:xfrm>
-            <a:off x="586249" y="4161752"/>
-            <a:ext cx="10353762" cy="1474774"/>
+            <a:off x="572601" y="4632879"/>
+            <a:ext cx="10353762" cy="1440376"/>
           </a:xfrm>
           <a:prstGeom prst="rect">
             <a:avLst/>
@@ -6202,7 +6637,7 @@
         </p:spPr>
         <p:txBody>
           <a:bodyPr>
-            <a:normAutofit/>
+            <a:normAutofit lnSpcReduction="10000"/>
           </a:bodyPr>
           <a:lstStyle>
             <a:lvl1pPr marL="342900" indent="-306000" algn="l" defTabSz="457200" rtl="0" eaLnBrk="1" latinLnBrk="0" hangingPunct="1">
@@ -6551,451 +6986,6 @@
           <a:p>
             <a:r>
               <a:rPr lang="pt-BR" sz="2400" dirty="0"/>
-              <a:t>Conforme o jogo decorre, os pássaros se  ‘‘movem’’, esse movimento garante uma pontuação de 0.1 a cada um deles, um pequeno incentivo para continuarem existindo.</a:t>
-            </a:r>
-          </a:p>
-        </p:txBody>
-      </p:sp>
-    </p:spTree>
-    <p:extLst>
-      <p:ext uri="{BB962C8B-B14F-4D97-AF65-F5344CB8AC3E}">
-        <p14:creationId xmlns:p14="http://schemas.microsoft.com/office/powerpoint/2010/main" val="1964514698"/>
-      </p:ext>
-    </p:extLst>
-  </p:cSld>
-  <p:clrMapOvr>
-    <a:masterClrMapping/>
-  </p:clrMapOvr>
-</p:sld>
-</file>
-
-<file path=ppt/slides/slide11.xml><?xml version="1.0" encoding="utf-8"?>
-<p:sld xmlns:a="http://schemas.openxmlformats.org/drawingml/2006/main" xmlns:r="http://schemas.openxmlformats.org/officeDocument/2006/relationships" xmlns:p="http://schemas.openxmlformats.org/presentationml/2006/main">
-  <p:cSld>
-    <p:spTree>
-      <p:nvGrpSpPr>
-        <p:cNvPr id="1" name=""/>
-        <p:cNvGrpSpPr/>
-        <p:nvPr/>
-      </p:nvGrpSpPr>
-      <p:grpSpPr>
-        <a:xfrm>
-          <a:off x="0" y="0"/>
-          <a:ext cx="0" cy="0"/>
-          <a:chOff x="0" y="0"/>
-          <a:chExt cx="0" cy="0"/>
-        </a:xfrm>
-      </p:grpSpPr>
-      <p:pic>
-        <p:nvPicPr>
-          <p:cNvPr id="2" name="Espaço Reservado para Conteúdo 4" descr="Tela de computador com texto preto sobre fundo branco&#10;&#10;Descrição gerada automaticamente">
-            <a:extLst>
-              <a:ext uri="{FF2B5EF4-FFF2-40B4-BE49-F238E27FC236}">
-                <a16:creationId xmlns:a16="http://schemas.microsoft.com/office/drawing/2014/main" id="{2608514B-76F5-4D33-A06E-4C344D909963}"/>
-              </a:ext>
-            </a:extLst>
-          </p:cNvPr>
-          <p:cNvPicPr>
-            <a:picLocks noChangeAspect="1"/>
-          </p:cNvPicPr>
-          <p:nvPr/>
-        </p:nvPicPr>
-        <p:blipFill>
-          <a:blip r:embed="rId2">
-            <a:extLst>
-              <a:ext uri="{28A0092B-C50C-407E-A947-70E740481C1C}">
-                <a14:useLocalDpi xmlns:a14="http://schemas.microsoft.com/office/drawing/2010/main" val="0"/>
-              </a:ext>
-            </a:extLst>
-          </a:blip>
-          <a:stretch>
-            <a:fillRect/>
-          </a:stretch>
-        </p:blipFill>
-        <p:spPr>
-          <a:xfrm>
-            <a:off x="458722" y="409153"/>
-            <a:ext cx="4661359" cy="3535049"/>
-          </a:xfrm>
-          <a:prstGeom prst="rect">
-            <a:avLst/>
-          </a:prstGeom>
-        </p:spPr>
-      </p:pic>
-      <p:sp>
-        <p:nvSpPr>
-          <p:cNvPr id="3" name="Espaço Reservado para Conteúdo 12">
-            <a:extLst>
-              <a:ext uri="{FF2B5EF4-FFF2-40B4-BE49-F238E27FC236}">
-                <a16:creationId xmlns:a16="http://schemas.microsoft.com/office/drawing/2014/main" id="{57534E81-F9F8-484B-A462-2A276A1C2E2B}"/>
-              </a:ext>
-            </a:extLst>
-          </p:cNvPr>
-          <p:cNvSpPr txBox="1">
-            <a:spLocks/>
-          </p:cNvSpPr>
-          <p:nvPr/>
-        </p:nvSpPr>
-        <p:spPr>
-          <a:xfrm>
-            <a:off x="572601" y="4632879"/>
-            <a:ext cx="10353762" cy="1440376"/>
-          </a:xfrm>
-          <a:prstGeom prst="rect">
-            <a:avLst/>
-          </a:prstGeom>
-        </p:spPr>
-        <p:txBody>
-          <a:bodyPr>
-            <a:normAutofit lnSpcReduction="10000"/>
-          </a:bodyPr>
-          <a:lstStyle>
-            <a:lvl1pPr marL="342900" indent="-306000" algn="l" defTabSz="457200" rtl="0" eaLnBrk="1" latinLnBrk="0" hangingPunct="1">
-              <a:spcBef>
-                <a:spcPct val="20000"/>
-              </a:spcBef>
-              <a:spcAft>
-                <a:spcPts val="600"/>
-              </a:spcAft>
-              <a:buClr>
-                <a:schemeClr val="tx2"/>
-              </a:buClr>
-              <a:buSzPct val="70000"/>
-              <a:buFont typeface="Wingdings 2" charset="2"/>
-              <a:buChar char=""/>
-              <a:defRPr sz="2000" kern="1200">
-                <a:ln>
-                  <a:solidFill>
-                    <a:schemeClr val="bg1">
-                      <a:lumMod val="75000"/>
-                      <a:lumOff val="25000"/>
-                      <a:alpha val="10000"/>
-                    </a:schemeClr>
-                  </a:solidFill>
-                </a:ln>
-                <a:solidFill>
-                  <a:schemeClr val="tx2"/>
-                </a:solidFill>
-                <a:effectLst>
-                  <a:outerShdw blurRad="9525" dist="25400" dir="14640000" algn="tl" rotWithShape="0">
-                    <a:schemeClr val="bg1">
-                      <a:alpha val="30000"/>
-                    </a:schemeClr>
-                  </a:outerShdw>
-                </a:effectLst>
-                <a:latin typeface="+mn-lt"/>
-                <a:ea typeface="+mn-ea"/>
-                <a:cs typeface="+mn-cs"/>
-              </a:defRPr>
-            </a:lvl1pPr>
-            <a:lvl2pPr marL="720000" indent="-270000" algn="l" defTabSz="457200" rtl="0" eaLnBrk="1" latinLnBrk="0" hangingPunct="1">
-              <a:spcBef>
-                <a:spcPct val="20000"/>
-              </a:spcBef>
-              <a:spcAft>
-                <a:spcPts val="600"/>
-              </a:spcAft>
-              <a:buClr>
-                <a:schemeClr val="tx2"/>
-              </a:buClr>
-              <a:buSzPct val="70000"/>
-              <a:buFont typeface="Wingdings 2" charset="2"/>
-              <a:buChar char=""/>
-              <a:defRPr sz="1800" kern="1200">
-                <a:ln>
-                  <a:solidFill>
-                    <a:schemeClr val="bg1">
-                      <a:lumMod val="75000"/>
-                      <a:lumOff val="25000"/>
-                      <a:alpha val="10000"/>
-                    </a:schemeClr>
-                  </a:solidFill>
-                </a:ln>
-                <a:solidFill>
-                  <a:schemeClr val="tx2"/>
-                </a:solidFill>
-                <a:effectLst>
-                  <a:outerShdw blurRad="9525" dist="25400" dir="14640000" algn="tl" rotWithShape="0">
-                    <a:schemeClr val="bg1">
-                      <a:alpha val="30000"/>
-                    </a:schemeClr>
-                  </a:outerShdw>
-                </a:effectLst>
-                <a:latin typeface="+mn-lt"/>
-                <a:ea typeface="+mn-ea"/>
-                <a:cs typeface="+mn-cs"/>
-              </a:defRPr>
-            </a:lvl2pPr>
-            <a:lvl3pPr marL="1026000" indent="-216000" algn="l" defTabSz="457200" rtl="0" eaLnBrk="1" latinLnBrk="0" hangingPunct="1">
-              <a:spcBef>
-                <a:spcPct val="20000"/>
-              </a:spcBef>
-              <a:spcAft>
-                <a:spcPts val="600"/>
-              </a:spcAft>
-              <a:buClr>
-                <a:schemeClr val="tx2"/>
-              </a:buClr>
-              <a:buSzPct val="70000"/>
-              <a:buFont typeface="Wingdings 2" charset="2"/>
-              <a:buChar char=""/>
-              <a:defRPr sz="1600" kern="1200">
-                <a:ln>
-                  <a:solidFill>
-                    <a:schemeClr val="bg1">
-                      <a:lumMod val="75000"/>
-                      <a:lumOff val="25000"/>
-                      <a:alpha val="10000"/>
-                    </a:schemeClr>
-                  </a:solidFill>
-                </a:ln>
-                <a:solidFill>
-                  <a:schemeClr val="tx2"/>
-                </a:solidFill>
-                <a:effectLst>
-                  <a:outerShdw blurRad="9525" dist="25400" dir="14640000" algn="tl" rotWithShape="0">
-                    <a:schemeClr val="bg1">
-                      <a:alpha val="30000"/>
-                    </a:schemeClr>
-                  </a:outerShdw>
-                </a:effectLst>
-                <a:latin typeface="+mn-lt"/>
-                <a:ea typeface="+mn-ea"/>
-                <a:cs typeface="+mn-cs"/>
-              </a:defRPr>
-            </a:lvl3pPr>
-            <a:lvl4pPr marL="1386000" indent="-216000" algn="l" defTabSz="457200" rtl="0" eaLnBrk="1" latinLnBrk="0" hangingPunct="1">
-              <a:spcBef>
-                <a:spcPct val="20000"/>
-              </a:spcBef>
-              <a:spcAft>
-                <a:spcPts val="600"/>
-              </a:spcAft>
-              <a:buClr>
-                <a:schemeClr val="tx2"/>
-              </a:buClr>
-              <a:buSzPct val="70000"/>
-              <a:buFont typeface="Wingdings 2" charset="2"/>
-              <a:buChar char=""/>
-              <a:defRPr sz="1400" kern="1200">
-                <a:ln>
-                  <a:solidFill>
-                    <a:schemeClr val="bg1">
-                      <a:lumMod val="75000"/>
-                      <a:lumOff val="25000"/>
-                      <a:alpha val="10000"/>
-                    </a:schemeClr>
-                  </a:solidFill>
-                </a:ln>
-                <a:solidFill>
-                  <a:schemeClr val="tx2"/>
-                </a:solidFill>
-                <a:effectLst>
-                  <a:outerShdw blurRad="9525" dist="25400" dir="14640000" algn="tl" rotWithShape="0">
-                    <a:schemeClr val="bg1">
-                      <a:alpha val="30000"/>
-                    </a:schemeClr>
-                  </a:outerShdw>
-                </a:effectLst>
-                <a:latin typeface="+mn-lt"/>
-                <a:ea typeface="+mn-ea"/>
-                <a:cs typeface="+mn-cs"/>
-              </a:defRPr>
-            </a:lvl4pPr>
-            <a:lvl5pPr marL="1674000" indent="-216000" algn="l" defTabSz="457200" rtl="0" eaLnBrk="1" latinLnBrk="0" hangingPunct="1">
-              <a:spcBef>
-                <a:spcPct val="20000"/>
-              </a:spcBef>
-              <a:spcAft>
-                <a:spcPts val="600"/>
-              </a:spcAft>
-              <a:buClr>
-                <a:schemeClr val="tx2"/>
-              </a:buClr>
-              <a:buSzPct val="70000"/>
-              <a:buFont typeface="Wingdings 2" charset="2"/>
-              <a:buChar char=""/>
-              <a:defRPr sz="1400" kern="1200">
-                <a:ln>
-                  <a:solidFill>
-                    <a:schemeClr val="bg1">
-                      <a:lumMod val="75000"/>
-                      <a:lumOff val="25000"/>
-                      <a:alpha val="10000"/>
-                    </a:schemeClr>
-                  </a:solidFill>
-                </a:ln>
-                <a:solidFill>
-                  <a:schemeClr val="tx2"/>
-                </a:solidFill>
-                <a:effectLst>
-                  <a:outerShdw blurRad="9525" dist="25400" dir="14640000" algn="tl" rotWithShape="0">
-                    <a:schemeClr val="bg1">
-                      <a:alpha val="30000"/>
-                    </a:schemeClr>
-                  </a:outerShdw>
-                </a:effectLst>
-                <a:latin typeface="+mn-lt"/>
-                <a:ea typeface="+mn-ea"/>
-                <a:cs typeface="+mn-cs"/>
-              </a:defRPr>
-            </a:lvl5pPr>
-            <a:lvl6pPr marL="2014600" indent="-228600" algn="l" defTabSz="457200" rtl="0" eaLnBrk="1" latinLnBrk="0" hangingPunct="1">
-              <a:spcBef>
-                <a:spcPct val="20000"/>
-              </a:spcBef>
-              <a:spcAft>
-                <a:spcPts val="600"/>
-              </a:spcAft>
-              <a:buClr>
-                <a:schemeClr val="tx2"/>
-              </a:buClr>
-              <a:buSzPct val="70000"/>
-              <a:buFont typeface="Wingdings 2" charset="2"/>
-              <a:buChar char=""/>
-              <a:defRPr sz="1400" kern="1200">
-                <a:ln>
-                  <a:solidFill>
-                    <a:schemeClr val="bg1">
-                      <a:lumMod val="75000"/>
-                      <a:lumOff val="25000"/>
-                      <a:alpha val="10000"/>
-                    </a:schemeClr>
-                  </a:solidFill>
-                </a:ln>
-                <a:solidFill>
-                  <a:schemeClr val="tx2"/>
-                </a:solidFill>
-                <a:effectLst>
-                  <a:outerShdw blurRad="9525" dist="25400" dir="14640000" algn="tl" rotWithShape="0">
-                    <a:schemeClr val="bg1">
-                      <a:alpha val="30000"/>
-                    </a:schemeClr>
-                  </a:outerShdw>
-                </a:effectLst>
-                <a:latin typeface="+mn-lt"/>
-                <a:ea typeface="+mn-ea"/>
-                <a:cs typeface="+mn-cs"/>
-              </a:defRPr>
-            </a:lvl6pPr>
-            <a:lvl7pPr marL="2401800" indent="-228600" algn="l" defTabSz="457200" rtl="0" eaLnBrk="1" latinLnBrk="0" hangingPunct="1">
-              <a:spcBef>
-                <a:spcPct val="20000"/>
-              </a:spcBef>
-              <a:spcAft>
-                <a:spcPts val="600"/>
-              </a:spcAft>
-              <a:buClr>
-                <a:schemeClr val="tx2"/>
-              </a:buClr>
-              <a:buSzPct val="70000"/>
-              <a:buFont typeface="Wingdings 2" charset="2"/>
-              <a:buChar char=""/>
-              <a:defRPr sz="1400" kern="1200">
-                <a:ln>
-                  <a:solidFill>
-                    <a:schemeClr val="bg1">
-                      <a:lumMod val="75000"/>
-                      <a:lumOff val="25000"/>
-                      <a:alpha val="10000"/>
-                    </a:schemeClr>
-                  </a:solidFill>
-                </a:ln>
-                <a:solidFill>
-                  <a:schemeClr val="tx2"/>
-                </a:solidFill>
-                <a:effectLst>
-                  <a:outerShdw blurRad="9525" dist="25400" dir="14640000" algn="tl" rotWithShape="0">
-                    <a:schemeClr val="bg1">
-                      <a:alpha val="30000"/>
-                    </a:schemeClr>
-                  </a:outerShdw>
-                </a:effectLst>
-                <a:latin typeface="+mn-lt"/>
-                <a:ea typeface="+mn-ea"/>
-                <a:cs typeface="+mn-cs"/>
-              </a:defRPr>
-            </a:lvl7pPr>
-            <a:lvl8pPr marL="2789000" indent="-228600" algn="l" defTabSz="457200" rtl="0" eaLnBrk="1" latinLnBrk="0" hangingPunct="1">
-              <a:spcBef>
-                <a:spcPct val="20000"/>
-              </a:spcBef>
-              <a:spcAft>
-                <a:spcPts val="600"/>
-              </a:spcAft>
-              <a:buClr>
-                <a:schemeClr val="tx2"/>
-              </a:buClr>
-              <a:buSzPct val="70000"/>
-              <a:buFont typeface="Wingdings 2" charset="2"/>
-              <a:buChar char=""/>
-              <a:defRPr sz="1400" kern="1200">
-                <a:ln>
-                  <a:solidFill>
-                    <a:schemeClr val="bg1">
-                      <a:lumMod val="75000"/>
-                      <a:lumOff val="25000"/>
-                      <a:alpha val="10000"/>
-                    </a:schemeClr>
-                  </a:solidFill>
-                </a:ln>
-                <a:solidFill>
-                  <a:schemeClr val="tx2"/>
-                </a:solidFill>
-                <a:effectLst>
-                  <a:outerShdw blurRad="9525" dist="25400" dir="14640000" algn="tl" rotWithShape="0">
-                    <a:schemeClr val="bg1">
-                      <a:alpha val="30000"/>
-                    </a:schemeClr>
-                  </a:outerShdw>
-                </a:effectLst>
-                <a:latin typeface="+mn-lt"/>
-                <a:ea typeface="+mn-ea"/>
-                <a:cs typeface="+mn-cs"/>
-              </a:defRPr>
-            </a:lvl8pPr>
-            <a:lvl9pPr marL="3106200" indent="-228600" algn="l" defTabSz="457200" rtl="0" eaLnBrk="1" latinLnBrk="0" hangingPunct="1">
-              <a:spcBef>
-                <a:spcPct val="20000"/>
-              </a:spcBef>
-              <a:spcAft>
-                <a:spcPts val="600"/>
-              </a:spcAft>
-              <a:buClr>
-                <a:schemeClr val="tx2"/>
-              </a:buClr>
-              <a:buSzPct val="70000"/>
-              <a:buFont typeface="Wingdings 2" charset="2"/>
-              <a:buChar char=""/>
-              <a:defRPr sz="1400" kern="1200">
-                <a:ln>
-                  <a:solidFill>
-                    <a:schemeClr val="bg1">
-                      <a:lumMod val="75000"/>
-                      <a:lumOff val="25000"/>
-                      <a:alpha val="10000"/>
-                    </a:schemeClr>
-                  </a:solidFill>
-                </a:ln>
-                <a:solidFill>
-                  <a:schemeClr val="tx2"/>
-                </a:solidFill>
-                <a:effectLst>
-                  <a:outerShdw blurRad="9525" dist="25400" dir="14640000" algn="tl" rotWithShape="0">
-                    <a:schemeClr val="bg1">
-                      <a:alpha val="30000"/>
-                    </a:schemeClr>
-                  </a:outerShdw>
-                </a:effectLst>
-                <a:latin typeface="+mn-lt"/>
-                <a:ea typeface="+mn-ea"/>
-                <a:cs typeface="+mn-cs"/>
-              </a:defRPr>
-            </a:lvl9pPr>
-          </a:lstStyle>
-          <a:p>
-            <a:r>
-              <a:rPr lang="pt-BR" sz="2400" dirty="0"/>
               <a:t>Se os pássaros colidirem em algum cano, no chão ou no teto, eles serão decrescidos de -1 ponto, além de que serão removidos dos outros pássaros, um eufemismo para ‘’serão mortos’’. Ou seja, um bom incentivo para continuarem vivos.</a:t>
             </a:r>
           </a:p>
@@ -7014,7 +7004,7 @@
 </p:sld>
 </file>
 
-<file path=ppt/slides/slide12.xml><?xml version="1.0" encoding="utf-8"?>
+<file path=ppt/slides/slide11.xml><?xml version="1.0" encoding="utf-8"?>
 <p:sld xmlns:a="http://schemas.openxmlformats.org/drawingml/2006/main" xmlns:r="http://schemas.openxmlformats.org/officeDocument/2006/relationships" xmlns:p="http://schemas.openxmlformats.org/presentationml/2006/main">
   <p:cSld>
     <p:spTree>
@@ -7838,7 +7828,7 @@
 </p:sld>
 </file>
 
-<file path=ppt/slides/slide13.xml><?xml version="1.0" encoding="utf-8"?>
+<file path=ppt/slides/slide12.xml><?xml version="1.0" encoding="utf-8"?>
 <p:sld xmlns:a="http://schemas.openxmlformats.org/drawingml/2006/main" xmlns:r="http://schemas.openxmlformats.org/officeDocument/2006/relationships" xmlns:p="http://schemas.openxmlformats.org/presentationml/2006/main">
   <p:cSld>
     <p:bg>
@@ -7925,50 +7915,6 @@
       </p:sp>
       <p:sp>
         <p:nvSpPr>
-          <p:cNvPr id="2" name="Título 1">
-            <a:extLst>
-              <a:ext uri="{FF2B5EF4-FFF2-40B4-BE49-F238E27FC236}">
-                <a16:creationId xmlns:a16="http://schemas.microsoft.com/office/drawing/2014/main" id="{66B57AFB-50D4-4E73-A6F8-C3B20C5A07FD}"/>
-              </a:ext>
-            </a:extLst>
-          </p:cNvPr>
-          <p:cNvSpPr>
-            <a:spLocks noGrp="1"/>
-          </p:cNvSpPr>
-          <p:nvPr>
-            <p:ph type="title"/>
-          </p:nvPr>
-        </p:nvSpPr>
-        <p:spPr>
-          <a:xfrm>
-            <a:off x="913795" y="609600"/>
-            <a:ext cx="3078749" cy="970450"/>
-          </a:xfrm>
-        </p:spPr>
-        <p:txBody>
-          <a:bodyPr anchor="b">
-            <a:normAutofit/>
-          </a:bodyPr>
-          <a:lstStyle/>
-          <a:p>
-            <a:pPr algn="l"/>
-            <a:endParaRPr lang="pt-BR" sz="2800" dirty="0">
-              <a:ln>
-                <a:solidFill>
-                  <a:srgbClr val="404040">
-                    <a:alpha val="10000"/>
-                  </a:srgbClr>
-                </a:solidFill>
-              </a:ln>
-              <a:solidFill>
-                <a:srgbClr val="DADADA"/>
-              </a:solidFill>
-            </a:endParaRPr>
-          </a:p>
-        </p:txBody>
-      </p:sp>
-      <p:sp>
-        <p:nvSpPr>
           <p:cNvPr id="3" name="Espaço Reservado para Conteúdo 2">
             <a:extLst>
               <a:ext uri="{FF2B5EF4-FFF2-40B4-BE49-F238E27FC236}">
@@ -7985,7 +7931,7 @@
         </p:nvSpPr>
         <p:spPr>
           <a:xfrm>
-            <a:off x="191068" y="5123917"/>
+            <a:off x="711958" y="5123917"/>
             <a:ext cx="10768084" cy="1276883"/>
           </a:xfrm>
         </p:spPr>
@@ -8056,7 +8002,7 @@
         </p:blipFill>
         <p:spPr bwMode="auto">
           <a:xfrm>
-            <a:off x="6448645" y="341194"/>
+            <a:off x="3582615" y="457200"/>
             <a:ext cx="5524993" cy="3908932"/>
           </a:xfrm>
           <a:prstGeom prst="rect">
@@ -8596,7 +8542,7 @@
               <a:rPr lang="pt-BR" sz="2000" b="0" i="0" dirty="0" err="1">
                 <a:effectLst/>
               </a:rPr>
-              <a:t>Neat-python</a:t>
+              <a:t>neat-python</a:t>
             </a:r>
             <a:r>
               <a:rPr lang="pt-BR" sz="2000" b="0" i="0" dirty="0">
@@ -8606,23 +8552,7 @@
             </a:r>
             <a:r>
               <a:rPr lang="pt-BR" sz="2000" dirty="0"/>
-              <a:t>Nesse caso, somente precisamos </a:t>
-            </a:r>
-            <a:r>
-              <a:rPr lang="pt-BR" sz="2000" dirty="0" err="1"/>
-              <a:t>intalar</a:t>
-            </a:r>
-            <a:r>
-              <a:rPr lang="pt-BR" sz="2000" dirty="0"/>
-              <a:t> </a:t>
-            </a:r>
-            <a:r>
-              <a:rPr lang="pt-BR" sz="2000" dirty="0" err="1"/>
-              <a:t>umaa</a:t>
-            </a:r>
-            <a:r>
-              <a:rPr lang="pt-BR" sz="2000" dirty="0"/>
-              <a:t> biblioteca Python e escrever um arquivo de configurações ‘config.txt’.</a:t>
+              <a:t>Nesse caso, somente precisamos instalar uma biblioteca Python e escrever as configurações em um arquivo chamado ‘config.txt’.</a:t>
             </a:r>
             <a:endParaRPr lang="pt-BR" sz="2000" b="0" i="0" dirty="0">
               <a:effectLst/>
@@ -9008,83 +8938,6 @@
 </file>
 
 <file path=ppt/slides/slide6.xml><?xml version="1.0" encoding="utf-8"?>
-<p:sld xmlns:a="http://schemas.openxmlformats.org/drawingml/2006/main" xmlns:r="http://schemas.openxmlformats.org/officeDocument/2006/relationships" xmlns:p="http://schemas.openxmlformats.org/presentationml/2006/main">
-  <p:cSld>
-    <p:spTree>
-      <p:nvGrpSpPr>
-        <p:cNvPr id="1" name=""/>
-        <p:cNvGrpSpPr/>
-        <p:nvPr/>
-      </p:nvGrpSpPr>
-      <p:grpSpPr>
-        <a:xfrm>
-          <a:off x="0" y="0"/>
-          <a:ext cx="0" cy="0"/>
-          <a:chOff x="0" y="0"/>
-          <a:chExt cx="0" cy="0"/>
-        </a:xfrm>
-      </p:grpSpPr>
-      <p:pic>
-        <p:nvPicPr>
-          <p:cNvPr id="2050" name="Picture 2" descr="AI Teaches Itself to Play Flappy Bird - Using NEAT Python! - YouTube">
-            <a:extLst>
-              <a:ext uri="{FF2B5EF4-FFF2-40B4-BE49-F238E27FC236}">
-                <a16:creationId xmlns:a16="http://schemas.microsoft.com/office/drawing/2014/main" id="{2EDFD7D5-D6B7-42DB-93B2-D68F31BE06D2}"/>
-              </a:ext>
-            </a:extLst>
-          </p:cNvPr>
-          <p:cNvPicPr>
-            <a:picLocks noChangeAspect="1" noChangeArrowheads="1"/>
-          </p:cNvPicPr>
-          <p:nvPr/>
-        </p:nvPicPr>
-        <p:blipFill>
-          <a:blip r:embed="rId2">
-            <a:extLst>
-              <a:ext uri="{28A0092B-C50C-407E-A947-70E740481C1C}">
-                <a14:useLocalDpi xmlns:a14="http://schemas.microsoft.com/office/drawing/2010/main" val="0"/>
-              </a:ext>
-            </a:extLst>
-          </a:blip>
-          <a:srcRect/>
-          <a:stretch>
-            <a:fillRect/>
-          </a:stretch>
-        </p:blipFill>
-        <p:spPr bwMode="auto">
-          <a:xfrm>
-            <a:off x="0" y="0"/>
-            <a:ext cx="12192000" cy="6858000"/>
-          </a:xfrm>
-          <a:prstGeom prst="rect">
-            <a:avLst/>
-          </a:prstGeom>
-          <a:noFill/>
-          <a:extLst>
-            <a:ext uri="{909E8E84-426E-40DD-AFC4-6F175D3DCCD1}">
-              <a14:hiddenFill xmlns:a14="http://schemas.microsoft.com/office/drawing/2010/main">
-                <a:solidFill>
-                  <a:srgbClr val="FFFFFF"/>
-                </a:solidFill>
-              </a14:hiddenFill>
-            </a:ext>
-          </a:extLst>
-        </p:spPr>
-      </p:pic>
-    </p:spTree>
-    <p:extLst>
-      <p:ext uri="{BB962C8B-B14F-4D97-AF65-F5344CB8AC3E}">
-        <p14:creationId xmlns:p14="http://schemas.microsoft.com/office/powerpoint/2010/main" val="3500354263"/>
-      </p:ext>
-    </p:extLst>
-  </p:cSld>
-  <p:clrMapOvr>
-    <a:masterClrMapping/>
-  </p:clrMapOvr>
-</p:sld>
-</file>
-
-<file path=ppt/slides/slide7.xml><?xml version="1.0" encoding="utf-8"?>
 <p:sld xmlns:a="http://schemas.openxmlformats.org/drawingml/2006/main" xmlns:r="http://schemas.openxmlformats.org/officeDocument/2006/relationships" xmlns:p="http://schemas.openxmlformats.org/presentationml/2006/main">
   <p:cSld>
     <p:spTree>
@@ -9221,7 +9074,7 @@
 </p:sld>
 </file>
 
-<file path=ppt/slides/slide8.xml><?xml version="1.0" encoding="utf-8"?>
+<file path=ppt/slides/slide7.xml><?xml version="1.0" encoding="utf-8"?>
 <p:sld xmlns:a="http://schemas.openxmlformats.org/drawingml/2006/main" xmlns:r="http://schemas.openxmlformats.org/officeDocument/2006/relationships" xmlns:p="http://schemas.openxmlformats.org/presentationml/2006/main">
   <p:cSld>
     <p:spTree>
@@ -9319,7 +9172,7 @@
 </p:sld>
 </file>
 
-<file path=ppt/slides/slide9.xml><?xml version="1.0" encoding="utf-8"?>
+<file path=ppt/slides/slide8.xml><?xml version="1.0" encoding="utf-8"?>
 <p:sld xmlns:a="http://schemas.openxmlformats.org/drawingml/2006/main" xmlns:r="http://schemas.openxmlformats.org/officeDocument/2006/relationships" xmlns:p="http://schemas.openxmlformats.org/presentationml/2006/main">
   <p:cSld>
     <p:spTree>
@@ -9755,6 +9608,451 @@
     <p:extLst>
       <p:ext uri="{BB962C8B-B14F-4D97-AF65-F5344CB8AC3E}">
         <p14:creationId xmlns:p14="http://schemas.microsoft.com/office/powerpoint/2010/main" val="631704452"/>
+      </p:ext>
+    </p:extLst>
+  </p:cSld>
+  <p:clrMapOvr>
+    <a:masterClrMapping/>
+  </p:clrMapOvr>
+</p:sld>
+</file>
+
+<file path=ppt/slides/slide9.xml><?xml version="1.0" encoding="utf-8"?>
+<p:sld xmlns:a="http://schemas.openxmlformats.org/drawingml/2006/main" xmlns:r="http://schemas.openxmlformats.org/officeDocument/2006/relationships" xmlns:p="http://schemas.openxmlformats.org/presentationml/2006/main">
+  <p:cSld>
+    <p:spTree>
+      <p:nvGrpSpPr>
+        <p:cNvPr id="1" name=""/>
+        <p:cNvGrpSpPr/>
+        <p:nvPr/>
+      </p:nvGrpSpPr>
+      <p:grpSpPr>
+        <a:xfrm>
+          <a:off x="0" y="0"/>
+          <a:ext cx="0" cy="0"/>
+          <a:chOff x="0" y="0"/>
+          <a:chExt cx="0" cy="0"/>
+        </a:xfrm>
+      </p:grpSpPr>
+      <p:pic>
+        <p:nvPicPr>
+          <p:cNvPr id="2" name="Imagem 1" descr="Texto&#10;&#10;Descrição gerada automaticamente">
+            <a:extLst>
+              <a:ext uri="{FF2B5EF4-FFF2-40B4-BE49-F238E27FC236}">
+                <a16:creationId xmlns:a16="http://schemas.microsoft.com/office/drawing/2014/main" id="{52251882-2418-4C22-B920-B6DE6CF697FD}"/>
+              </a:ext>
+            </a:extLst>
+          </p:cNvPr>
+          <p:cNvPicPr>
+            <a:picLocks noChangeAspect="1"/>
+          </p:cNvPicPr>
+          <p:nvPr/>
+        </p:nvPicPr>
+        <p:blipFill>
+          <a:blip r:embed="rId2">
+            <a:extLst>
+              <a:ext uri="{28A0092B-C50C-407E-A947-70E740481C1C}">
+                <a14:useLocalDpi xmlns:a14="http://schemas.microsoft.com/office/drawing/2010/main" val="0"/>
+              </a:ext>
+            </a:extLst>
+          </a:blip>
+          <a:stretch>
+            <a:fillRect/>
+          </a:stretch>
+        </p:blipFill>
+        <p:spPr>
+          <a:xfrm>
+            <a:off x="322392" y="285812"/>
+            <a:ext cx="8686687" cy="3262605"/>
+          </a:xfrm>
+          <a:prstGeom prst="rect">
+            <a:avLst/>
+          </a:prstGeom>
+        </p:spPr>
+      </p:pic>
+      <p:sp>
+        <p:nvSpPr>
+          <p:cNvPr id="3" name="Espaço Reservado para Conteúdo 12">
+            <a:extLst>
+              <a:ext uri="{FF2B5EF4-FFF2-40B4-BE49-F238E27FC236}">
+                <a16:creationId xmlns:a16="http://schemas.microsoft.com/office/drawing/2014/main" id="{C1026980-4DF3-4DAF-A8F8-C7D1FC196027}"/>
+              </a:ext>
+            </a:extLst>
+          </p:cNvPr>
+          <p:cNvSpPr txBox="1">
+            <a:spLocks/>
+          </p:cNvSpPr>
+          <p:nvPr/>
+        </p:nvSpPr>
+        <p:spPr>
+          <a:xfrm>
+            <a:off x="586249" y="4161752"/>
+            <a:ext cx="10353762" cy="1474774"/>
+          </a:xfrm>
+          <a:prstGeom prst="rect">
+            <a:avLst/>
+          </a:prstGeom>
+        </p:spPr>
+        <p:txBody>
+          <a:bodyPr>
+            <a:normAutofit/>
+          </a:bodyPr>
+          <a:lstStyle>
+            <a:lvl1pPr marL="342900" indent="-306000" algn="l" defTabSz="457200" rtl="0" eaLnBrk="1" latinLnBrk="0" hangingPunct="1">
+              <a:spcBef>
+                <a:spcPct val="20000"/>
+              </a:spcBef>
+              <a:spcAft>
+                <a:spcPts val="600"/>
+              </a:spcAft>
+              <a:buClr>
+                <a:schemeClr val="tx2"/>
+              </a:buClr>
+              <a:buSzPct val="70000"/>
+              <a:buFont typeface="Wingdings 2" charset="2"/>
+              <a:buChar char=""/>
+              <a:defRPr sz="2000" kern="1200">
+                <a:ln>
+                  <a:solidFill>
+                    <a:schemeClr val="bg1">
+                      <a:lumMod val="75000"/>
+                      <a:lumOff val="25000"/>
+                      <a:alpha val="10000"/>
+                    </a:schemeClr>
+                  </a:solidFill>
+                </a:ln>
+                <a:solidFill>
+                  <a:schemeClr val="tx2"/>
+                </a:solidFill>
+                <a:effectLst>
+                  <a:outerShdw blurRad="9525" dist="25400" dir="14640000" algn="tl" rotWithShape="0">
+                    <a:schemeClr val="bg1">
+                      <a:alpha val="30000"/>
+                    </a:schemeClr>
+                  </a:outerShdw>
+                </a:effectLst>
+                <a:latin typeface="+mn-lt"/>
+                <a:ea typeface="+mn-ea"/>
+                <a:cs typeface="+mn-cs"/>
+              </a:defRPr>
+            </a:lvl1pPr>
+            <a:lvl2pPr marL="720000" indent="-270000" algn="l" defTabSz="457200" rtl="0" eaLnBrk="1" latinLnBrk="0" hangingPunct="1">
+              <a:spcBef>
+                <a:spcPct val="20000"/>
+              </a:spcBef>
+              <a:spcAft>
+                <a:spcPts val="600"/>
+              </a:spcAft>
+              <a:buClr>
+                <a:schemeClr val="tx2"/>
+              </a:buClr>
+              <a:buSzPct val="70000"/>
+              <a:buFont typeface="Wingdings 2" charset="2"/>
+              <a:buChar char=""/>
+              <a:defRPr sz="1800" kern="1200">
+                <a:ln>
+                  <a:solidFill>
+                    <a:schemeClr val="bg1">
+                      <a:lumMod val="75000"/>
+                      <a:lumOff val="25000"/>
+                      <a:alpha val="10000"/>
+                    </a:schemeClr>
+                  </a:solidFill>
+                </a:ln>
+                <a:solidFill>
+                  <a:schemeClr val="tx2"/>
+                </a:solidFill>
+                <a:effectLst>
+                  <a:outerShdw blurRad="9525" dist="25400" dir="14640000" algn="tl" rotWithShape="0">
+                    <a:schemeClr val="bg1">
+                      <a:alpha val="30000"/>
+                    </a:schemeClr>
+                  </a:outerShdw>
+                </a:effectLst>
+                <a:latin typeface="+mn-lt"/>
+                <a:ea typeface="+mn-ea"/>
+                <a:cs typeface="+mn-cs"/>
+              </a:defRPr>
+            </a:lvl2pPr>
+            <a:lvl3pPr marL="1026000" indent="-216000" algn="l" defTabSz="457200" rtl="0" eaLnBrk="1" latinLnBrk="0" hangingPunct="1">
+              <a:spcBef>
+                <a:spcPct val="20000"/>
+              </a:spcBef>
+              <a:spcAft>
+                <a:spcPts val="600"/>
+              </a:spcAft>
+              <a:buClr>
+                <a:schemeClr val="tx2"/>
+              </a:buClr>
+              <a:buSzPct val="70000"/>
+              <a:buFont typeface="Wingdings 2" charset="2"/>
+              <a:buChar char=""/>
+              <a:defRPr sz="1600" kern="1200">
+                <a:ln>
+                  <a:solidFill>
+                    <a:schemeClr val="bg1">
+                      <a:lumMod val="75000"/>
+                      <a:lumOff val="25000"/>
+                      <a:alpha val="10000"/>
+                    </a:schemeClr>
+                  </a:solidFill>
+                </a:ln>
+                <a:solidFill>
+                  <a:schemeClr val="tx2"/>
+                </a:solidFill>
+                <a:effectLst>
+                  <a:outerShdw blurRad="9525" dist="25400" dir="14640000" algn="tl" rotWithShape="0">
+                    <a:schemeClr val="bg1">
+                      <a:alpha val="30000"/>
+                    </a:schemeClr>
+                  </a:outerShdw>
+                </a:effectLst>
+                <a:latin typeface="+mn-lt"/>
+                <a:ea typeface="+mn-ea"/>
+                <a:cs typeface="+mn-cs"/>
+              </a:defRPr>
+            </a:lvl3pPr>
+            <a:lvl4pPr marL="1386000" indent="-216000" algn="l" defTabSz="457200" rtl="0" eaLnBrk="1" latinLnBrk="0" hangingPunct="1">
+              <a:spcBef>
+                <a:spcPct val="20000"/>
+              </a:spcBef>
+              <a:spcAft>
+                <a:spcPts val="600"/>
+              </a:spcAft>
+              <a:buClr>
+                <a:schemeClr val="tx2"/>
+              </a:buClr>
+              <a:buSzPct val="70000"/>
+              <a:buFont typeface="Wingdings 2" charset="2"/>
+              <a:buChar char=""/>
+              <a:defRPr sz="1400" kern="1200">
+                <a:ln>
+                  <a:solidFill>
+                    <a:schemeClr val="bg1">
+                      <a:lumMod val="75000"/>
+                      <a:lumOff val="25000"/>
+                      <a:alpha val="10000"/>
+                    </a:schemeClr>
+                  </a:solidFill>
+                </a:ln>
+                <a:solidFill>
+                  <a:schemeClr val="tx2"/>
+                </a:solidFill>
+                <a:effectLst>
+                  <a:outerShdw blurRad="9525" dist="25400" dir="14640000" algn="tl" rotWithShape="0">
+                    <a:schemeClr val="bg1">
+                      <a:alpha val="30000"/>
+                    </a:schemeClr>
+                  </a:outerShdw>
+                </a:effectLst>
+                <a:latin typeface="+mn-lt"/>
+                <a:ea typeface="+mn-ea"/>
+                <a:cs typeface="+mn-cs"/>
+              </a:defRPr>
+            </a:lvl4pPr>
+            <a:lvl5pPr marL="1674000" indent="-216000" algn="l" defTabSz="457200" rtl="0" eaLnBrk="1" latinLnBrk="0" hangingPunct="1">
+              <a:spcBef>
+                <a:spcPct val="20000"/>
+              </a:spcBef>
+              <a:spcAft>
+                <a:spcPts val="600"/>
+              </a:spcAft>
+              <a:buClr>
+                <a:schemeClr val="tx2"/>
+              </a:buClr>
+              <a:buSzPct val="70000"/>
+              <a:buFont typeface="Wingdings 2" charset="2"/>
+              <a:buChar char=""/>
+              <a:defRPr sz="1400" kern="1200">
+                <a:ln>
+                  <a:solidFill>
+                    <a:schemeClr val="bg1">
+                      <a:lumMod val="75000"/>
+                      <a:lumOff val="25000"/>
+                      <a:alpha val="10000"/>
+                    </a:schemeClr>
+                  </a:solidFill>
+                </a:ln>
+                <a:solidFill>
+                  <a:schemeClr val="tx2"/>
+                </a:solidFill>
+                <a:effectLst>
+                  <a:outerShdw blurRad="9525" dist="25400" dir="14640000" algn="tl" rotWithShape="0">
+                    <a:schemeClr val="bg1">
+                      <a:alpha val="30000"/>
+                    </a:schemeClr>
+                  </a:outerShdw>
+                </a:effectLst>
+                <a:latin typeface="+mn-lt"/>
+                <a:ea typeface="+mn-ea"/>
+                <a:cs typeface="+mn-cs"/>
+              </a:defRPr>
+            </a:lvl5pPr>
+            <a:lvl6pPr marL="2014600" indent="-228600" algn="l" defTabSz="457200" rtl="0" eaLnBrk="1" latinLnBrk="0" hangingPunct="1">
+              <a:spcBef>
+                <a:spcPct val="20000"/>
+              </a:spcBef>
+              <a:spcAft>
+                <a:spcPts val="600"/>
+              </a:spcAft>
+              <a:buClr>
+                <a:schemeClr val="tx2"/>
+              </a:buClr>
+              <a:buSzPct val="70000"/>
+              <a:buFont typeface="Wingdings 2" charset="2"/>
+              <a:buChar char=""/>
+              <a:defRPr sz="1400" kern="1200">
+                <a:ln>
+                  <a:solidFill>
+                    <a:schemeClr val="bg1">
+                      <a:lumMod val="75000"/>
+                      <a:lumOff val="25000"/>
+                      <a:alpha val="10000"/>
+                    </a:schemeClr>
+                  </a:solidFill>
+                </a:ln>
+                <a:solidFill>
+                  <a:schemeClr val="tx2"/>
+                </a:solidFill>
+                <a:effectLst>
+                  <a:outerShdw blurRad="9525" dist="25400" dir="14640000" algn="tl" rotWithShape="0">
+                    <a:schemeClr val="bg1">
+                      <a:alpha val="30000"/>
+                    </a:schemeClr>
+                  </a:outerShdw>
+                </a:effectLst>
+                <a:latin typeface="+mn-lt"/>
+                <a:ea typeface="+mn-ea"/>
+                <a:cs typeface="+mn-cs"/>
+              </a:defRPr>
+            </a:lvl6pPr>
+            <a:lvl7pPr marL="2401800" indent="-228600" algn="l" defTabSz="457200" rtl="0" eaLnBrk="1" latinLnBrk="0" hangingPunct="1">
+              <a:spcBef>
+                <a:spcPct val="20000"/>
+              </a:spcBef>
+              <a:spcAft>
+                <a:spcPts val="600"/>
+              </a:spcAft>
+              <a:buClr>
+                <a:schemeClr val="tx2"/>
+              </a:buClr>
+              <a:buSzPct val="70000"/>
+              <a:buFont typeface="Wingdings 2" charset="2"/>
+              <a:buChar char=""/>
+              <a:defRPr sz="1400" kern="1200">
+                <a:ln>
+                  <a:solidFill>
+                    <a:schemeClr val="bg1">
+                      <a:lumMod val="75000"/>
+                      <a:lumOff val="25000"/>
+                      <a:alpha val="10000"/>
+                    </a:schemeClr>
+                  </a:solidFill>
+                </a:ln>
+                <a:solidFill>
+                  <a:schemeClr val="tx2"/>
+                </a:solidFill>
+                <a:effectLst>
+                  <a:outerShdw blurRad="9525" dist="25400" dir="14640000" algn="tl" rotWithShape="0">
+                    <a:schemeClr val="bg1">
+                      <a:alpha val="30000"/>
+                    </a:schemeClr>
+                  </a:outerShdw>
+                </a:effectLst>
+                <a:latin typeface="+mn-lt"/>
+                <a:ea typeface="+mn-ea"/>
+                <a:cs typeface="+mn-cs"/>
+              </a:defRPr>
+            </a:lvl7pPr>
+            <a:lvl8pPr marL="2789000" indent="-228600" algn="l" defTabSz="457200" rtl="0" eaLnBrk="1" latinLnBrk="0" hangingPunct="1">
+              <a:spcBef>
+                <a:spcPct val="20000"/>
+              </a:spcBef>
+              <a:spcAft>
+                <a:spcPts val="600"/>
+              </a:spcAft>
+              <a:buClr>
+                <a:schemeClr val="tx2"/>
+              </a:buClr>
+              <a:buSzPct val="70000"/>
+              <a:buFont typeface="Wingdings 2" charset="2"/>
+              <a:buChar char=""/>
+              <a:defRPr sz="1400" kern="1200">
+                <a:ln>
+                  <a:solidFill>
+                    <a:schemeClr val="bg1">
+                      <a:lumMod val="75000"/>
+                      <a:lumOff val="25000"/>
+                      <a:alpha val="10000"/>
+                    </a:schemeClr>
+                  </a:solidFill>
+                </a:ln>
+                <a:solidFill>
+                  <a:schemeClr val="tx2"/>
+                </a:solidFill>
+                <a:effectLst>
+                  <a:outerShdw blurRad="9525" dist="25400" dir="14640000" algn="tl" rotWithShape="0">
+                    <a:schemeClr val="bg1">
+                      <a:alpha val="30000"/>
+                    </a:schemeClr>
+                  </a:outerShdw>
+                </a:effectLst>
+                <a:latin typeface="+mn-lt"/>
+                <a:ea typeface="+mn-ea"/>
+                <a:cs typeface="+mn-cs"/>
+              </a:defRPr>
+            </a:lvl8pPr>
+            <a:lvl9pPr marL="3106200" indent="-228600" algn="l" defTabSz="457200" rtl="0" eaLnBrk="1" latinLnBrk="0" hangingPunct="1">
+              <a:spcBef>
+                <a:spcPct val="20000"/>
+              </a:spcBef>
+              <a:spcAft>
+                <a:spcPts val="600"/>
+              </a:spcAft>
+              <a:buClr>
+                <a:schemeClr val="tx2"/>
+              </a:buClr>
+              <a:buSzPct val="70000"/>
+              <a:buFont typeface="Wingdings 2" charset="2"/>
+              <a:buChar char=""/>
+              <a:defRPr sz="1400" kern="1200">
+                <a:ln>
+                  <a:solidFill>
+                    <a:schemeClr val="bg1">
+                      <a:lumMod val="75000"/>
+                      <a:lumOff val="25000"/>
+                      <a:alpha val="10000"/>
+                    </a:schemeClr>
+                  </a:solidFill>
+                </a:ln>
+                <a:solidFill>
+                  <a:schemeClr val="tx2"/>
+                </a:solidFill>
+                <a:effectLst>
+                  <a:outerShdw blurRad="9525" dist="25400" dir="14640000" algn="tl" rotWithShape="0">
+                    <a:schemeClr val="bg1">
+                      <a:alpha val="30000"/>
+                    </a:schemeClr>
+                  </a:outerShdw>
+                </a:effectLst>
+                <a:latin typeface="+mn-lt"/>
+                <a:ea typeface="+mn-ea"/>
+                <a:cs typeface="+mn-cs"/>
+              </a:defRPr>
+            </a:lvl9pPr>
+          </a:lstStyle>
+          <a:p>
+            <a:r>
+              <a:rPr lang="pt-BR" sz="2400" dirty="0"/>
+              <a:t>Conforme o jogo decorre, os pássaros se  ‘‘movem’’, esse movimento garante uma pontuação de 0.1 a cada um deles, um pequeno incentivo para continuarem existindo.</a:t>
+            </a:r>
+          </a:p>
+        </p:txBody>
+      </p:sp>
+    </p:spTree>
+    <p:extLst>
+      <p:ext uri="{BB962C8B-B14F-4D97-AF65-F5344CB8AC3E}">
+        <p14:creationId xmlns:p14="http://schemas.microsoft.com/office/powerpoint/2010/main" val="1964514698"/>
       </p:ext>
     </p:extLst>
   </p:cSld>
@@ -10004,4 +10302,299 @@
     </a:ext>
   </a:extLst>
 </a:theme>
+</file>
+
+<file path=ppt/theme/theme2.xml><?xml version="1.0" encoding="utf-8"?>
+<a:theme xmlns:a="http://schemas.openxmlformats.org/drawingml/2006/main" name="Tema do Office">
+  <a:themeElements>
+    <a:clrScheme name="Office">
+      <a:dk1>
+        <a:sysClr val="windowText" lastClr="000000"/>
+      </a:dk1>
+      <a:lt1>
+        <a:sysClr val="window" lastClr="FFFFFF"/>
+      </a:lt1>
+      <a:dk2>
+        <a:srgbClr val="44546A"/>
+      </a:dk2>
+      <a:lt2>
+        <a:srgbClr val="E7E6E6"/>
+      </a:lt2>
+      <a:accent1>
+        <a:srgbClr val="4472C4"/>
+      </a:accent1>
+      <a:accent2>
+        <a:srgbClr val="ED7D31"/>
+      </a:accent2>
+      <a:accent3>
+        <a:srgbClr val="A5A5A5"/>
+      </a:accent3>
+      <a:accent4>
+        <a:srgbClr val="FFC000"/>
+      </a:accent4>
+      <a:accent5>
+        <a:srgbClr val="5B9BD5"/>
+      </a:accent5>
+      <a:accent6>
+        <a:srgbClr val="70AD47"/>
+      </a:accent6>
+      <a:hlink>
+        <a:srgbClr val="0563C1"/>
+      </a:hlink>
+      <a:folHlink>
+        <a:srgbClr val="954F72"/>
+      </a:folHlink>
+    </a:clrScheme>
+    <a:fontScheme name="Office">
+      <a:majorFont>
+        <a:latin typeface="Calibri Light" panose="020F0302020204030204"/>
+        <a:ea typeface=""/>
+        <a:cs typeface=""/>
+        <a:font script="Jpan" typeface="游ゴシック Light"/>
+        <a:font script="Hang" typeface="맑은 고딕"/>
+        <a:font script="Hans" typeface="等线 Light"/>
+        <a:font script="Hant" typeface="新細明體"/>
+        <a:font script="Arab" typeface="Times New Roman"/>
+        <a:font script="Hebr" typeface="Times New Roman"/>
+        <a:font script="Thai" typeface="Angsana New"/>
+        <a:font script="Ethi" typeface="Nyala"/>
+        <a:font script="Beng" typeface="Vrinda"/>
+        <a:font script="Gujr" typeface="Shruti"/>
+        <a:font script="Khmr" typeface="MoolBoran"/>
+        <a:font script="Knda" typeface="Tunga"/>
+        <a:font script="Guru" typeface="Raavi"/>
+        <a:font script="Cans" typeface="Euphemia"/>
+        <a:font script="Cher" typeface="Plantagenet Cherokee"/>
+        <a:font script="Yiii" typeface="Microsoft Yi Baiti"/>
+        <a:font script="Tibt" typeface="Microsoft Himalaya"/>
+        <a:font script="Thaa" typeface="MV Boli"/>
+        <a:font script="Deva" typeface="Mangal"/>
+        <a:font script="Telu" typeface="Gautami"/>
+        <a:font script="Taml" typeface="Latha"/>
+        <a:font script="Syrc" typeface="Estrangelo Edessa"/>
+        <a:font script="Orya" typeface="Kalinga"/>
+        <a:font script="Mlym" typeface="Kartika"/>
+        <a:font script="Laoo" typeface="DokChampa"/>
+        <a:font script="Sinh" typeface="Iskoola Pota"/>
+        <a:font script="Mong" typeface="Mongolian Baiti"/>
+        <a:font script="Viet" typeface="Times New Roman"/>
+        <a:font script="Uigh" typeface="Microsoft Uighur"/>
+        <a:font script="Geor" typeface="Sylfaen"/>
+        <a:font script="Armn" typeface="Arial"/>
+        <a:font script="Bugi" typeface="Leelawadee UI"/>
+        <a:font script="Bopo" typeface="Microsoft JhengHei"/>
+        <a:font script="Java" typeface="Javanese Text"/>
+        <a:font script="Lisu" typeface="Segoe UI"/>
+        <a:font script="Mymr" typeface="Myanmar Text"/>
+        <a:font script="Nkoo" typeface="Ebrima"/>
+        <a:font script="Olck" typeface="Nirmala UI"/>
+        <a:font script="Osma" typeface="Ebrima"/>
+        <a:font script="Phag" typeface="Phagspa"/>
+        <a:font script="Syrn" typeface="Estrangelo Edessa"/>
+        <a:font script="Syrj" typeface="Estrangelo Edessa"/>
+        <a:font script="Syre" typeface="Estrangelo Edessa"/>
+        <a:font script="Sora" typeface="Nirmala UI"/>
+        <a:font script="Tale" typeface="Microsoft Tai Le"/>
+        <a:font script="Talu" typeface="Microsoft New Tai Lue"/>
+        <a:font script="Tfng" typeface="Ebrima"/>
+      </a:majorFont>
+      <a:minorFont>
+        <a:latin typeface="Calibri" panose="020F0502020204030204"/>
+        <a:ea typeface=""/>
+        <a:cs typeface=""/>
+        <a:font script="Jpan" typeface="游ゴシック"/>
+        <a:font script="Hang" typeface="맑은 고딕"/>
+        <a:font script="Hans" typeface="等线"/>
+        <a:font script="Hant" typeface="新細明體"/>
+        <a:font script="Arab" typeface="Arial"/>
+        <a:font script="Hebr" typeface="Arial"/>
+        <a:font script="Thai" typeface="Cordia New"/>
+        <a:font script="Ethi" typeface="Nyala"/>
+        <a:font script="Beng" typeface="Vrinda"/>
+        <a:font script="Gujr" typeface="Shruti"/>
+        <a:font script="Khmr" typeface="DaunPenh"/>
+        <a:font script="Knda" typeface="Tunga"/>
+        <a:font script="Guru" typeface="Raavi"/>
+        <a:font script="Cans" typeface="Euphemia"/>
+        <a:font script="Cher" typeface="Plantagenet Cherokee"/>
+        <a:font script="Yiii" typeface="Microsoft Yi Baiti"/>
+        <a:font script="Tibt" typeface="Microsoft Himalaya"/>
+        <a:font script="Thaa" typeface="MV Boli"/>
+        <a:font script="Deva" typeface="Mangal"/>
+        <a:font script="Telu" typeface="Gautami"/>
+        <a:font script="Taml" typeface="Latha"/>
+        <a:font script="Syrc" typeface="Estrangelo Edessa"/>
+        <a:font script="Orya" typeface="Kalinga"/>
+        <a:font script="Mlym" typeface="Kartika"/>
+        <a:font script="Laoo" typeface="DokChampa"/>
+        <a:font script="Sinh" typeface="Iskoola Pota"/>
+        <a:font script="Mong" typeface="Mongolian Baiti"/>
+        <a:font script="Viet" typeface="Arial"/>
+        <a:font script="Uigh" typeface="Microsoft Uighur"/>
+        <a:font script="Geor" typeface="Sylfaen"/>
+        <a:font script="Armn" typeface="Arial"/>
+        <a:font script="Bugi" typeface="Leelawadee UI"/>
+        <a:font script="Bopo" typeface="Microsoft JhengHei"/>
+        <a:font script="Java" typeface="Javanese Text"/>
+        <a:font script="Lisu" typeface="Segoe UI"/>
+        <a:font script="Mymr" typeface="Myanmar Text"/>
+        <a:font script="Nkoo" typeface="Ebrima"/>
+        <a:font script="Olck" typeface="Nirmala UI"/>
+        <a:font script="Osma" typeface="Ebrima"/>
+        <a:font script="Phag" typeface="Phagspa"/>
+        <a:font script="Syrn" typeface="Estrangelo Edessa"/>
+        <a:font script="Syrj" typeface="Estrangelo Edessa"/>
+        <a:font script="Syre" typeface="Estrangelo Edessa"/>
+        <a:font script="Sora" typeface="Nirmala UI"/>
+        <a:font script="Tale" typeface="Microsoft Tai Le"/>
+        <a:font script="Talu" typeface="Microsoft New Tai Lue"/>
+        <a:font script="Tfng" typeface="Ebrima"/>
+      </a:minorFont>
+    </a:fontScheme>
+    <a:fmtScheme name="Office">
+      <a:fillStyleLst>
+        <a:solidFill>
+          <a:schemeClr val="phClr"/>
+        </a:solidFill>
+        <a:gradFill rotWithShape="1">
+          <a:gsLst>
+            <a:gs pos="0">
+              <a:schemeClr val="phClr">
+                <a:lumMod val="110000"/>
+                <a:satMod val="105000"/>
+                <a:tint val="67000"/>
+              </a:schemeClr>
+            </a:gs>
+            <a:gs pos="50000">
+              <a:schemeClr val="phClr">
+                <a:lumMod val="105000"/>
+                <a:satMod val="103000"/>
+                <a:tint val="73000"/>
+              </a:schemeClr>
+            </a:gs>
+            <a:gs pos="100000">
+              <a:schemeClr val="phClr">
+                <a:lumMod val="105000"/>
+                <a:satMod val="109000"/>
+                <a:tint val="81000"/>
+              </a:schemeClr>
+            </a:gs>
+          </a:gsLst>
+          <a:lin ang="5400000" scaled="0"/>
+        </a:gradFill>
+        <a:gradFill rotWithShape="1">
+          <a:gsLst>
+            <a:gs pos="0">
+              <a:schemeClr val="phClr">
+                <a:satMod val="103000"/>
+                <a:lumMod val="102000"/>
+                <a:tint val="94000"/>
+              </a:schemeClr>
+            </a:gs>
+            <a:gs pos="50000">
+              <a:schemeClr val="phClr">
+                <a:satMod val="110000"/>
+                <a:lumMod val="100000"/>
+                <a:shade val="100000"/>
+              </a:schemeClr>
+            </a:gs>
+            <a:gs pos="100000">
+              <a:schemeClr val="phClr">
+                <a:lumMod val="99000"/>
+                <a:satMod val="120000"/>
+                <a:shade val="78000"/>
+              </a:schemeClr>
+            </a:gs>
+          </a:gsLst>
+          <a:lin ang="5400000" scaled="0"/>
+        </a:gradFill>
+      </a:fillStyleLst>
+      <a:lnStyleLst>
+        <a:ln w="6350" cap="flat" cmpd="sng" algn="ctr">
+          <a:solidFill>
+            <a:schemeClr val="phClr"/>
+          </a:solidFill>
+          <a:prstDash val="solid"/>
+          <a:miter lim="800000"/>
+        </a:ln>
+        <a:ln w="12700" cap="flat" cmpd="sng" algn="ctr">
+          <a:solidFill>
+            <a:schemeClr val="phClr"/>
+          </a:solidFill>
+          <a:prstDash val="solid"/>
+          <a:miter lim="800000"/>
+        </a:ln>
+        <a:ln w="19050" cap="flat" cmpd="sng" algn="ctr">
+          <a:solidFill>
+            <a:schemeClr val="phClr"/>
+          </a:solidFill>
+          <a:prstDash val="solid"/>
+          <a:miter lim="800000"/>
+        </a:ln>
+      </a:lnStyleLst>
+      <a:effectStyleLst>
+        <a:effectStyle>
+          <a:effectLst/>
+        </a:effectStyle>
+        <a:effectStyle>
+          <a:effectLst/>
+        </a:effectStyle>
+        <a:effectStyle>
+          <a:effectLst>
+            <a:outerShdw blurRad="57150" dist="19050" dir="5400000" algn="ctr" rotWithShape="0">
+              <a:srgbClr val="000000">
+                <a:alpha val="63000"/>
+              </a:srgbClr>
+            </a:outerShdw>
+          </a:effectLst>
+        </a:effectStyle>
+      </a:effectStyleLst>
+      <a:bgFillStyleLst>
+        <a:solidFill>
+          <a:schemeClr val="phClr"/>
+        </a:solidFill>
+        <a:solidFill>
+          <a:schemeClr val="phClr">
+            <a:tint val="95000"/>
+            <a:satMod val="170000"/>
+          </a:schemeClr>
+        </a:solidFill>
+        <a:gradFill rotWithShape="1">
+          <a:gsLst>
+            <a:gs pos="0">
+              <a:schemeClr val="phClr">
+                <a:tint val="93000"/>
+                <a:satMod val="150000"/>
+                <a:shade val="98000"/>
+                <a:lumMod val="102000"/>
+              </a:schemeClr>
+            </a:gs>
+            <a:gs pos="50000">
+              <a:schemeClr val="phClr">
+                <a:tint val="98000"/>
+                <a:satMod val="130000"/>
+                <a:shade val="90000"/>
+                <a:lumMod val="103000"/>
+              </a:schemeClr>
+            </a:gs>
+            <a:gs pos="100000">
+              <a:schemeClr val="phClr">
+                <a:shade val="63000"/>
+                <a:satMod val="120000"/>
+              </a:schemeClr>
+            </a:gs>
+          </a:gsLst>
+          <a:lin ang="5400000" scaled="0"/>
+        </a:gradFill>
+      </a:bgFillStyleLst>
+    </a:fmtScheme>
+  </a:themeElements>
+  <a:objectDefaults/>
+  <a:extraClrSchemeLst/>
+  <a:extLst>
+    <a:ext uri="{05A4C25C-085E-4340-85A3-A5531E510DB2}">
+      <thm15:themeFamily xmlns:thm15="http://schemas.microsoft.com/office/thememl/2012/main" name="Office Theme" id="{62F939B6-93AF-4DB8-9C6B-D6C7DFDC589F}" vid="{4A3C46E8-61CC-4603-A589-7422A47A8E4A}"/>
+    </a:ext>
+  </a:extLst>
+</a:theme>
 </file>